--- a/Kea PowerPoint.pptx
+++ b/Kea PowerPoint.pptx
@@ -7,13 +7,14 @@
   <p:sldIdLst>
     <p:sldId id="256" r:id="rId2"/>
     <p:sldId id="258" r:id="rId3"/>
-    <p:sldId id="259" r:id="rId4"/>
-    <p:sldId id="257" r:id="rId5"/>
-    <p:sldId id="263" r:id="rId6"/>
-    <p:sldId id="264" r:id="rId7"/>
-    <p:sldId id="261" r:id="rId8"/>
-    <p:sldId id="262" r:id="rId9"/>
-    <p:sldId id="265" r:id="rId10"/>
+    <p:sldId id="257" r:id="rId4"/>
+    <p:sldId id="267" r:id="rId5"/>
+    <p:sldId id="259" r:id="rId6"/>
+    <p:sldId id="269" r:id="rId7"/>
+    <p:sldId id="270" r:id="rId8"/>
+    <p:sldId id="263" r:id="rId9"/>
+    <p:sldId id="262" r:id="rId10"/>
+    <p:sldId id="271" r:id="rId11"/>
   </p:sldIdLst>
   <p:sldSz cx="12192000" cy="6858000"/>
   <p:notesSz cx="6858000" cy="9144000"/>
@@ -120,13 +121,385 @@
 </p:presentation>
 </file>
 
+<file path=ppt/commentAuthors.xml><?xml version="1.0" encoding="utf-8"?>
+<p:cmAuthorLst xmlns:a="http://schemas.openxmlformats.org/drawingml/2006/main" xmlns:r="http://schemas.openxmlformats.org/officeDocument/2006/relationships" xmlns:p="http://schemas.openxmlformats.org/presentationml/2006/main">
+  <p:cmAuthor id="1" name="Anne Meyer" initials="AM" lastIdx="1" clrIdx="0">
+    <p:extLst>
+      <p:ext uri="{19B8F6BF-5375-455C-9EA6-DF929625EA0E}">
+        <p15:presenceInfo xmlns:p15="http://schemas.microsoft.com/office/powerpoint/2012/main" userId="5bb8eadfabf58046" providerId="Windows Live"/>
+      </p:ext>
+    </p:extLst>
+  </p:cmAuthor>
+</p:cmAuthorLst>
+</file>
+
 <file path=ppt/revisionInfo.xml><?xml version="1.0" encoding="utf-8"?>
 <p1510:revInfo xmlns:a="http://schemas.openxmlformats.org/drawingml/2006/main" xmlns:r="http://schemas.openxmlformats.org/officeDocument/2006/relationships" xmlns:p1510="http://schemas.microsoft.com/office/powerpoint/2015/10/main">
   <p1510:revLst>
-    <p1510:client id="{4993156E-A8AD-46F3-A887-141707FCB751}" v="419" dt="2019-11-12T01:00:15.736"/>
-    <p1510:client id="{B6C6B181-4C79-46AD-8007-8340E2760885}" v="5" dt="2019-11-12T01:32:17.045"/>
+    <p1510:client id="{D9101A08-C6E6-4594-B5B4-15601555ED7F}" v="338" dt="2020-02-21T02:41:42.655"/>
   </p1510:revLst>
 </p1510:revInfo>
+</file>
+
+<file path=ppt/changesInfos/changesInfo1.xml><?xml version="1.0" encoding="utf-8"?>
+<pc:chgInfo xmlns:a="http://schemas.openxmlformats.org/drawingml/2006/main" xmlns:r="http://schemas.openxmlformats.org/officeDocument/2006/relationships" xmlns:ac="http://schemas.microsoft.com/office/drawing/2013/main/command" xmlns:pc="http://schemas.microsoft.com/office/powerpoint/2013/main/command">
+  <pc:docChgLst>
+    <pc:chgData name="Anne Meyer" userId="5bb8eadfabf58046" providerId="LiveId" clId="{D9101A08-C6E6-4594-B5B4-15601555ED7F}"/>
+    <pc:docChg chg="custSel addSld delSld modSld sldOrd">
+      <pc:chgData name="Anne Meyer" userId="5bb8eadfabf58046" providerId="LiveId" clId="{D9101A08-C6E6-4594-B5B4-15601555ED7F}" dt="2020-02-21T02:42:09.834" v="2355" actId="1592"/>
+      <pc:docMkLst>
+        <pc:docMk/>
+      </pc:docMkLst>
+      <pc:sldChg chg="addSp delSp modSp ord addCm delCm">
+        <pc:chgData name="Anne Meyer" userId="5bb8eadfabf58046" providerId="LiveId" clId="{D9101A08-C6E6-4594-B5B4-15601555ED7F}" dt="2020-02-21T02:42:09.834" v="2355" actId="1592"/>
+        <pc:sldMkLst>
+          <pc:docMk/>
+          <pc:sldMk cId="1818996298" sldId="257"/>
+        </pc:sldMkLst>
+        <pc:picChg chg="add mod modCrop">
+          <ac:chgData name="Anne Meyer" userId="5bb8eadfabf58046" providerId="LiveId" clId="{D9101A08-C6E6-4594-B5B4-15601555ED7F}" dt="2020-02-21T02:41:53.389" v="2353" actId="1076"/>
+          <ac:picMkLst>
+            <pc:docMk/>
+            <pc:sldMk cId="1818996298" sldId="257"/>
+            <ac:picMk id="4" creationId="{6023E55E-734F-44AA-B0CF-6C944DD30E2A}"/>
+          </ac:picMkLst>
+        </pc:picChg>
+        <pc:picChg chg="del">
+          <ac:chgData name="Anne Meyer" userId="5bb8eadfabf58046" providerId="LiveId" clId="{D9101A08-C6E6-4594-B5B4-15601555ED7F}" dt="2020-02-21T02:41:37.675" v="2349" actId="478"/>
+          <ac:picMkLst>
+            <pc:docMk/>
+            <pc:sldMk cId="1818996298" sldId="257"/>
+            <ac:picMk id="1026" creationId="{F88C4E31-0C44-459E-9043-DED860EBAA27}"/>
+          </ac:picMkLst>
+        </pc:picChg>
+      </pc:sldChg>
+      <pc:sldChg chg="modSp ord">
+        <pc:chgData name="Anne Meyer" userId="5bb8eadfabf58046" providerId="LiveId" clId="{D9101A08-C6E6-4594-B5B4-15601555ED7F}" dt="2020-02-21T02:04:55.888" v="152" actId="20577"/>
+        <pc:sldMkLst>
+          <pc:docMk/>
+          <pc:sldMk cId="157986798" sldId="259"/>
+        </pc:sldMkLst>
+        <pc:spChg chg="mod">
+          <ac:chgData name="Anne Meyer" userId="5bb8eadfabf58046" providerId="LiveId" clId="{D9101A08-C6E6-4594-B5B4-15601555ED7F}" dt="2020-02-21T02:04:55.888" v="152" actId="20577"/>
+          <ac:spMkLst>
+            <pc:docMk/>
+            <pc:sldMk cId="157986798" sldId="259"/>
+            <ac:spMk id="2" creationId="{F9727559-D2DB-4A65-92CC-4845966EF9EC}"/>
+          </ac:spMkLst>
+        </pc:spChg>
+      </pc:sldChg>
+      <pc:sldChg chg="del">
+        <pc:chgData name="Anne Meyer" userId="5bb8eadfabf58046" providerId="LiveId" clId="{D9101A08-C6E6-4594-B5B4-15601555ED7F}" dt="2020-02-21T01:55:28.438" v="110" actId="47"/>
+        <pc:sldMkLst>
+          <pc:docMk/>
+          <pc:sldMk cId="4063723229" sldId="261"/>
+        </pc:sldMkLst>
+      </pc:sldChg>
+      <pc:sldChg chg="modSp">
+        <pc:chgData name="Anne Meyer" userId="5bb8eadfabf58046" providerId="LiveId" clId="{D9101A08-C6E6-4594-B5B4-15601555ED7F}" dt="2020-02-21T02:13:01.453" v="660" actId="20577"/>
+        <pc:sldMkLst>
+          <pc:docMk/>
+          <pc:sldMk cId="2851983742" sldId="262"/>
+        </pc:sldMkLst>
+        <pc:spChg chg="mod">
+          <ac:chgData name="Anne Meyer" userId="5bb8eadfabf58046" providerId="LiveId" clId="{D9101A08-C6E6-4594-B5B4-15601555ED7F}" dt="2020-02-21T02:05:54.089" v="222" actId="20577"/>
+          <ac:spMkLst>
+            <pc:docMk/>
+            <pc:sldMk cId="2851983742" sldId="262"/>
+            <ac:spMk id="2" creationId="{F9727559-D2DB-4A65-92CC-4845966EF9EC}"/>
+          </ac:spMkLst>
+        </pc:spChg>
+        <pc:spChg chg="mod">
+          <ac:chgData name="Anne Meyer" userId="5bb8eadfabf58046" providerId="LiveId" clId="{D9101A08-C6E6-4594-B5B4-15601555ED7F}" dt="2020-02-21T02:13:01.453" v="660" actId="20577"/>
+          <ac:spMkLst>
+            <pc:docMk/>
+            <pc:sldMk cId="2851983742" sldId="262"/>
+            <ac:spMk id="3" creationId="{68A41AE8-C232-422D-A162-056A0D647140}"/>
+          </ac:spMkLst>
+        </pc:spChg>
+        <pc:spChg chg="mod">
+          <ac:chgData name="Anne Meyer" userId="5bb8eadfabf58046" providerId="LiveId" clId="{D9101A08-C6E6-4594-B5B4-15601555ED7F}" dt="2020-02-21T02:12:21.570" v="551" actId="21"/>
+          <ac:spMkLst>
+            <pc:docMk/>
+            <pc:sldMk cId="2851983742" sldId="262"/>
+            <ac:spMk id="6" creationId="{C6286C01-90B1-4286-91E9-9467C25517D9}"/>
+          </ac:spMkLst>
+        </pc:spChg>
+      </pc:sldChg>
+      <pc:sldChg chg="modSp">
+        <pc:chgData name="Anne Meyer" userId="5bb8eadfabf58046" providerId="LiveId" clId="{D9101A08-C6E6-4594-B5B4-15601555ED7F}" dt="2020-02-21T02:11:57.269" v="550" actId="20577"/>
+        <pc:sldMkLst>
+          <pc:docMk/>
+          <pc:sldMk cId="3929631532" sldId="263"/>
+        </pc:sldMkLst>
+        <pc:spChg chg="mod">
+          <ac:chgData name="Anne Meyer" userId="5bb8eadfabf58046" providerId="LiveId" clId="{D9101A08-C6E6-4594-B5B4-15601555ED7F}" dt="2020-02-21T02:05:42.009" v="206" actId="20577"/>
+          <ac:spMkLst>
+            <pc:docMk/>
+            <pc:sldMk cId="3929631532" sldId="263"/>
+            <ac:spMk id="2" creationId="{F9727559-D2DB-4A65-92CC-4845966EF9EC}"/>
+          </ac:spMkLst>
+        </pc:spChg>
+        <pc:graphicFrameChg chg="mod">
+          <ac:chgData name="Anne Meyer" userId="5bb8eadfabf58046" providerId="LiveId" clId="{D9101A08-C6E6-4594-B5B4-15601555ED7F}" dt="2020-02-21T02:11:57.269" v="550" actId="20577"/>
+          <ac:graphicFrameMkLst>
+            <pc:docMk/>
+            <pc:sldMk cId="3929631532" sldId="263"/>
+            <ac:graphicFrameMk id="9" creationId="{0DD02761-671B-4E1A-9322-E9018A1B1C1E}"/>
+          </ac:graphicFrameMkLst>
+        </pc:graphicFrameChg>
+      </pc:sldChg>
+      <pc:sldChg chg="del">
+        <pc:chgData name="Anne Meyer" userId="5bb8eadfabf58046" providerId="LiveId" clId="{D9101A08-C6E6-4594-B5B4-15601555ED7F}" dt="2020-02-21T01:55:26.490" v="109" actId="47"/>
+        <pc:sldMkLst>
+          <pc:docMk/>
+          <pc:sldMk cId="585213277" sldId="264"/>
+        </pc:sldMkLst>
+      </pc:sldChg>
+      <pc:sldChg chg="del">
+        <pc:chgData name="Anne Meyer" userId="5bb8eadfabf58046" providerId="LiveId" clId="{D9101A08-C6E6-4594-B5B4-15601555ED7F}" dt="2020-02-21T01:55:32.115" v="111" actId="47"/>
+        <pc:sldMkLst>
+          <pc:docMk/>
+          <pc:sldMk cId="1765712432" sldId="265"/>
+        </pc:sldMkLst>
+      </pc:sldChg>
+      <pc:sldChg chg="delSp modSp add del">
+        <pc:chgData name="Anne Meyer" userId="5bb8eadfabf58046" providerId="LiveId" clId="{D9101A08-C6E6-4594-B5B4-15601555ED7F}" dt="2020-02-21T02:06:13.503" v="236" actId="2696"/>
+        <pc:sldMkLst>
+          <pc:docMk/>
+          <pc:sldMk cId="117244949" sldId="266"/>
+        </pc:sldMkLst>
+        <pc:spChg chg="del">
+          <ac:chgData name="Anne Meyer" userId="5bb8eadfabf58046" providerId="LiveId" clId="{D9101A08-C6E6-4594-B5B4-15601555ED7F}" dt="2020-02-21T01:41:13.579" v="60" actId="21"/>
+          <ac:spMkLst>
+            <pc:docMk/>
+            <pc:sldMk cId="117244949" sldId="266"/>
+            <ac:spMk id="2" creationId="{0C0E1752-DB4C-43CB-B910-AC41B6B2C4DD}"/>
+          </ac:spMkLst>
+        </pc:spChg>
+        <pc:spChg chg="mod">
+          <ac:chgData name="Anne Meyer" userId="5bb8eadfabf58046" providerId="LiveId" clId="{D9101A08-C6E6-4594-B5B4-15601555ED7F}" dt="2020-02-21T02:05:59.242" v="223" actId="20577"/>
+          <ac:spMkLst>
+            <pc:docMk/>
+            <pc:sldMk cId="117244949" sldId="266"/>
+            <ac:spMk id="3" creationId="{A36B7758-85E1-4996-A4DE-9D3681939B14}"/>
+          </ac:spMkLst>
+        </pc:spChg>
+      </pc:sldChg>
+      <pc:sldChg chg="modSp add ord">
+        <pc:chgData name="Anne Meyer" userId="5bb8eadfabf58046" providerId="LiveId" clId="{D9101A08-C6E6-4594-B5B4-15601555ED7F}" dt="2020-02-21T02:21:05.010" v="992" actId="313"/>
+        <pc:sldMkLst>
+          <pc:docMk/>
+          <pc:sldMk cId="3240398027" sldId="267"/>
+        </pc:sldMkLst>
+        <pc:spChg chg="mod">
+          <ac:chgData name="Anne Meyer" userId="5bb8eadfabf58046" providerId="LiveId" clId="{D9101A08-C6E6-4594-B5B4-15601555ED7F}" dt="2020-02-21T02:05:14.463" v="156" actId="20577"/>
+          <ac:spMkLst>
+            <pc:docMk/>
+            <pc:sldMk cId="3240398027" sldId="267"/>
+            <ac:spMk id="2" creationId="{87120810-806E-4D57-9322-452A9CE599F4}"/>
+          </ac:spMkLst>
+        </pc:spChg>
+        <pc:spChg chg="mod">
+          <ac:chgData name="Anne Meyer" userId="5bb8eadfabf58046" providerId="LiveId" clId="{D9101A08-C6E6-4594-B5B4-15601555ED7F}" dt="2020-02-21T02:21:05.010" v="992" actId="313"/>
+          <ac:spMkLst>
+            <pc:docMk/>
+            <pc:sldMk cId="3240398027" sldId="267"/>
+            <ac:spMk id="3" creationId="{3A4059FF-0A94-44AC-8E99-A1771C88EBBB}"/>
+          </ac:spMkLst>
+        </pc:spChg>
+      </pc:sldChg>
+      <pc:sldChg chg="modSp add del">
+        <pc:chgData name="Anne Meyer" userId="5bb8eadfabf58046" providerId="LiveId" clId="{D9101A08-C6E6-4594-B5B4-15601555ED7F}" dt="2020-02-21T02:05:04.267" v="153" actId="47"/>
+        <pc:sldMkLst>
+          <pc:docMk/>
+          <pc:sldMk cId="3213886159" sldId="268"/>
+        </pc:sldMkLst>
+        <pc:spChg chg="mod">
+          <ac:chgData name="Anne Meyer" userId="5bb8eadfabf58046" providerId="LiveId" clId="{D9101A08-C6E6-4594-B5B4-15601555ED7F}" dt="2020-02-21T02:04:06.866" v="133" actId="20577"/>
+          <ac:spMkLst>
+            <pc:docMk/>
+            <pc:sldMk cId="3213886159" sldId="268"/>
+            <ac:spMk id="2" creationId="{D91FB22A-4765-45E2-B871-71AFDF810D17}"/>
+          </ac:spMkLst>
+        </pc:spChg>
+        <pc:spChg chg="mod">
+          <ac:chgData name="Anne Meyer" userId="5bb8eadfabf58046" providerId="LiveId" clId="{D9101A08-C6E6-4594-B5B4-15601555ED7F}" dt="2020-02-21T01:54:20.724" v="98"/>
+          <ac:spMkLst>
+            <pc:docMk/>
+            <pc:sldMk cId="3213886159" sldId="268"/>
+            <ac:spMk id="3" creationId="{11827155-AB5F-461D-82F4-CFD2B46A31F3}"/>
+          </ac:spMkLst>
+        </pc:spChg>
+      </pc:sldChg>
+      <pc:sldChg chg="addSp delSp modSp add">
+        <pc:chgData name="Anne Meyer" userId="5bb8eadfabf58046" providerId="LiveId" clId="{D9101A08-C6E6-4594-B5B4-15601555ED7F}" dt="2020-02-21T02:35:29.350" v="1385" actId="27614"/>
+        <pc:sldMkLst>
+          <pc:docMk/>
+          <pc:sldMk cId="2776096856" sldId="269"/>
+        </pc:sldMkLst>
+        <pc:spChg chg="mod">
+          <ac:chgData name="Anne Meyer" userId="5bb8eadfabf58046" providerId="LiveId" clId="{D9101A08-C6E6-4594-B5B4-15601555ED7F}" dt="2020-02-21T02:05:19.658" v="177" actId="20577"/>
+          <ac:spMkLst>
+            <pc:docMk/>
+            <pc:sldMk cId="2776096856" sldId="269"/>
+            <ac:spMk id="2" creationId="{563F1545-37DF-44DC-9E99-DBB5A894B53A}"/>
+          </ac:spMkLst>
+        </pc:spChg>
+        <pc:spChg chg="del mod">
+          <ac:chgData name="Anne Meyer" userId="5bb8eadfabf58046" providerId="LiveId" clId="{D9101A08-C6E6-4594-B5B4-15601555ED7F}" dt="2020-02-21T02:27:38.228" v="1028"/>
+          <ac:spMkLst>
+            <pc:docMk/>
+            <pc:sldMk cId="2776096856" sldId="269"/>
+            <ac:spMk id="3" creationId="{DC765E73-1644-46C3-A052-44E21FDA290D}"/>
+          </ac:spMkLst>
+        </pc:spChg>
+        <pc:spChg chg="add mod">
+          <ac:chgData name="Anne Meyer" userId="5bb8eadfabf58046" providerId="LiveId" clId="{D9101A08-C6E6-4594-B5B4-15601555ED7F}" dt="2020-02-21T02:27:20.943" v="1023" actId="20577"/>
+          <ac:spMkLst>
+            <pc:docMk/>
+            <pc:sldMk cId="2776096856" sldId="269"/>
+            <ac:spMk id="6" creationId="{CFB6A4EC-065B-432E-935E-A8AA5D39E833}"/>
+          </ac:spMkLst>
+        </pc:spChg>
+        <pc:spChg chg="add mod">
+          <ac:chgData name="Anne Meyer" userId="5bb8eadfabf58046" providerId="LiveId" clId="{D9101A08-C6E6-4594-B5B4-15601555ED7F}" dt="2020-02-21T02:35:26.315" v="1383" actId="20577"/>
+          <ac:spMkLst>
+            <pc:docMk/>
+            <pc:sldMk cId="2776096856" sldId="269"/>
+            <ac:spMk id="7" creationId="{74F0FE04-5496-47C7-B8F2-AD4FA7E5BB30}"/>
+          </ac:spMkLst>
+        </pc:spChg>
+        <pc:spChg chg="add del mod">
+          <ac:chgData name="Anne Meyer" userId="5bb8eadfabf58046" providerId="LiveId" clId="{D9101A08-C6E6-4594-B5B4-15601555ED7F}" dt="2020-02-21T02:35:28.268" v="1384"/>
+          <ac:spMkLst>
+            <pc:docMk/>
+            <pc:sldMk cId="2776096856" sldId="269"/>
+            <ac:spMk id="8" creationId="{E2F6A2A7-2D10-4EE1-A65B-3692585182E9}"/>
+          </ac:spMkLst>
+        </pc:spChg>
+        <pc:picChg chg="add del mod modCrop">
+          <ac:chgData name="Anne Meyer" userId="5bb8eadfabf58046" providerId="LiveId" clId="{D9101A08-C6E6-4594-B5B4-15601555ED7F}" dt="2020-02-21T02:27:24.082" v="1024" actId="21"/>
+          <ac:picMkLst>
+            <pc:docMk/>
+            <pc:sldMk cId="2776096856" sldId="269"/>
+            <ac:picMk id="5" creationId="{3CF3657B-93D7-42F1-AD7A-0939C8A7F326}"/>
+          </ac:picMkLst>
+        </pc:picChg>
+        <pc:picChg chg="add del">
+          <ac:chgData name="Anne Meyer" userId="5bb8eadfabf58046" providerId="LiveId" clId="{D9101A08-C6E6-4594-B5B4-15601555ED7F}" dt="2020-02-21T02:27:34.575" v="1027" actId="21"/>
+          <ac:picMkLst>
+            <pc:docMk/>
+            <pc:sldMk cId="2776096856" sldId="269"/>
+            <ac:picMk id="9" creationId="{A8C77B2F-7F8F-4EE8-81EC-AF4A2D7EF8D6}"/>
+          </ac:picMkLst>
+        </pc:picChg>
+        <pc:picChg chg="add mod">
+          <ac:chgData name="Anne Meyer" userId="5bb8eadfabf58046" providerId="LiveId" clId="{D9101A08-C6E6-4594-B5B4-15601555ED7F}" dt="2020-02-21T02:27:38.228" v="1028"/>
+          <ac:picMkLst>
+            <pc:docMk/>
+            <pc:sldMk cId="2776096856" sldId="269"/>
+            <ac:picMk id="10" creationId="{24C709DC-883F-49C6-9D00-1BE4744EEB8B}"/>
+          </ac:picMkLst>
+        </pc:picChg>
+        <pc:picChg chg="add mod">
+          <ac:chgData name="Anne Meyer" userId="5bb8eadfabf58046" providerId="LiveId" clId="{D9101A08-C6E6-4594-B5B4-15601555ED7F}" dt="2020-02-21T02:35:29.350" v="1385" actId="27614"/>
+          <ac:picMkLst>
+            <pc:docMk/>
+            <pc:sldMk cId="2776096856" sldId="269"/>
+            <ac:picMk id="12" creationId="{A6E56441-AD36-4FDD-85DE-9ED81D166860}"/>
+          </ac:picMkLst>
+        </pc:picChg>
+      </pc:sldChg>
+      <pc:sldChg chg="modSp add">
+        <pc:chgData name="Anne Meyer" userId="5bb8eadfabf58046" providerId="LiveId" clId="{D9101A08-C6E6-4594-B5B4-15601555ED7F}" dt="2020-02-21T02:34:50.507" v="1375" actId="20577"/>
+        <pc:sldMkLst>
+          <pc:docMk/>
+          <pc:sldMk cId="1040559248" sldId="270"/>
+        </pc:sldMkLst>
+        <pc:spChg chg="mod">
+          <ac:chgData name="Anne Meyer" userId="5bb8eadfabf58046" providerId="LiveId" clId="{D9101A08-C6E6-4594-B5B4-15601555ED7F}" dt="2020-02-21T02:05:31.033" v="195" actId="20577"/>
+          <ac:spMkLst>
+            <pc:docMk/>
+            <pc:sldMk cId="1040559248" sldId="270"/>
+            <ac:spMk id="2" creationId="{580AF283-0B5B-48BB-BCC2-7BBE60607D1F}"/>
+          </ac:spMkLst>
+        </pc:spChg>
+        <pc:spChg chg="mod">
+          <ac:chgData name="Anne Meyer" userId="5bb8eadfabf58046" providerId="LiveId" clId="{D9101A08-C6E6-4594-B5B4-15601555ED7F}" dt="2020-02-21T02:34:50.507" v="1375" actId="20577"/>
+          <ac:spMkLst>
+            <pc:docMk/>
+            <pc:sldMk cId="1040559248" sldId="270"/>
+            <ac:spMk id="3" creationId="{66089B0F-9CE9-4CA0-80DE-0B8ED1FFD8CA}"/>
+          </ac:spMkLst>
+        </pc:spChg>
+      </pc:sldChg>
+      <pc:sldChg chg="addSp delSp modSp add">
+        <pc:chgData name="Anne Meyer" userId="5bb8eadfabf58046" providerId="LiveId" clId="{D9101A08-C6E6-4594-B5B4-15601555ED7F}" dt="2020-02-21T02:40:59.609" v="2348" actId="5793"/>
+        <pc:sldMkLst>
+          <pc:docMk/>
+          <pc:sldMk cId="1527834697" sldId="271"/>
+        </pc:sldMkLst>
+        <pc:spChg chg="del">
+          <ac:chgData name="Anne Meyer" userId="5bb8eadfabf58046" providerId="LiveId" clId="{D9101A08-C6E6-4594-B5B4-15601555ED7F}" dt="2020-02-21T02:06:06.986" v="225"/>
+          <ac:spMkLst>
+            <pc:docMk/>
+            <pc:sldMk cId="1527834697" sldId="271"/>
+            <ac:spMk id="2" creationId="{2662F573-2EA8-4B52-A6AC-65A5A980FF15}"/>
+          </ac:spMkLst>
+        </pc:spChg>
+        <pc:spChg chg="del">
+          <ac:chgData name="Anne Meyer" userId="5bb8eadfabf58046" providerId="LiveId" clId="{D9101A08-C6E6-4594-B5B4-15601555ED7F}" dt="2020-02-21T02:06:06.986" v="225"/>
+          <ac:spMkLst>
+            <pc:docMk/>
+            <pc:sldMk cId="1527834697" sldId="271"/>
+            <ac:spMk id="3" creationId="{218AF2DA-B7F5-4F10-B778-19E7621DA48A}"/>
+          </ac:spMkLst>
+        </pc:spChg>
+        <pc:spChg chg="del">
+          <ac:chgData name="Anne Meyer" userId="5bb8eadfabf58046" providerId="LiveId" clId="{D9101A08-C6E6-4594-B5B4-15601555ED7F}" dt="2020-02-21T02:06:06.986" v="225"/>
+          <ac:spMkLst>
+            <pc:docMk/>
+            <pc:sldMk cId="1527834697" sldId="271"/>
+            <ac:spMk id="4" creationId="{DD954423-CE76-4C52-93F9-C10167BE16F7}"/>
+          </ac:spMkLst>
+        </pc:spChg>
+        <pc:spChg chg="del">
+          <ac:chgData name="Anne Meyer" userId="5bb8eadfabf58046" providerId="LiveId" clId="{D9101A08-C6E6-4594-B5B4-15601555ED7F}" dt="2020-02-21T02:06:06.986" v="225"/>
+          <ac:spMkLst>
+            <pc:docMk/>
+            <pc:sldMk cId="1527834697" sldId="271"/>
+            <ac:spMk id="5" creationId="{603AAE87-73A8-4CB3-9590-E447D340B2E6}"/>
+          </ac:spMkLst>
+        </pc:spChg>
+        <pc:spChg chg="del">
+          <ac:chgData name="Anne Meyer" userId="5bb8eadfabf58046" providerId="LiveId" clId="{D9101A08-C6E6-4594-B5B4-15601555ED7F}" dt="2020-02-21T02:06:06.986" v="225"/>
+          <ac:spMkLst>
+            <pc:docMk/>
+            <pc:sldMk cId="1527834697" sldId="271"/>
+            <ac:spMk id="6" creationId="{83BFB65E-AD16-4D08-A679-8C6CFCFB6CC9}"/>
+          </ac:spMkLst>
+        </pc:spChg>
+        <pc:spChg chg="add mod">
+          <ac:chgData name="Anne Meyer" userId="5bb8eadfabf58046" providerId="LiveId" clId="{D9101A08-C6E6-4594-B5B4-15601555ED7F}" dt="2020-02-21T02:06:10.760" v="235" actId="20577"/>
+          <ac:spMkLst>
+            <pc:docMk/>
+            <pc:sldMk cId="1527834697" sldId="271"/>
+            <ac:spMk id="7" creationId="{E549E8F8-E021-4AD5-AC1E-58A6A49AEF5E}"/>
+          </ac:spMkLst>
+        </pc:spChg>
+        <pc:spChg chg="add mod">
+          <ac:chgData name="Anne Meyer" userId="5bb8eadfabf58046" providerId="LiveId" clId="{D9101A08-C6E6-4594-B5B4-15601555ED7F}" dt="2020-02-21T02:40:59.609" v="2348" actId="5793"/>
+          <ac:spMkLst>
+            <pc:docMk/>
+            <pc:sldMk cId="1527834697" sldId="271"/>
+            <ac:spMk id="8" creationId="{8D82D1C4-EFAF-49EC-BEF4-B29594AE24FD}"/>
+          </ac:spMkLst>
+        </pc:spChg>
+      </pc:sldChg>
+    </pc:docChg>
+  </pc:docChgLst>
+</pc:chgInfo>
 </file>
 
 <file path=ppt/diagrams/colors1.xml><?xml version="1.0" encoding="utf-8"?>
@@ -876,753 +1249,6 @@
 </dgm:colorsDef>
 </file>
 
-<file path=ppt/diagrams/colors2.xml><?xml version="1.0" encoding="utf-8"?>
-<dgm:colorsDef xmlns:dgm="http://schemas.openxmlformats.org/drawingml/2006/diagram" xmlns:a="http://schemas.openxmlformats.org/drawingml/2006/main" uniqueId="urn:microsoft.com/office/officeart/2005/8/colors/accent1_2">
-  <dgm:title val=""/>
-  <dgm:desc val=""/>
-  <dgm:catLst>
-    <dgm:cat type="accent1" pri="11200"/>
-  </dgm:catLst>
-  <dgm:styleLbl name="node0">
-    <dgm:fillClrLst meth="repeat">
-      <a:schemeClr val="accent1"/>
-    </dgm:fillClrLst>
-    <dgm:linClrLst meth="repeat">
-      <a:schemeClr val="lt1"/>
-    </dgm:linClrLst>
-    <dgm:effectClrLst/>
-    <dgm:txLinClrLst/>
-    <dgm:txFillClrLst/>
-    <dgm:txEffectClrLst/>
-  </dgm:styleLbl>
-  <dgm:styleLbl name="alignNode1">
-    <dgm:fillClrLst meth="repeat">
-      <a:schemeClr val="accent1"/>
-    </dgm:fillClrLst>
-    <dgm:linClrLst meth="repeat">
-      <a:schemeClr val="accent1"/>
-    </dgm:linClrLst>
-    <dgm:effectClrLst/>
-    <dgm:txLinClrLst/>
-    <dgm:txFillClrLst/>
-    <dgm:txEffectClrLst/>
-  </dgm:styleLbl>
-  <dgm:styleLbl name="node1">
-    <dgm:fillClrLst meth="repeat">
-      <a:schemeClr val="accent1"/>
-    </dgm:fillClrLst>
-    <dgm:linClrLst meth="repeat">
-      <a:schemeClr val="lt1"/>
-    </dgm:linClrLst>
-    <dgm:effectClrLst/>
-    <dgm:txLinClrLst/>
-    <dgm:txFillClrLst/>
-    <dgm:txEffectClrLst/>
-  </dgm:styleLbl>
-  <dgm:styleLbl name="lnNode1">
-    <dgm:fillClrLst meth="repeat">
-      <a:schemeClr val="accent1"/>
-    </dgm:fillClrLst>
-    <dgm:linClrLst meth="repeat">
-      <a:schemeClr val="lt1"/>
-    </dgm:linClrLst>
-    <dgm:effectClrLst/>
-    <dgm:txLinClrLst/>
-    <dgm:txFillClrLst/>
-    <dgm:txEffectClrLst/>
-  </dgm:styleLbl>
-  <dgm:styleLbl name="vennNode1">
-    <dgm:fillClrLst meth="repeat">
-      <a:schemeClr val="accent1">
-        <a:alpha val="50000"/>
-      </a:schemeClr>
-    </dgm:fillClrLst>
-    <dgm:linClrLst meth="repeat">
-      <a:schemeClr val="lt1"/>
-    </dgm:linClrLst>
-    <dgm:effectClrLst/>
-    <dgm:txLinClrLst/>
-    <dgm:txFillClrLst/>
-    <dgm:txEffectClrLst/>
-  </dgm:styleLbl>
-  <dgm:styleLbl name="node2">
-    <dgm:fillClrLst meth="repeat">
-      <a:schemeClr val="accent1"/>
-    </dgm:fillClrLst>
-    <dgm:linClrLst meth="repeat">
-      <a:schemeClr val="lt1"/>
-    </dgm:linClrLst>
-    <dgm:effectClrLst/>
-    <dgm:txLinClrLst/>
-    <dgm:txFillClrLst/>
-    <dgm:txEffectClrLst/>
-  </dgm:styleLbl>
-  <dgm:styleLbl name="node3">
-    <dgm:fillClrLst meth="repeat">
-      <a:schemeClr val="accent1"/>
-    </dgm:fillClrLst>
-    <dgm:linClrLst meth="repeat">
-      <a:schemeClr val="lt1"/>
-    </dgm:linClrLst>
-    <dgm:effectClrLst/>
-    <dgm:txLinClrLst/>
-    <dgm:txFillClrLst/>
-    <dgm:txEffectClrLst/>
-  </dgm:styleLbl>
-  <dgm:styleLbl name="node4">
-    <dgm:fillClrLst meth="repeat">
-      <a:schemeClr val="accent1"/>
-    </dgm:fillClrLst>
-    <dgm:linClrLst meth="repeat">
-      <a:schemeClr val="lt1"/>
-    </dgm:linClrLst>
-    <dgm:effectClrLst/>
-    <dgm:txLinClrLst/>
-    <dgm:txFillClrLst/>
-    <dgm:txEffectClrLst/>
-  </dgm:styleLbl>
-  <dgm:styleLbl name="fgImgPlace1">
-    <dgm:fillClrLst meth="repeat">
-      <a:schemeClr val="accent1">
-        <a:tint val="50000"/>
-      </a:schemeClr>
-    </dgm:fillClrLst>
-    <dgm:linClrLst meth="repeat">
-      <a:schemeClr val="lt1"/>
-    </dgm:linClrLst>
-    <dgm:effectClrLst/>
-    <dgm:txLinClrLst/>
-    <dgm:txFillClrLst meth="repeat">
-      <a:schemeClr val="lt1"/>
-    </dgm:txFillClrLst>
-    <dgm:txEffectClrLst/>
-  </dgm:styleLbl>
-  <dgm:styleLbl name="alignImgPlace1">
-    <dgm:fillClrLst meth="repeat">
-      <a:schemeClr val="accent1">
-        <a:tint val="50000"/>
-      </a:schemeClr>
-    </dgm:fillClrLst>
-    <dgm:linClrLst meth="repeat">
-      <a:schemeClr val="lt1"/>
-    </dgm:linClrLst>
-    <dgm:effectClrLst/>
-    <dgm:txLinClrLst/>
-    <dgm:txFillClrLst meth="repeat">
-      <a:schemeClr val="lt1"/>
-    </dgm:txFillClrLst>
-    <dgm:txEffectClrLst/>
-  </dgm:styleLbl>
-  <dgm:styleLbl name="bgImgPlace1">
-    <dgm:fillClrLst meth="repeat">
-      <a:schemeClr val="accent1">
-        <a:tint val="50000"/>
-      </a:schemeClr>
-    </dgm:fillClrLst>
-    <dgm:linClrLst meth="repeat">
-      <a:schemeClr val="lt1"/>
-    </dgm:linClrLst>
-    <dgm:effectClrLst/>
-    <dgm:txLinClrLst/>
-    <dgm:txFillClrLst meth="repeat">
-      <a:schemeClr val="lt1"/>
-    </dgm:txFillClrLst>
-    <dgm:txEffectClrLst/>
-  </dgm:styleLbl>
-  <dgm:styleLbl name="sibTrans2D1">
-    <dgm:fillClrLst meth="repeat">
-      <a:schemeClr val="accent1">
-        <a:tint val="60000"/>
-      </a:schemeClr>
-    </dgm:fillClrLst>
-    <dgm:linClrLst meth="repeat">
-      <a:schemeClr val="accent1">
-        <a:tint val="60000"/>
-      </a:schemeClr>
-    </dgm:linClrLst>
-    <dgm:effectClrLst/>
-    <dgm:txLinClrLst/>
-    <dgm:txFillClrLst/>
-    <dgm:txEffectClrLst/>
-  </dgm:styleLbl>
-  <dgm:styleLbl name="fgSibTrans2D1">
-    <dgm:fillClrLst meth="repeat">
-      <a:schemeClr val="accent1">
-        <a:tint val="60000"/>
-      </a:schemeClr>
-    </dgm:fillClrLst>
-    <dgm:linClrLst meth="repeat">
-      <a:schemeClr val="accent1">
-        <a:tint val="60000"/>
-      </a:schemeClr>
-    </dgm:linClrLst>
-    <dgm:effectClrLst/>
-    <dgm:txLinClrLst/>
-    <dgm:txFillClrLst/>
-    <dgm:txEffectClrLst/>
-  </dgm:styleLbl>
-  <dgm:styleLbl name="bgSibTrans2D1">
-    <dgm:fillClrLst meth="repeat">
-      <a:schemeClr val="accent1">
-        <a:tint val="60000"/>
-      </a:schemeClr>
-    </dgm:fillClrLst>
-    <dgm:linClrLst meth="repeat">
-      <a:schemeClr val="accent1">
-        <a:tint val="60000"/>
-      </a:schemeClr>
-    </dgm:linClrLst>
-    <dgm:effectClrLst/>
-    <dgm:txLinClrLst/>
-    <dgm:txFillClrLst/>
-    <dgm:txEffectClrLst/>
-  </dgm:styleLbl>
-  <dgm:styleLbl name="sibTrans1D1">
-    <dgm:fillClrLst meth="repeat">
-      <a:schemeClr val="accent1"/>
-    </dgm:fillClrLst>
-    <dgm:linClrLst meth="repeat">
-      <a:schemeClr val="accent1"/>
-    </dgm:linClrLst>
-    <dgm:effectClrLst/>
-    <dgm:txLinClrLst/>
-    <dgm:txFillClrLst meth="repeat">
-      <a:schemeClr val="tx1"/>
-    </dgm:txFillClrLst>
-    <dgm:txEffectClrLst/>
-  </dgm:styleLbl>
-  <dgm:styleLbl name="callout">
-    <dgm:fillClrLst meth="repeat">
-      <a:schemeClr val="accent1"/>
-    </dgm:fillClrLst>
-    <dgm:linClrLst meth="repeat">
-      <a:schemeClr val="accent1">
-        <a:tint val="50000"/>
-      </a:schemeClr>
-    </dgm:linClrLst>
-    <dgm:effectClrLst/>
-    <dgm:txLinClrLst/>
-    <dgm:txFillClrLst meth="repeat">
-      <a:schemeClr val="tx1"/>
-    </dgm:txFillClrLst>
-    <dgm:txEffectClrLst/>
-  </dgm:styleLbl>
-  <dgm:styleLbl name="asst0">
-    <dgm:fillClrLst meth="repeat">
-      <a:schemeClr val="accent1"/>
-    </dgm:fillClrLst>
-    <dgm:linClrLst meth="repeat">
-      <a:schemeClr val="lt1"/>
-    </dgm:linClrLst>
-    <dgm:effectClrLst/>
-    <dgm:txLinClrLst/>
-    <dgm:txFillClrLst/>
-    <dgm:txEffectClrLst/>
-  </dgm:styleLbl>
-  <dgm:styleLbl name="asst1">
-    <dgm:fillClrLst meth="repeat">
-      <a:schemeClr val="accent1"/>
-    </dgm:fillClrLst>
-    <dgm:linClrLst meth="repeat">
-      <a:schemeClr val="lt1"/>
-    </dgm:linClrLst>
-    <dgm:effectClrLst/>
-    <dgm:txLinClrLst/>
-    <dgm:txFillClrLst/>
-    <dgm:txEffectClrLst/>
-  </dgm:styleLbl>
-  <dgm:styleLbl name="asst2">
-    <dgm:fillClrLst meth="repeat">
-      <a:schemeClr val="accent1"/>
-    </dgm:fillClrLst>
-    <dgm:linClrLst meth="repeat">
-      <a:schemeClr val="lt1"/>
-    </dgm:linClrLst>
-    <dgm:effectClrLst/>
-    <dgm:txLinClrLst/>
-    <dgm:txFillClrLst/>
-    <dgm:txEffectClrLst/>
-  </dgm:styleLbl>
-  <dgm:styleLbl name="asst3">
-    <dgm:fillClrLst meth="repeat">
-      <a:schemeClr val="accent1"/>
-    </dgm:fillClrLst>
-    <dgm:linClrLst meth="repeat">
-      <a:schemeClr val="lt1"/>
-    </dgm:linClrLst>
-    <dgm:effectClrLst/>
-    <dgm:txLinClrLst/>
-    <dgm:txFillClrLst/>
-    <dgm:txEffectClrLst/>
-  </dgm:styleLbl>
-  <dgm:styleLbl name="asst4">
-    <dgm:fillClrLst meth="repeat">
-      <a:schemeClr val="accent1"/>
-    </dgm:fillClrLst>
-    <dgm:linClrLst meth="repeat">
-      <a:schemeClr val="lt1"/>
-    </dgm:linClrLst>
-    <dgm:effectClrLst/>
-    <dgm:txLinClrLst/>
-    <dgm:txFillClrLst/>
-    <dgm:txEffectClrLst/>
-  </dgm:styleLbl>
-  <dgm:styleLbl name="parChTrans2D1">
-    <dgm:fillClrLst meth="repeat">
-      <a:schemeClr val="accent1">
-        <a:tint val="60000"/>
-      </a:schemeClr>
-    </dgm:fillClrLst>
-    <dgm:linClrLst meth="repeat">
-      <a:schemeClr val="accent1">
-        <a:tint val="60000"/>
-      </a:schemeClr>
-    </dgm:linClrLst>
-    <dgm:effectClrLst/>
-    <dgm:txLinClrLst/>
-    <dgm:txFillClrLst meth="repeat">
-      <a:schemeClr val="lt1"/>
-    </dgm:txFillClrLst>
-    <dgm:txEffectClrLst/>
-  </dgm:styleLbl>
-  <dgm:styleLbl name="parChTrans2D2">
-    <dgm:fillClrLst meth="repeat">
-      <a:schemeClr val="accent1"/>
-    </dgm:fillClrLst>
-    <dgm:linClrLst meth="repeat">
-      <a:schemeClr val="accent1"/>
-    </dgm:linClrLst>
-    <dgm:effectClrLst/>
-    <dgm:txLinClrLst/>
-    <dgm:txFillClrLst meth="repeat">
-      <a:schemeClr val="lt1"/>
-    </dgm:txFillClrLst>
-    <dgm:txEffectClrLst/>
-  </dgm:styleLbl>
-  <dgm:styleLbl name="parChTrans2D3">
-    <dgm:fillClrLst meth="repeat">
-      <a:schemeClr val="accent1"/>
-    </dgm:fillClrLst>
-    <dgm:linClrLst meth="repeat">
-      <a:schemeClr val="accent1"/>
-    </dgm:linClrLst>
-    <dgm:effectClrLst/>
-    <dgm:txLinClrLst/>
-    <dgm:txFillClrLst meth="repeat">
-      <a:schemeClr val="lt1"/>
-    </dgm:txFillClrLst>
-    <dgm:txEffectClrLst/>
-  </dgm:styleLbl>
-  <dgm:styleLbl name="parChTrans2D4">
-    <dgm:fillClrLst meth="repeat">
-      <a:schemeClr val="accent1"/>
-    </dgm:fillClrLst>
-    <dgm:linClrLst meth="repeat">
-      <a:schemeClr val="accent1"/>
-    </dgm:linClrLst>
-    <dgm:effectClrLst/>
-    <dgm:txLinClrLst/>
-    <dgm:txFillClrLst meth="repeat">
-      <a:schemeClr val="lt1"/>
-    </dgm:txFillClrLst>
-    <dgm:txEffectClrLst/>
-  </dgm:styleLbl>
-  <dgm:styleLbl name="parChTrans1D1">
-    <dgm:fillClrLst meth="repeat">
-      <a:schemeClr val="accent1"/>
-    </dgm:fillClrLst>
-    <dgm:linClrLst meth="repeat">
-      <a:schemeClr val="accent1">
-        <a:shade val="60000"/>
-      </a:schemeClr>
-    </dgm:linClrLst>
-    <dgm:effectClrLst/>
-    <dgm:txLinClrLst/>
-    <dgm:txFillClrLst meth="repeat">
-      <a:schemeClr val="tx1"/>
-    </dgm:txFillClrLst>
-    <dgm:txEffectClrLst/>
-  </dgm:styleLbl>
-  <dgm:styleLbl name="parChTrans1D2">
-    <dgm:fillClrLst meth="repeat">
-      <a:schemeClr val="accent1"/>
-    </dgm:fillClrLst>
-    <dgm:linClrLst meth="repeat">
-      <a:schemeClr val="accent1">
-        <a:shade val="60000"/>
-      </a:schemeClr>
-    </dgm:linClrLst>
-    <dgm:effectClrLst/>
-    <dgm:txLinClrLst/>
-    <dgm:txFillClrLst meth="repeat">
-      <a:schemeClr val="tx1"/>
-    </dgm:txFillClrLst>
-    <dgm:txEffectClrLst/>
-  </dgm:styleLbl>
-  <dgm:styleLbl name="parChTrans1D3">
-    <dgm:fillClrLst meth="repeat">
-      <a:schemeClr val="accent1"/>
-    </dgm:fillClrLst>
-    <dgm:linClrLst meth="repeat">
-      <a:schemeClr val="accent1">
-        <a:shade val="80000"/>
-      </a:schemeClr>
-    </dgm:linClrLst>
-    <dgm:effectClrLst/>
-    <dgm:txLinClrLst/>
-    <dgm:txFillClrLst meth="repeat">
-      <a:schemeClr val="tx1"/>
-    </dgm:txFillClrLst>
-    <dgm:txEffectClrLst/>
-  </dgm:styleLbl>
-  <dgm:styleLbl name="parChTrans1D4">
-    <dgm:fillClrLst meth="repeat">
-      <a:schemeClr val="accent1"/>
-    </dgm:fillClrLst>
-    <dgm:linClrLst meth="repeat">
-      <a:schemeClr val="accent1">
-        <a:shade val="80000"/>
-      </a:schemeClr>
-    </dgm:linClrLst>
-    <dgm:effectClrLst/>
-    <dgm:txLinClrLst/>
-    <dgm:txFillClrLst meth="repeat">
-      <a:schemeClr val="tx1"/>
-    </dgm:txFillClrLst>
-    <dgm:txEffectClrLst/>
-  </dgm:styleLbl>
-  <dgm:styleLbl name="fgAcc1">
-    <dgm:fillClrLst meth="repeat">
-      <a:schemeClr val="lt1">
-        <a:alpha val="90000"/>
-      </a:schemeClr>
-    </dgm:fillClrLst>
-    <dgm:linClrLst meth="repeat">
-      <a:schemeClr val="accent1"/>
-    </dgm:linClrLst>
-    <dgm:effectClrLst/>
-    <dgm:txLinClrLst/>
-    <dgm:txFillClrLst meth="repeat">
-      <a:schemeClr val="dk1"/>
-    </dgm:txFillClrLst>
-    <dgm:txEffectClrLst/>
-  </dgm:styleLbl>
-  <dgm:styleLbl name="conFgAcc1">
-    <dgm:fillClrLst meth="repeat">
-      <a:schemeClr val="lt1">
-        <a:alpha val="90000"/>
-      </a:schemeClr>
-    </dgm:fillClrLst>
-    <dgm:linClrLst meth="repeat">
-      <a:schemeClr val="accent1"/>
-    </dgm:linClrLst>
-    <dgm:effectClrLst/>
-    <dgm:txLinClrLst/>
-    <dgm:txFillClrLst meth="repeat">
-      <a:schemeClr val="dk1"/>
-    </dgm:txFillClrLst>
-    <dgm:txEffectClrLst/>
-  </dgm:styleLbl>
-  <dgm:styleLbl name="alignAcc1">
-    <dgm:fillClrLst meth="repeat">
-      <a:schemeClr val="lt1">
-        <a:alpha val="90000"/>
-      </a:schemeClr>
-    </dgm:fillClrLst>
-    <dgm:linClrLst meth="repeat">
-      <a:schemeClr val="accent1"/>
-    </dgm:linClrLst>
-    <dgm:effectClrLst/>
-    <dgm:txLinClrLst/>
-    <dgm:txFillClrLst meth="repeat">
-      <a:schemeClr val="dk1"/>
-    </dgm:txFillClrLst>
-    <dgm:txEffectClrLst/>
-  </dgm:styleLbl>
-  <dgm:styleLbl name="trAlignAcc1">
-    <dgm:fillClrLst meth="repeat">
-      <a:schemeClr val="lt1">
-        <a:alpha val="40000"/>
-      </a:schemeClr>
-    </dgm:fillClrLst>
-    <dgm:linClrLst meth="repeat">
-      <a:schemeClr val="accent1"/>
-    </dgm:linClrLst>
-    <dgm:effectClrLst/>
-    <dgm:txLinClrLst/>
-    <dgm:txFillClrLst meth="repeat">
-      <a:schemeClr val="dk1"/>
-    </dgm:txFillClrLst>
-    <dgm:txEffectClrLst/>
-  </dgm:styleLbl>
-  <dgm:styleLbl name="bgAcc1">
-    <dgm:fillClrLst meth="repeat">
-      <a:schemeClr val="lt1">
-        <a:alpha val="90000"/>
-      </a:schemeClr>
-    </dgm:fillClrLst>
-    <dgm:linClrLst meth="repeat">
-      <a:schemeClr val="accent1"/>
-    </dgm:linClrLst>
-    <dgm:effectClrLst/>
-    <dgm:txLinClrLst/>
-    <dgm:txFillClrLst meth="repeat">
-      <a:schemeClr val="dk1"/>
-    </dgm:txFillClrLst>
-    <dgm:txEffectClrLst/>
-  </dgm:styleLbl>
-  <dgm:styleLbl name="solidFgAcc1">
-    <dgm:fillClrLst meth="repeat">
-      <a:schemeClr val="lt1"/>
-    </dgm:fillClrLst>
-    <dgm:linClrLst meth="repeat">
-      <a:schemeClr val="accent1"/>
-    </dgm:linClrLst>
-    <dgm:effectClrLst/>
-    <dgm:txLinClrLst/>
-    <dgm:txFillClrLst meth="repeat">
-      <a:schemeClr val="dk1"/>
-    </dgm:txFillClrLst>
-    <dgm:txEffectClrLst/>
-  </dgm:styleLbl>
-  <dgm:styleLbl name="solidAlignAcc1">
-    <dgm:fillClrLst meth="repeat">
-      <a:schemeClr val="lt1"/>
-    </dgm:fillClrLst>
-    <dgm:linClrLst meth="repeat">
-      <a:schemeClr val="accent1"/>
-    </dgm:linClrLst>
-    <dgm:effectClrLst/>
-    <dgm:txLinClrLst/>
-    <dgm:txFillClrLst meth="repeat">
-      <a:schemeClr val="dk1"/>
-    </dgm:txFillClrLst>
-    <dgm:txEffectClrLst/>
-  </dgm:styleLbl>
-  <dgm:styleLbl name="solidBgAcc1">
-    <dgm:fillClrLst meth="repeat">
-      <a:schemeClr val="lt1"/>
-    </dgm:fillClrLst>
-    <dgm:linClrLst meth="repeat">
-      <a:schemeClr val="accent1"/>
-    </dgm:linClrLst>
-    <dgm:effectClrLst/>
-    <dgm:txLinClrLst/>
-    <dgm:txFillClrLst meth="repeat">
-      <a:schemeClr val="dk1"/>
-    </dgm:txFillClrLst>
-    <dgm:txEffectClrLst/>
-  </dgm:styleLbl>
-  <dgm:styleLbl name="fgAccFollowNode1">
-    <dgm:fillClrLst meth="repeat">
-      <a:schemeClr val="accent1">
-        <a:alpha val="90000"/>
-        <a:tint val="40000"/>
-      </a:schemeClr>
-    </dgm:fillClrLst>
-    <dgm:linClrLst meth="repeat">
-      <a:schemeClr val="accent1">
-        <a:alpha val="90000"/>
-        <a:tint val="40000"/>
-      </a:schemeClr>
-    </dgm:linClrLst>
-    <dgm:effectClrLst/>
-    <dgm:txLinClrLst/>
-    <dgm:txFillClrLst meth="repeat">
-      <a:schemeClr val="dk1"/>
-    </dgm:txFillClrLst>
-    <dgm:txEffectClrLst/>
-  </dgm:styleLbl>
-  <dgm:styleLbl name="alignAccFollowNode1">
-    <dgm:fillClrLst meth="repeat">
-      <a:schemeClr val="accent1">
-        <a:alpha val="90000"/>
-        <a:tint val="40000"/>
-      </a:schemeClr>
-    </dgm:fillClrLst>
-    <dgm:linClrLst meth="repeat">
-      <a:schemeClr val="accent1">
-        <a:alpha val="90000"/>
-        <a:tint val="40000"/>
-      </a:schemeClr>
-    </dgm:linClrLst>
-    <dgm:effectClrLst/>
-    <dgm:txLinClrLst/>
-    <dgm:txFillClrLst meth="repeat">
-      <a:schemeClr val="dk1"/>
-    </dgm:txFillClrLst>
-    <dgm:txEffectClrLst/>
-  </dgm:styleLbl>
-  <dgm:styleLbl name="bgAccFollowNode1">
-    <dgm:fillClrLst meth="repeat">
-      <a:schemeClr val="accent1">
-        <a:alpha val="90000"/>
-        <a:tint val="40000"/>
-      </a:schemeClr>
-    </dgm:fillClrLst>
-    <dgm:linClrLst meth="repeat">
-      <a:schemeClr val="accent1">
-        <a:alpha val="90000"/>
-        <a:tint val="40000"/>
-      </a:schemeClr>
-    </dgm:linClrLst>
-    <dgm:effectClrLst/>
-    <dgm:txLinClrLst/>
-    <dgm:txFillClrLst meth="repeat">
-      <a:schemeClr val="dk1"/>
-    </dgm:txFillClrLst>
-    <dgm:txEffectClrLst/>
-  </dgm:styleLbl>
-  <dgm:styleLbl name="fgAcc0">
-    <dgm:fillClrLst meth="repeat">
-      <a:schemeClr val="lt1">
-        <a:alpha val="90000"/>
-      </a:schemeClr>
-    </dgm:fillClrLst>
-    <dgm:linClrLst meth="repeat">
-      <a:schemeClr val="accent1"/>
-    </dgm:linClrLst>
-    <dgm:effectClrLst/>
-    <dgm:txLinClrLst/>
-    <dgm:txFillClrLst meth="repeat">
-      <a:schemeClr val="dk1"/>
-    </dgm:txFillClrLst>
-    <dgm:txEffectClrLst/>
-  </dgm:styleLbl>
-  <dgm:styleLbl name="fgAcc2">
-    <dgm:fillClrLst meth="repeat">
-      <a:schemeClr val="lt1">
-        <a:alpha val="90000"/>
-      </a:schemeClr>
-    </dgm:fillClrLst>
-    <dgm:linClrLst meth="repeat">
-      <a:schemeClr val="accent1"/>
-    </dgm:linClrLst>
-    <dgm:effectClrLst/>
-    <dgm:txLinClrLst/>
-    <dgm:txFillClrLst meth="repeat">
-      <a:schemeClr val="dk1"/>
-    </dgm:txFillClrLst>
-    <dgm:txEffectClrLst/>
-  </dgm:styleLbl>
-  <dgm:styleLbl name="fgAcc3">
-    <dgm:fillClrLst meth="repeat">
-      <a:schemeClr val="lt1">
-        <a:alpha val="90000"/>
-      </a:schemeClr>
-    </dgm:fillClrLst>
-    <dgm:linClrLst meth="repeat">
-      <a:schemeClr val="accent1"/>
-    </dgm:linClrLst>
-    <dgm:effectClrLst/>
-    <dgm:txLinClrLst/>
-    <dgm:txFillClrLst meth="repeat">
-      <a:schemeClr val="dk1"/>
-    </dgm:txFillClrLst>
-    <dgm:txEffectClrLst/>
-  </dgm:styleLbl>
-  <dgm:styleLbl name="fgAcc4">
-    <dgm:fillClrLst meth="repeat">
-      <a:schemeClr val="lt1">
-        <a:alpha val="90000"/>
-      </a:schemeClr>
-    </dgm:fillClrLst>
-    <dgm:linClrLst meth="repeat">
-      <a:schemeClr val="accent1"/>
-    </dgm:linClrLst>
-    <dgm:effectClrLst/>
-    <dgm:txLinClrLst/>
-    <dgm:txFillClrLst meth="repeat">
-      <a:schemeClr val="dk1"/>
-    </dgm:txFillClrLst>
-    <dgm:txEffectClrLst/>
-  </dgm:styleLbl>
-  <dgm:styleLbl name="bgShp">
-    <dgm:fillClrLst meth="repeat">
-      <a:schemeClr val="accent1">
-        <a:tint val="40000"/>
-      </a:schemeClr>
-    </dgm:fillClrLst>
-    <dgm:linClrLst meth="repeat">
-      <a:schemeClr val="accent1"/>
-    </dgm:linClrLst>
-    <dgm:effectClrLst/>
-    <dgm:txLinClrLst/>
-    <dgm:txFillClrLst meth="repeat">
-      <a:schemeClr val="dk1"/>
-    </dgm:txFillClrLst>
-    <dgm:txEffectClrLst/>
-  </dgm:styleLbl>
-  <dgm:styleLbl name="dkBgShp">
-    <dgm:fillClrLst meth="repeat">
-      <a:schemeClr val="accent1">
-        <a:shade val="80000"/>
-      </a:schemeClr>
-    </dgm:fillClrLst>
-    <dgm:linClrLst meth="repeat">
-      <a:schemeClr val="accent1"/>
-    </dgm:linClrLst>
-    <dgm:effectClrLst/>
-    <dgm:txLinClrLst/>
-    <dgm:txFillClrLst meth="repeat">
-      <a:schemeClr val="lt1"/>
-    </dgm:txFillClrLst>
-    <dgm:txEffectClrLst/>
-  </dgm:styleLbl>
-  <dgm:styleLbl name="trBgShp">
-    <dgm:fillClrLst meth="repeat">
-      <a:schemeClr val="accent1">
-        <a:tint val="50000"/>
-        <a:alpha val="40000"/>
-      </a:schemeClr>
-    </dgm:fillClrLst>
-    <dgm:linClrLst meth="repeat">
-      <a:schemeClr val="accent1"/>
-    </dgm:linClrLst>
-    <dgm:effectClrLst/>
-    <dgm:txLinClrLst/>
-    <dgm:txFillClrLst meth="repeat">
-      <a:schemeClr val="lt1"/>
-    </dgm:txFillClrLst>
-    <dgm:txEffectClrLst/>
-  </dgm:styleLbl>
-  <dgm:styleLbl name="fgShp">
-    <dgm:fillClrLst meth="repeat">
-      <a:schemeClr val="accent1">
-        <a:tint val="60000"/>
-      </a:schemeClr>
-    </dgm:fillClrLst>
-    <dgm:linClrLst meth="repeat">
-      <a:schemeClr val="lt1"/>
-    </dgm:linClrLst>
-    <dgm:effectClrLst/>
-    <dgm:txLinClrLst/>
-    <dgm:txFillClrLst meth="repeat">
-      <a:schemeClr val="dk1"/>
-    </dgm:txFillClrLst>
-    <dgm:txEffectClrLst/>
-  </dgm:styleLbl>
-  <dgm:styleLbl name="revTx">
-    <dgm:fillClrLst meth="repeat">
-      <a:schemeClr val="lt1">
-        <a:alpha val="0"/>
-      </a:schemeClr>
-    </dgm:fillClrLst>
-    <dgm:linClrLst meth="repeat">
-      <a:schemeClr val="dk1">
-        <a:alpha val="0"/>
-      </a:schemeClr>
-    </dgm:linClrLst>
-    <dgm:effectClrLst/>
-    <dgm:txLinClrLst/>
-    <dgm:txFillClrLst meth="repeat">
-      <a:schemeClr val="tx1"/>
-    </dgm:txFillClrLst>
-    <dgm:txEffectClrLst/>
-  </dgm:styleLbl>
-</dgm:colorsDef>
-</file>
-
 <file path=ppt/diagrams/data1.xml><?xml version="1.0" encoding="utf-8"?>
 <dgm:dataModel xmlns:dgm="http://schemas.openxmlformats.org/drawingml/2006/diagram" xmlns:a="http://schemas.openxmlformats.org/drawingml/2006/main">
   <dgm:ptLst>
@@ -1639,7 +1265,7 @@
         <a:p>
           <a:r>
             <a:rPr lang="en-US" dirty="0"/>
-            <a:t>11/5 - Design Wired Prototype and Begin to Program Game</a:t>
+            <a:t>11/5 – Begin Hardware Design and Software Development</a:t>
           </a:r>
         </a:p>
       </dgm:t>
@@ -1675,7 +1301,7 @@
         <a:p>
           <a:r>
             <a:rPr lang="en-US" dirty="0"/>
-            <a:t>11/19 - Implement Wired Prototype</a:t>
+            <a:t>11/19 – Complete Hardware Purchase</a:t>
           </a:r>
         </a:p>
       </dgm:t>
@@ -1711,7 +1337,7 @@
         <a:p>
           <a:r>
             <a:rPr lang="en-US" dirty="0"/>
-            <a:t>11/26 Design Wireless Prototype and Finalize Game</a:t>
+            <a:t>11/26 -Build Hardware Prototype</a:t>
           </a:r>
         </a:p>
       </dgm:t>
@@ -1747,7 +1373,7 @@
         <a:p>
           <a:r>
             <a:rPr lang="en-US" dirty="0"/>
-            <a:t>11/26 Train Kea with Wired Prototype</a:t>
+            <a:t>1/21 - Testing Hardware and Software Together</a:t>
           </a:r>
         </a:p>
       </dgm:t>
@@ -1783,7 +1409,7 @@
         <a:p>
           <a:r>
             <a:rPr lang="en-US" dirty="0"/>
-            <a:t>1/28 - Implement Wireless Prototype and Program Data Collection</a:t>
+            <a:t>2/15 – Build a Case and Stand</a:t>
           </a:r>
         </a:p>
       </dgm:t>
@@ -1818,8 +1444,8 @@
         <a:lstStyle/>
         <a:p>
           <a:r>
-            <a:rPr lang="en-US"/>
-            <a:t>2/4 - Install Game at Zoo</a:t>
+            <a:rPr lang="en-US" dirty="0"/>
+            <a:t>3/4 - Install Game at Zoo, Train the Kea</a:t>
           </a:r>
         </a:p>
       </dgm:t>
@@ -1855,7 +1481,7 @@
         <a:p>
           <a:r>
             <a:rPr lang="en-US" dirty="0"/>
-            <a:t>3/1 - Create Demo and Presentation</a:t>
+            <a:t>3/5 - Create Demo and Presentation</a:t>
           </a:r>
         </a:p>
       </dgm:t>
@@ -2127,366 +1753,6 @@
 </dgm:dataModel>
 </file>
 
-<file path=ppt/diagrams/data2.xml><?xml version="1.0" encoding="utf-8"?>
-<dgm:dataModel xmlns:dgm="http://schemas.openxmlformats.org/drawingml/2006/diagram" xmlns:a="http://schemas.openxmlformats.org/drawingml/2006/main">
-  <dgm:ptLst>
-    <dgm:pt modelId="{BE1319D6-1AD8-45BC-A270-29A8E5725509}" type="doc">
-      <dgm:prSet loTypeId="urn:microsoft.com/office/officeart/2005/8/layout/vList2" loCatId="list" qsTypeId="urn:microsoft.com/office/officeart/2005/8/quickstyle/simple1" qsCatId="simple" csTypeId="urn:microsoft.com/office/officeart/2005/8/colors/accent1_2" csCatId="accent1" phldr="1"/>
-      <dgm:spPr/>
-      <dgm:t>
-        <a:bodyPr/>
-        <a:lstStyle/>
-        <a:p>
-          <a:endParaRPr lang="en-US"/>
-        </a:p>
-      </dgm:t>
-    </dgm:pt>
-    <dgm:pt modelId="{D08B8E0E-C80D-4E62-B14E-3A3ED6C80F74}">
-      <dgm:prSet phldrT="[Text]"/>
-      <dgm:spPr/>
-      <dgm:t>
-        <a:bodyPr/>
-        <a:lstStyle/>
-        <a:p>
-          <a:r>
-            <a:rPr lang="en-US" dirty="0"/>
-            <a:t>As a Zookeeper…</a:t>
-          </a:r>
-        </a:p>
-      </dgm:t>
-    </dgm:pt>
-    <dgm:pt modelId="{08C82DB7-9955-49D3-9E1B-030F02504BAC}" type="parTrans" cxnId="{A67246A3-4A4E-4CCD-A8E0-3875CBE73D90}">
-      <dgm:prSet/>
-      <dgm:spPr/>
-      <dgm:t>
-        <a:bodyPr/>
-        <a:lstStyle/>
-        <a:p>
-          <a:endParaRPr lang="en-US"/>
-        </a:p>
-      </dgm:t>
-    </dgm:pt>
-    <dgm:pt modelId="{3A85E0AA-A256-4B3C-8E02-B17490A5CF14}" type="sibTrans" cxnId="{A67246A3-4A4E-4CCD-A8E0-3875CBE73D90}">
-      <dgm:prSet/>
-      <dgm:spPr/>
-      <dgm:t>
-        <a:bodyPr/>
-        <a:lstStyle/>
-        <a:p>
-          <a:endParaRPr lang="en-US"/>
-        </a:p>
-      </dgm:t>
-    </dgm:pt>
-    <dgm:pt modelId="{96281063-E946-4610-8EAD-04C93D6BA48C}">
-      <dgm:prSet phldrT="[Text]"/>
-      <dgm:spPr/>
-      <dgm:t>
-        <a:bodyPr/>
-        <a:lstStyle/>
-        <a:p>
-          <a:r>
-            <a:rPr lang="en-US" dirty="0"/>
-            <a:t>I need a device to entertain Kea birds and to test its intellectual ability so I can collect data on them.</a:t>
-          </a:r>
-        </a:p>
-      </dgm:t>
-    </dgm:pt>
-    <dgm:pt modelId="{EA1AD419-B05C-47A7-AE2E-BA7693837522}" type="parTrans" cxnId="{E87B34ED-5FF3-4C34-BFDB-2FE173706E0F}">
-      <dgm:prSet/>
-      <dgm:spPr/>
-      <dgm:t>
-        <a:bodyPr/>
-        <a:lstStyle/>
-        <a:p>
-          <a:endParaRPr lang="en-US"/>
-        </a:p>
-      </dgm:t>
-    </dgm:pt>
-    <dgm:pt modelId="{AFC49CD5-81F7-4D7C-A54E-5A172DF21588}" type="sibTrans" cxnId="{E87B34ED-5FF3-4C34-BFDB-2FE173706E0F}">
-      <dgm:prSet/>
-      <dgm:spPr/>
-      <dgm:t>
-        <a:bodyPr/>
-        <a:lstStyle/>
-        <a:p>
-          <a:endParaRPr lang="en-US"/>
-        </a:p>
-      </dgm:t>
-    </dgm:pt>
-    <dgm:pt modelId="{B8D530A6-5B99-48E9-B90F-DBFE63A5C822}">
-      <dgm:prSet phldrT="[Text]"/>
-      <dgm:spPr/>
-      <dgm:t>
-        <a:bodyPr/>
-        <a:lstStyle/>
-        <a:p>
-          <a:r>
-            <a:rPr lang="en-US" dirty="0"/>
-            <a:t>As a Cincinnati Zoo guest…</a:t>
-          </a:r>
-        </a:p>
-      </dgm:t>
-    </dgm:pt>
-    <dgm:pt modelId="{0D47A09D-59CF-45E8-9C75-1574731A76FD}" type="parTrans" cxnId="{6A62F22A-B628-4E8C-9A23-8E180E21DCB6}">
-      <dgm:prSet/>
-      <dgm:spPr/>
-      <dgm:t>
-        <a:bodyPr/>
-        <a:lstStyle/>
-        <a:p>
-          <a:endParaRPr lang="en-US"/>
-        </a:p>
-      </dgm:t>
-    </dgm:pt>
-    <dgm:pt modelId="{3EE74F5C-3EF5-40E2-AF5C-81B75B303551}" type="sibTrans" cxnId="{6A62F22A-B628-4E8C-9A23-8E180E21DCB6}">
-      <dgm:prSet/>
-      <dgm:spPr/>
-      <dgm:t>
-        <a:bodyPr/>
-        <a:lstStyle/>
-        <a:p>
-          <a:endParaRPr lang="en-US"/>
-        </a:p>
-      </dgm:t>
-    </dgm:pt>
-    <dgm:pt modelId="{0B7BA89A-22B6-4129-926C-341B1021108F}">
-      <dgm:prSet phldrT="[Text]"/>
-      <dgm:spPr/>
-      <dgm:t>
-        <a:bodyPr/>
-        <a:lstStyle/>
-        <a:p>
-          <a:r>
-            <a:rPr lang="en-US" dirty="0"/>
-            <a:t>I need a way to interact with the Kea birds so I can see their intellectual ability.</a:t>
-          </a:r>
-        </a:p>
-      </dgm:t>
-    </dgm:pt>
-    <dgm:pt modelId="{C9EC18AA-7BD7-40C5-A492-D7C5BEBCE611}" type="parTrans" cxnId="{31917147-1547-4E90-A56A-4BC58248DD3F}">
-      <dgm:prSet/>
-      <dgm:spPr/>
-      <dgm:t>
-        <a:bodyPr/>
-        <a:lstStyle/>
-        <a:p>
-          <a:endParaRPr lang="en-US"/>
-        </a:p>
-      </dgm:t>
-    </dgm:pt>
-    <dgm:pt modelId="{0F4E5F7D-F05F-4A2E-BCE6-6ABA984FADE0}" type="sibTrans" cxnId="{31917147-1547-4E90-A56A-4BC58248DD3F}">
-      <dgm:prSet/>
-      <dgm:spPr/>
-      <dgm:t>
-        <a:bodyPr/>
-        <a:lstStyle/>
-        <a:p>
-          <a:endParaRPr lang="en-US"/>
-        </a:p>
-      </dgm:t>
-    </dgm:pt>
-    <dgm:pt modelId="{93704784-79A5-40C3-80BE-DB03C5395160}">
-      <dgm:prSet phldrT="[Text]"/>
-      <dgm:spPr/>
-      <dgm:t>
-        <a:bodyPr/>
-        <a:lstStyle/>
-        <a:p>
-          <a:r>
-            <a:rPr lang="en-US" dirty="0"/>
-            <a:t>I need a way for the birds to be rewarded for playing with the device so that they can be trained on the device.</a:t>
-          </a:r>
-        </a:p>
-      </dgm:t>
-    </dgm:pt>
-    <dgm:pt modelId="{7BE9B5F8-2847-4025-8EBB-BE2D8E1A5E1B}" type="parTrans" cxnId="{0708FF80-562E-483F-B692-A9B367EB3C9C}">
-      <dgm:prSet/>
-      <dgm:spPr/>
-      <dgm:t>
-        <a:bodyPr/>
-        <a:lstStyle/>
-        <a:p>
-          <a:endParaRPr lang="en-US"/>
-        </a:p>
-      </dgm:t>
-    </dgm:pt>
-    <dgm:pt modelId="{E7114A81-69E7-464A-A546-1D669A8805B9}" type="sibTrans" cxnId="{0708FF80-562E-483F-B692-A9B367EB3C9C}">
-      <dgm:prSet/>
-      <dgm:spPr/>
-      <dgm:t>
-        <a:bodyPr/>
-        <a:lstStyle/>
-        <a:p>
-          <a:endParaRPr lang="en-US"/>
-        </a:p>
-      </dgm:t>
-    </dgm:pt>
-    <dgm:pt modelId="{852E10B2-4B89-47D0-B614-34F7491CD547}">
-      <dgm:prSet phldrT="[Text]"/>
-      <dgm:spPr/>
-      <dgm:t>
-        <a:bodyPr/>
-        <a:lstStyle/>
-        <a:p>
-          <a:r>
-            <a:rPr lang="en-US" dirty="0"/>
-            <a:t>As the Cincinnati Zoo…</a:t>
-          </a:r>
-        </a:p>
-      </dgm:t>
-    </dgm:pt>
-    <dgm:pt modelId="{7C27F745-6DBA-4940-BE45-DD32F6E40D41}" type="parTrans" cxnId="{2F1C02F1-0EB5-4277-9C46-9B16462348F5}">
-      <dgm:prSet/>
-      <dgm:spPr/>
-      <dgm:t>
-        <a:bodyPr/>
-        <a:lstStyle/>
-        <a:p>
-          <a:endParaRPr lang="en-US"/>
-        </a:p>
-      </dgm:t>
-    </dgm:pt>
-    <dgm:pt modelId="{33046578-9727-471F-8895-6FC194678585}" type="sibTrans" cxnId="{2F1C02F1-0EB5-4277-9C46-9B16462348F5}">
-      <dgm:prSet/>
-      <dgm:spPr/>
-      <dgm:t>
-        <a:bodyPr/>
-        <a:lstStyle/>
-        <a:p>
-          <a:endParaRPr lang="en-US"/>
-        </a:p>
-      </dgm:t>
-    </dgm:pt>
-    <dgm:pt modelId="{16F44FFD-A2E7-472B-ABB8-CBB7C1085A4B}">
-      <dgm:prSet phldrT="[Text]"/>
-      <dgm:spPr/>
-      <dgm:t>
-        <a:bodyPr/>
-        <a:lstStyle/>
-        <a:p>
-          <a:r>
-            <a:rPr lang="en-US" dirty="0"/>
-            <a:t>I need the device to be safe for the Kea birds, so they do not destroy it and/or get hurt by the device.</a:t>
-          </a:r>
-        </a:p>
-      </dgm:t>
-    </dgm:pt>
-    <dgm:pt modelId="{58A70BAA-91B5-429A-B2F6-C7A41339D337}" type="parTrans" cxnId="{7D66AF2E-CE40-4FC6-ABC9-9094980FCA65}">
-      <dgm:prSet/>
-      <dgm:spPr/>
-      <dgm:t>
-        <a:bodyPr/>
-        <a:lstStyle/>
-        <a:p>
-          <a:endParaRPr lang="en-US"/>
-        </a:p>
-      </dgm:t>
-    </dgm:pt>
-    <dgm:pt modelId="{3A46BE7C-CC3B-446A-8D50-673EF1B3D82D}" type="sibTrans" cxnId="{7D66AF2E-CE40-4FC6-ABC9-9094980FCA65}">
-      <dgm:prSet/>
-      <dgm:spPr/>
-      <dgm:t>
-        <a:bodyPr/>
-        <a:lstStyle/>
-        <a:p>
-          <a:endParaRPr lang="en-US"/>
-        </a:p>
-      </dgm:t>
-    </dgm:pt>
-    <dgm:pt modelId="{F83F55B3-96C1-4EB0-B4F2-0417CA094703}" type="pres">
-      <dgm:prSet presAssocID="{BE1319D6-1AD8-45BC-A270-29A8E5725509}" presName="linear" presStyleCnt="0">
-        <dgm:presLayoutVars>
-          <dgm:animLvl val="lvl"/>
-          <dgm:resizeHandles val="exact"/>
-        </dgm:presLayoutVars>
-      </dgm:prSet>
-      <dgm:spPr/>
-    </dgm:pt>
-    <dgm:pt modelId="{89FDE98F-1177-4FD9-84AB-D93E20979229}" type="pres">
-      <dgm:prSet presAssocID="{D08B8E0E-C80D-4E62-B14E-3A3ED6C80F74}" presName="parentText" presStyleLbl="node1" presStyleIdx="0" presStyleCnt="3" custScaleY="118710">
-        <dgm:presLayoutVars>
-          <dgm:chMax val="0"/>
-          <dgm:bulletEnabled val="1"/>
-        </dgm:presLayoutVars>
-      </dgm:prSet>
-      <dgm:spPr/>
-    </dgm:pt>
-    <dgm:pt modelId="{598D8005-FC8C-4F31-AF83-0A3B29E58910}" type="pres">
-      <dgm:prSet presAssocID="{D08B8E0E-C80D-4E62-B14E-3A3ED6C80F74}" presName="childText" presStyleLbl="revTx" presStyleIdx="0" presStyleCnt="3">
-        <dgm:presLayoutVars>
-          <dgm:bulletEnabled val="1"/>
-        </dgm:presLayoutVars>
-      </dgm:prSet>
-      <dgm:spPr/>
-    </dgm:pt>
-    <dgm:pt modelId="{7544B684-6A1D-4418-85A9-E4FD03A80E8C}" type="pres">
-      <dgm:prSet presAssocID="{B8D530A6-5B99-48E9-B90F-DBFE63A5C822}" presName="parentText" presStyleLbl="node1" presStyleIdx="1" presStyleCnt="3" custScaleY="118710">
-        <dgm:presLayoutVars>
-          <dgm:chMax val="0"/>
-          <dgm:bulletEnabled val="1"/>
-        </dgm:presLayoutVars>
-      </dgm:prSet>
-      <dgm:spPr/>
-    </dgm:pt>
-    <dgm:pt modelId="{83A4B69A-292A-40B3-BEC2-8516CACC0CD1}" type="pres">
-      <dgm:prSet presAssocID="{B8D530A6-5B99-48E9-B90F-DBFE63A5C822}" presName="childText" presStyleLbl="revTx" presStyleIdx="1" presStyleCnt="3">
-        <dgm:presLayoutVars>
-          <dgm:bulletEnabled val="1"/>
-        </dgm:presLayoutVars>
-      </dgm:prSet>
-      <dgm:spPr/>
-    </dgm:pt>
-    <dgm:pt modelId="{CA4FDC61-40FA-4BBD-B998-161C92B34BDA}" type="pres">
-      <dgm:prSet presAssocID="{852E10B2-4B89-47D0-B614-34F7491CD547}" presName="parentText" presStyleLbl="node1" presStyleIdx="2" presStyleCnt="3" custScaleY="118710">
-        <dgm:presLayoutVars>
-          <dgm:chMax val="0"/>
-          <dgm:bulletEnabled val="1"/>
-        </dgm:presLayoutVars>
-      </dgm:prSet>
-      <dgm:spPr/>
-    </dgm:pt>
-    <dgm:pt modelId="{C7935CEF-8EDA-4784-A677-CF5FEC86878E}" type="pres">
-      <dgm:prSet presAssocID="{852E10B2-4B89-47D0-B614-34F7491CD547}" presName="childText" presStyleLbl="revTx" presStyleIdx="2" presStyleCnt="3">
-        <dgm:presLayoutVars>
-          <dgm:bulletEnabled val="1"/>
-        </dgm:presLayoutVars>
-      </dgm:prSet>
-      <dgm:spPr/>
-    </dgm:pt>
-  </dgm:ptLst>
-  <dgm:cxnLst>
-    <dgm:cxn modelId="{6A62F22A-B628-4E8C-9A23-8E180E21DCB6}" srcId="{BE1319D6-1AD8-45BC-A270-29A8E5725509}" destId="{B8D530A6-5B99-48E9-B90F-DBFE63A5C822}" srcOrd="1" destOrd="0" parTransId="{0D47A09D-59CF-45E8-9C75-1574731A76FD}" sibTransId="{3EE74F5C-3EF5-40E2-AF5C-81B75B303551}"/>
-    <dgm:cxn modelId="{7D66AF2E-CE40-4FC6-ABC9-9094980FCA65}" srcId="{852E10B2-4B89-47D0-B614-34F7491CD547}" destId="{16F44FFD-A2E7-472B-ABB8-CBB7C1085A4B}" srcOrd="0" destOrd="0" parTransId="{58A70BAA-91B5-429A-B2F6-C7A41339D337}" sibTransId="{3A46BE7C-CC3B-446A-8D50-673EF1B3D82D}"/>
-    <dgm:cxn modelId="{73CE1130-CE63-4EB3-B10E-9A142012C092}" type="presOf" srcId="{B8D530A6-5B99-48E9-B90F-DBFE63A5C822}" destId="{7544B684-6A1D-4418-85A9-E4FD03A80E8C}" srcOrd="0" destOrd="0" presId="urn:microsoft.com/office/officeart/2005/8/layout/vList2"/>
-    <dgm:cxn modelId="{612C6334-D060-4A07-B023-05D5898C32D5}" type="presOf" srcId="{93704784-79A5-40C3-80BE-DB03C5395160}" destId="{598D8005-FC8C-4F31-AF83-0A3B29E58910}" srcOrd="0" destOrd="1" presId="urn:microsoft.com/office/officeart/2005/8/layout/vList2"/>
-    <dgm:cxn modelId="{7964213D-3B12-47C4-AD88-6229112B300A}" type="presOf" srcId="{16F44FFD-A2E7-472B-ABB8-CBB7C1085A4B}" destId="{C7935CEF-8EDA-4784-A677-CF5FEC86878E}" srcOrd="0" destOrd="0" presId="urn:microsoft.com/office/officeart/2005/8/layout/vList2"/>
-    <dgm:cxn modelId="{31917147-1547-4E90-A56A-4BC58248DD3F}" srcId="{B8D530A6-5B99-48E9-B90F-DBFE63A5C822}" destId="{0B7BA89A-22B6-4129-926C-341B1021108F}" srcOrd="0" destOrd="0" parTransId="{C9EC18AA-7BD7-40C5-A492-D7C5BEBCE611}" sibTransId="{0F4E5F7D-F05F-4A2E-BCE6-6ABA984FADE0}"/>
-    <dgm:cxn modelId="{50EF8076-0FDA-42B2-89D6-4E3181FB7C58}" type="presOf" srcId="{D08B8E0E-C80D-4E62-B14E-3A3ED6C80F74}" destId="{89FDE98F-1177-4FD9-84AB-D93E20979229}" srcOrd="0" destOrd="0" presId="urn:microsoft.com/office/officeart/2005/8/layout/vList2"/>
-    <dgm:cxn modelId="{567A9179-63DB-479E-8DA5-F40055F1B3F2}" type="presOf" srcId="{96281063-E946-4610-8EAD-04C93D6BA48C}" destId="{598D8005-FC8C-4F31-AF83-0A3B29E58910}" srcOrd="0" destOrd="0" presId="urn:microsoft.com/office/officeart/2005/8/layout/vList2"/>
-    <dgm:cxn modelId="{0708FF80-562E-483F-B692-A9B367EB3C9C}" srcId="{D08B8E0E-C80D-4E62-B14E-3A3ED6C80F74}" destId="{93704784-79A5-40C3-80BE-DB03C5395160}" srcOrd="1" destOrd="0" parTransId="{7BE9B5F8-2847-4025-8EBB-BE2D8E1A5E1B}" sibTransId="{E7114A81-69E7-464A-A546-1D669A8805B9}"/>
-    <dgm:cxn modelId="{2041AE89-AF0B-4F96-B230-F5E08DFBB44E}" type="presOf" srcId="{852E10B2-4B89-47D0-B614-34F7491CD547}" destId="{CA4FDC61-40FA-4BBD-B998-161C92B34BDA}" srcOrd="0" destOrd="0" presId="urn:microsoft.com/office/officeart/2005/8/layout/vList2"/>
-    <dgm:cxn modelId="{7975D68A-0A6F-4581-9884-4CB7897340B7}" type="presOf" srcId="{0B7BA89A-22B6-4129-926C-341B1021108F}" destId="{83A4B69A-292A-40B3-BEC2-8516CACC0CD1}" srcOrd="0" destOrd="0" presId="urn:microsoft.com/office/officeart/2005/8/layout/vList2"/>
-    <dgm:cxn modelId="{A67246A3-4A4E-4CCD-A8E0-3875CBE73D90}" srcId="{BE1319D6-1AD8-45BC-A270-29A8E5725509}" destId="{D08B8E0E-C80D-4E62-B14E-3A3ED6C80F74}" srcOrd="0" destOrd="0" parTransId="{08C82DB7-9955-49D3-9E1B-030F02504BAC}" sibTransId="{3A85E0AA-A256-4B3C-8E02-B17490A5CF14}"/>
-    <dgm:cxn modelId="{E87B34ED-5FF3-4C34-BFDB-2FE173706E0F}" srcId="{D08B8E0E-C80D-4E62-B14E-3A3ED6C80F74}" destId="{96281063-E946-4610-8EAD-04C93D6BA48C}" srcOrd="0" destOrd="0" parTransId="{EA1AD419-B05C-47A7-AE2E-BA7693837522}" sibTransId="{AFC49CD5-81F7-4D7C-A54E-5A172DF21588}"/>
-    <dgm:cxn modelId="{2F1C02F1-0EB5-4277-9C46-9B16462348F5}" srcId="{BE1319D6-1AD8-45BC-A270-29A8E5725509}" destId="{852E10B2-4B89-47D0-B614-34F7491CD547}" srcOrd="2" destOrd="0" parTransId="{7C27F745-6DBA-4940-BE45-DD32F6E40D41}" sibTransId="{33046578-9727-471F-8895-6FC194678585}"/>
-    <dgm:cxn modelId="{40173BFD-D2AB-4D8A-A911-2FDFE41599D8}" type="presOf" srcId="{BE1319D6-1AD8-45BC-A270-29A8E5725509}" destId="{F83F55B3-96C1-4EB0-B4F2-0417CA094703}" srcOrd="0" destOrd="0" presId="urn:microsoft.com/office/officeart/2005/8/layout/vList2"/>
-    <dgm:cxn modelId="{E25E57A8-2D28-4235-9492-836CEF3C7629}" type="presParOf" srcId="{F83F55B3-96C1-4EB0-B4F2-0417CA094703}" destId="{89FDE98F-1177-4FD9-84AB-D93E20979229}" srcOrd="0" destOrd="0" presId="urn:microsoft.com/office/officeart/2005/8/layout/vList2"/>
-    <dgm:cxn modelId="{CA43E01F-0FA4-43C9-A347-1B19FDB2E3A8}" type="presParOf" srcId="{F83F55B3-96C1-4EB0-B4F2-0417CA094703}" destId="{598D8005-FC8C-4F31-AF83-0A3B29E58910}" srcOrd="1" destOrd="0" presId="urn:microsoft.com/office/officeart/2005/8/layout/vList2"/>
-    <dgm:cxn modelId="{CC2FFEB3-D4F5-49C6-9224-04493A41C488}" type="presParOf" srcId="{F83F55B3-96C1-4EB0-B4F2-0417CA094703}" destId="{7544B684-6A1D-4418-85A9-E4FD03A80E8C}" srcOrd="2" destOrd="0" presId="urn:microsoft.com/office/officeart/2005/8/layout/vList2"/>
-    <dgm:cxn modelId="{480F6E0C-A8CC-4738-B13E-71FC1678925F}" type="presParOf" srcId="{F83F55B3-96C1-4EB0-B4F2-0417CA094703}" destId="{83A4B69A-292A-40B3-BEC2-8516CACC0CD1}" srcOrd="3" destOrd="0" presId="urn:microsoft.com/office/officeart/2005/8/layout/vList2"/>
-    <dgm:cxn modelId="{2E9A4A00-2B25-42BA-AC3C-FAFED4CE80B8}" type="presParOf" srcId="{F83F55B3-96C1-4EB0-B4F2-0417CA094703}" destId="{CA4FDC61-40FA-4BBD-B998-161C92B34BDA}" srcOrd="4" destOrd="0" presId="urn:microsoft.com/office/officeart/2005/8/layout/vList2"/>
-    <dgm:cxn modelId="{D78835F1-883C-4A6B-830C-E4C4DA43E817}" type="presParOf" srcId="{F83F55B3-96C1-4EB0-B4F2-0417CA094703}" destId="{C7935CEF-8EDA-4784-A677-CF5FEC86878E}" srcOrd="5" destOrd="0" presId="urn:microsoft.com/office/officeart/2005/8/layout/vList2"/>
-  </dgm:cxnLst>
-  <dgm:bg/>
-  <dgm:whole/>
-  <dgm:extLst>
-    <a:ext uri="http://schemas.microsoft.com/office/drawing/2008/diagram">
-      <dsp:dataModelExt xmlns:dsp="http://schemas.microsoft.com/office/drawing/2008/diagram" relId="rId6" minVer="http://schemas.openxmlformats.org/drawingml/2006/diagram"/>
-    </a:ext>
-  </dgm:extLst>
-</dgm:dataModel>
-</file>
-
 <file path=ppt/diagrams/drawing1.xml><?xml version="1.0" encoding="utf-8"?>
 <dsp:drawing xmlns:dgm="http://schemas.openxmlformats.org/drawingml/2006/diagram" xmlns:dsp="http://schemas.microsoft.com/office/drawing/2008/diagram" xmlns:a="http://schemas.openxmlformats.org/drawingml/2006/main">
   <dsp:spTree>
@@ -2567,12 +1833,12 @@
         <a:fontRef idx="minor"/>
       </dsp:style>
       <dsp:txBody>
-        <a:bodyPr spcFirstLastPara="0" vert="horz" wrap="square" lIns="99568" tIns="99568" rIns="99568" bIns="99568" numCol="1" spcCol="1270" anchor="b" anchorCtr="0">
+        <a:bodyPr spcFirstLastPara="0" vert="horz" wrap="square" lIns="106680" tIns="106680" rIns="106680" bIns="106680" numCol="1" spcCol="1270" anchor="b" anchorCtr="0">
           <a:noAutofit/>
         </a:bodyPr>
         <a:lstStyle/>
         <a:p>
-          <a:pPr marL="0" lvl="0" indent="0" algn="ctr" defTabSz="622300">
+          <a:pPr marL="0" lvl="0" indent="0" algn="ctr" defTabSz="666750">
             <a:lnSpc>
               <a:spcPct val="90000"/>
             </a:lnSpc>
@@ -2585,8 +1851,8 @@
             <a:buNone/>
           </a:pPr>
           <a:r>
-            <a:rPr lang="en-US" sz="1400" kern="1200" dirty="0"/>
-            <a:t>11/5 - Design Wired Prototype and Begin to Program Game</a:t>
+            <a:rPr lang="en-US" sz="1500" kern="1200" dirty="0"/>
+            <a:t>11/5 – Begin Hardware Design and Software Development</a:t>
           </a:r>
         </a:p>
       </dsp:txBody>
@@ -2676,12 +1942,12 @@
         <a:fontRef idx="minor"/>
       </dsp:style>
       <dsp:txBody>
-        <a:bodyPr spcFirstLastPara="0" vert="horz" wrap="square" lIns="99568" tIns="99568" rIns="99568" bIns="99568" numCol="1" spcCol="1270" anchor="t" anchorCtr="0">
+        <a:bodyPr spcFirstLastPara="0" vert="horz" wrap="square" lIns="106680" tIns="106680" rIns="106680" bIns="106680" numCol="1" spcCol="1270" anchor="t" anchorCtr="0">
           <a:noAutofit/>
         </a:bodyPr>
         <a:lstStyle/>
         <a:p>
-          <a:pPr marL="0" lvl="0" indent="0" algn="ctr" defTabSz="622300">
+          <a:pPr marL="0" lvl="0" indent="0" algn="ctr" defTabSz="666750">
             <a:lnSpc>
               <a:spcPct val="90000"/>
             </a:lnSpc>
@@ -2694,8 +1960,8 @@
             <a:buNone/>
           </a:pPr>
           <a:r>
-            <a:rPr lang="en-US" sz="1400" kern="1200" dirty="0"/>
-            <a:t>11/19 - Implement Wired Prototype</a:t>
+            <a:rPr lang="en-US" sz="1500" kern="1200" dirty="0"/>
+            <a:t>11/19 – Complete Hardware Purchase</a:t>
           </a:r>
         </a:p>
       </dsp:txBody>
@@ -2785,12 +2051,12 @@
         <a:fontRef idx="minor"/>
       </dsp:style>
       <dsp:txBody>
-        <a:bodyPr spcFirstLastPara="0" vert="horz" wrap="square" lIns="99568" tIns="99568" rIns="99568" bIns="99568" numCol="1" spcCol="1270" anchor="b" anchorCtr="0">
+        <a:bodyPr spcFirstLastPara="0" vert="horz" wrap="square" lIns="106680" tIns="106680" rIns="106680" bIns="106680" numCol="1" spcCol="1270" anchor="b" anchorCtr="0">
           <a:noAutofit/>
         </a:bodyPr>
         <a:lstStyle/>
         <a:p>
-          <a:pPr marL="0" lvl="0" indent="0" algn="ctr" defTabSz="622300">
+          <a:pPr marL="0" lvl="0" indent="0" algn="ctr" defTabSz="666750">
             <a:lnSpc>
               <a:spcPct val="90000"/>
             </a:lnSpc>
@@ -2803,8 +2069,8 @@
             <a:buNone/>
           </a:pPr>
           <a:r>
-            <a:rPr lang="en-US" sz="1400" kern="1200" dirty="0"/>
-            <a:t>11/26 Design Wireless Prototype and Finalize Game</a:t>
+            <a:rPr lang="en-US" sz="1500" kern="1200" dirty="0"/>
+            <a:t>11/26 -Build Hardware Prototype</a:t>
           </a:r>
         </a:p>
       </dsp:txBody>
@@ -2894,12 +2160,12 @@
         <a:fontRef idx="minor"/>
       </dsp:style>
       <dsp:txBody>
-        <a:bodyPr spcFirstLastPara="0" vert="horz" wrap="square" lIns="99568" tIns="99568" rIns="99568" bIns="99568" numCol="1" spcCol="1270" anchor="t" anchorCtr="0">
+        <a:bodyPr spcFirstLastPara="0" vert="horz" wrap="square" lIns="106680" tIns="106680" rIns="106680" bIns="106680" numCol="1" spcCol="1270" anchor="t" anchorCtr="0">
           <a:noAutofit/>
         </a:bodyPr>
         <a:lstStyle/>
         <a:p>
-          <a:pPr marL="0" lvl="0" indent="0" algn="ctr" defTabSz="622300">
+          <a:pPr marL="0" lvl="0" indent="0" algn="ctr" defTabSz="666750">
             <a:lnSpc>
               <a:spcPct val="90000"/>
             </a:lnSpc>
@@ -2912,8 +2178,8 @@
             <a:buNone/>
           </a:pPr>
           <a:r>
-            <a:rPr lang="en-US" sz="1400" kern="1200" dirty="0"/>
-            <a:t>11/26 Train Kea with Wired Prototype</a:t>
+            <a:rPr lang="en-US" sz="1500" kern="1200" dirty="0"/>
+            <a:t>1/21 - Testing Hardware and Software Together</a:t>
           </a:r>
         </a:p>
       </dsp:txBody>
@@ -3003,12 +2269,12 @@
         <a:fontRef idx="minor"/>
       </dsp:style>
       <dsp:txBody>
-        <a:bodyPr spcFirstLastPara="0" vert="horz" wrap="square" lIns="99568" tIns="99568" rIns="99568" bIns="99568" numCol="1" spcCol="1270" anchor="b" anchorCtr="0">
+        <a:bodyPr spcFirstLastPara="0" vert="horz" wrap="square" lIns="106680" tIns="106680" rIns="106680" bIns="106680" numCol="1" spcCol="1270" anchor="b" anchorCtr="0">
           <a:noAutofit/>
         </a:bodyPr>
         <a:lstStyle/>
         <a:p>
-          <a:pPr marL="0" lvl="0" indent="0" algn="ctr" defTabSz="622300">
+          <a:pPr marL="0" lvl="0" indent="0" algn="ctr" defTabSz="666750">
             <a:lnSpc>
               <a:spcPct val="90000"/>
             </a:lnSpc>
@@ -3021,8 +2287,8 @@
             <a:buNone/>
           </a:pPr>
           <a:r>
-            <a:rPr lang="en-US" sz="1400" kern="1200" dirty="0"/>
-            <a:t>1/28 - Implement Wireless Prototype and Program Data Collection</a:t>
+            <a:rPr lang="en-US" sz="1500" kern="1200" dirty="0"/>
+            <a:t>2/15 – Build a Case and Stand</a:t>
           </a:r>
         </a:p>
       </dsp:txBody>
@@ -3112,12 +2378,12 @@
         <a:fontRef idx="minor"/>
       </dsp:style>
       <dsp:txBody>
-        <a:bodyPr spcFirstLastPara="0" vert="horz" wrap="square" lIns="99568" tIns="99568" rIns="99568" bIns="99568" numCol="1" spcCol="1270" anchor="t" anchorCtr="0">
+        <a:bodyPr spcFirstLastPara="0" vert="horz" wrap="square" lIns="106680" tIns="106680" rIns="106680" bIns="106680" numCol="1" spcCol="1270" anchor="t" anchorCtr="0">
           <a:noAutofit/>
         </a:bodyPr>
         <a:lstStyle/>
         <a:p>
-          <a:pPr marL="0" lvl="0" indent="0" algn="ctr" defTabSz="622300">
+          <a:pPr marL="0" lvl="0" indent="0" algn="ctr" defTabSz="666750">
             <a:lnSpc>
               <a:spcPct val="90000"/>
             </a:lnSpc>
@@ -3130,8 +2396,8 @@
             <a:buNone/>
           </a:pPr>
           <a:r>
-            <a:rPr lang="en-US" sz="1400" kern="1200"/>
-            <a:t>2/4 - Install Game at Zoo</a:t>
+            <a:rPr lang="en-US" sz="1500" kern="1200" dirty="0"/>
+            <a:t>3/4 - Install Game at Zoo, Train the Kea</a:t>
           </a:r>
         </a:p>
       </dsp:txBody>
@@ -3221,12 +2487,12 @@
         <a:fontRef idx="minor"/>
       </dsp:style>
       <dsp:txBody>
-        <a:bodyPr spcFirstLastPara="0" vert="horz" wrap="square" lIns="99568" tIns="99568" rIns="99568" bIns="99568" numCol="1" spcCol="1270" anchor="b" anchorCtr="0">
+        <a:bodyPr spcFirstLastPara="0" vert="horz" wrap="square" lIns="106680" tIns="106680" rIns="106680" bIns="106680" numCol="1" spcCol="1270" anchor="b" anchorCtr="0">
           <a:noAutofit/>
         </a:bodyPr>
         <a:lstStyle/>
         <a:p>
-          <a:pPr marL="0" lvl="0" indent="0" algn="ctr" defTabSz="622300">
+          <a:pPr marL="0" lvl="0" indent="0" algn="ctr" defTabSz="666750">
             <a:lnSpc>
               <a:spcPct val="90000"/>
             </a:lnSpc>
@@ -3239,8 +2505,8 @@
             <a:buNone/>
           </a:pPr>
           <a:r>
-            <a:rPr lang="en-US" sz="1400" kern="1200" dirty="0"/>
-            <a:t>3/1 - Create Demo and Presentation</a:t>
+            <a:rPr lang="en-US" sz="1500" kern="1200" dirty="0"/>
+            <a:t>3/5 - Create Demo and Presentation</a:t>
           </a:r>
         </a:p>
       </dsp:txBody>
@@ -3297,447 +2563,6 @@
           <a:schemeClr val="lt1"/>
         </a:fontRef>
       </dsp:style>
-    </dsp:sp>
-  </dsp:spTree>
-</dsp:drawing>
-</file>
-
-<file path=ppt/diagrams/drawing2.xml><?xml version="1.0" encoding="utf-8"?>
-<dsp:drawing xmlns:dgm="http://schemas.openxmlformats.org/drawingml/2006/diagram" xmlns:dsp="http://schemas.microsoft.com/office/drawing/2008/diagram" xmlns:a="http://schemas.openxmlformats.org/drawingml/2006/main">
-  <dsp:spTree>
-    <dsp:nvGrpSpPr>
-      <dsp:cNvPr id="0" name=""/>
-      <dsp:cNvGrpSpPr/>
-    </dsp:nvGrpSpPr>
-    <dsp:grpSpPr/>
-    <dsp:sp modelId="{89FDE98F-1177-4FD9-84AB-D93E20979229}">
-      <dsp:nvSpPr>
-        <dsp:cNvPr id="0" name=""/>
-        <dsp:cNvSpPr/>
-      </dsp:nvSpPr>
-      <dsp:spPr>
-        <a:xfrm>
-          <a:off x="0" y="186386"/>
-          <a:ext cx="11060430" cy="740287"/>
-        </a:xfrm>
-        <a:prstGeom prst="roundRect">
-          <a:avLst/>
-        </a:prstGeom>
-        <a:solidFill>
-          <a:schemeClr val="accent1">
-            <a:hueOff val="0"/>
-            <a:satOff val="0"/>
-            <a:lumOff val="0"/>
-            <a:alphaOff val="0"/>
-          </a:schemeClr>
-        </a:solidFill>
-        <a:ln w="15875" cap="flat" cmpd="sng" algn="ctr">
-          <a:solidFill>
-            <a:schemeClr val="lt1">
-              <a:hueOff val="0"/>
-              <a:satOff val="0"/>
-              <a:lumOff val="0"/>
-              <a:alphaOff val="0"/>
-            </a:schemeClr>
-          </a:solidFill>
-          <a:prstDash val="solid"/>
-        </a:ln>
-        <a:effectLst/>
-      </dsp:spPr>
-      <dsp:style>
-        <a:lnRef idx="2">
-          <a:scrgbClr r="0" g="0" b="0"/>
-        </a:lnRef>
-        <a:fillRef idx="1">
-          <a:scrgbClr r="0" g="0" b="0"/>
-        </a:fillRef>
-        <a:effectRef idx="0">
-          <a:scrgbClr r="0" g="0" b="0"/>
-        </a:effectRef>
-        <a:fontRef idx="minor">
-          <a:schemeClr val="lt1"/>
-        </a:fontRef>
-      </dsp:style>
-      <dsp:txBody>
-        <a:bodyPr spcFirstLastPara="0" vert="horz" wrap="square" lIns="99060" tIns="99060" rIns="99060" bIns="99060" numCol="1" spcCol="1270" anchor="ctr" anchorCtr="0">
-          <a:noAutofit/>
-        </a:bodyPr>
-        <a:lstStyle/>
-        <a:p>
-          <a:pPr marL="0" lvl="0" indent="0" algn="l" defTabSz="1155700">
-            <a:lnSpc>
-              <a:spcPct val="90000"/>
-            </a:lnSpc>
-            <a:spcBef>
-              <a:spcPct val="0"/>
-            </a:spcBef>
-            <a:spcAft>
-              <a:spcPct val="35000"/>
-            </a:spcAft>
-            <a:buNone/>
-          </a:pPr>
-          <a:r>
-            <a:rPr lang="en-US" sz="2600" kern="1200" dirty="0"/>
-            <a:t>As a Zookeeper…</a:t>
-          </a:r>
-        </a:p>
-      </dsp:txBody>
-      <dsp:txXfrm>
-        <a:off x="36138" y="222524"/>
-        <a:ext cx="10988154" cy="668011"/>
-      </dsp:txXfrm>
-    </dsp:sp>
-    <dsp:sp modelId="{598D8005-FC8C-4F31-AF83-0A3B29E58910}">
-      <dsp:nvSpPr>
-        <dsp:cNvPr id="0" name=""/>
-        <dsp:cNvSpPr/>
-      </dsp:nvSpPr>
-      <dsp:spPr>
-        <a:xfrm>
-          <a:off x="0" y="926673"/>
-          <a:ext cx="11060430" cy="968760"/>
-        </a:xfrm>
-        <a:prstGeom prst="rect">
-          <a:avLst/>
-        </a:prstGeom>
-        <a:noFill/>
-        <a:ln>
-          <a:noFill/>
-        </a:ln>
-        <a:effectLst/>
-      </dsp:spPr>
-      <dsp:style>
-        <a:lnRef idx="0">
-          <a:scrgbClr r="0" g="0" b="0"/>
-        </a:lnRef>
-        <a:fillRef idx="0">
-          <a:scrgbClr r="0" g="0" b="0"/>
-        </a:fillRef>
-        <a:effectRef idx="0">
-          <a:scrgbClr r="0" g="0" b="0"/>
-        </a:effectRef>
-        <a:fontRef idx="minor"/>
-      </dsp:style>
-      <dsp:txBody>
-        <a:bodyPr spcFirstLastPara="0" vert="horz" wrap="square" lIns="351169" tIns="33020" rIns="184912" bIns="33020" numCol="1" spcCol="1270" anchor="t" anchorCtr="0">
-          <a:noAutofit/>
-        </a:bodyPr>
-        <a:lstStyle/>
-        <a:p>
-          <a:pPr marL="228600" lvl="1" indent="-228600" algn="l" defTabSz="889000">
-            <a:lnSpc>
-              <a:spcPct val="90000"/>
-            </a:lnSpc>
-            <a:spcBef>
-              <a:spcPct val="0"/>
-            </a:spcBef>
-            <a:spcAft>
-              <a:spcPct val="20000"/>
-            </a:spcAft>
-            <a:buChar char="•"/>
-          </a:pPr>
-          <a:r>
-            <a:rPr lang="en-US" sz="2000" kern="1200" dirty="0"/>
-            <a:t>I need a device to entertain Kea birds and to test its intellectual ability so I can collect data on them.</a:t>
-          </a:r>
-        </a:p>
-        <a:p>
-          <a:pPr marL="228600" lvl="1" indent="-228600" algn="l" defTabSz="889000">
-            <a:lnSpc>
-              <a:spcPct val="90000"/>
-            </a:lnSpc>
-            <a:spcBef>
-              <a:spcPct val="0"/>
-            </a:spcBef>
-            <a:spcAft>
-              <a:spcPct val="20000"/>
-            </a:spcAft>
-            <a:buChar char="•"/>
-          </a:pPr>
-          <a:r>
-            <a:rPr lang="en-US" sz="2000" kern="1200" dirty="0"/>
-            <a:t>I need a way for the birds to be rewarded for playing with the device so that they can be trained on the device.</a:t>
-          </a:r>
-        </a:p>
-      </dsp:txBody>
-      <dsp:txXfrm>
-        <a:off x="0" y="926673"/>
-        <a:ext cx="11060430" cy="968760"/>
-      </dsp:txXfrm>
-    </dsp:sp>
-    <dsp:sp modelId="{7544B684-6A1D-4418-85A9-E4FD03A80E8C}">
-      <dsp:nvSpPr>
-        <dsp:cNvPr id="0" name=""/>
-        <dsp:cNvSpPr/>
-      </dsp:nvSpPr>
-      <dsp:spPr>
-        <a:xfrm>
-          <a:off x="0" y="1895433"/>
-          <a:ext cx="11060430" cy="740287"/>
-        </a:xfrm>
-        <a:prstGeom prst="roundRect">
-          <a:avLst/>
-        </a:prstGeom>
-        <a:solidFill>
-          <a:schemeClr val="accent1">
-            <a:hueOff val="0"/>
-            <a:satOff val="0"/>
-            <a:lumOff val="0"/>
-            <a:alphaOff val="0"/>
-          </a:schemeClr>
-        </a:solidFill>
-        <a:ln w="15875" cap="flat" cmpd="sng" algn="ctr">
-          <a:solidFill>
-            <a:schemeClr val="lt1">
-              <a:hueOff val="0"/>
-              <a:satOff val="0"/>
-              <a:lumOff val="0"/>
-              <a:alphaOff val="0"/>
-            </a:schemeClr>
-          </a:solidFill>
-          <a:prstDash val="solid"/>
-        </a:ln>
-        <a:effectLst/>
-      </dsp:spPr>
-      <dsp:style>
-        <a:lnRef idx="2">
-          <a:scrgbClr r="0" g="0" b="0"/>
-        </a:lnRef>
-        <a:fillRef idx="1">
-          <a:scrgbClr r="0" g="0" b="0"/>
-        </a:fillRef>
-        <a:effectRef idx="0">
-          <a:scrgbClr r="0" g="0" b="0"/>
-        </a:effectRef>
-        <a:fontRef idx="minor">
-          <a:schemeClr val="lt1"/>
-        </a:fontRef>
-      </dsp:style>
-      <dsp:txBody>
-        <a:bodyPr spcFirstLastPara="0" vert="horz" wrap="square" lIns="99060" tIns="99060" rIns="99060" bIns="99060" numCol="1" spcCol="1270" anchor="ctr" anchorCtr="0">
-          <a:noAutofit/>
-        </a:bodyPr>
-        <a:lstStyle/>
-        <a:p>
-          <a:pPr marL="0" lvl="0" indent="0" algn="l" defTabSz="1155700">
-            <a:lnSpc>
-              <a:spcPct val="90000"/>
-            </a:lnSpc>
-            <a:spcBef>
-              <a:spcPct val="0"/>
-            </a:spcBef>
-            <a:spcAft>
-              <a:spcPct val="35000"/>
-            </a:spcAft>
-            <a:buNone/>
-          </a:pPr>
-          <a:r>
-            <a:rPr lang="en-US" sz="2600" kern="1200" dirty="0"/>
-            <a:t>As a Cincinnati Zoo guest…</a:t>
-          </a:r>
-        </a:p>
-      </dsp:txBody>
-      <dsp:txXfrm>
-        <a:off x="36138" y="1931571"/>
-        <a:ext cx="10988154" cy="668011"/>
-      </dsp:txXfrm>
-    </dsp:sp>
-    <dsp:sp modelId="{83A4B69A-292A-40B3-BEC2-8516CACC0CD1}">
-      <dsp:nvSpPr>
-        <dsp:cNvPr id="0" name=""/>
-        <dsp:cNvSpPr/>
-      </dsp:nvSpPr>
-      <dsp:spPr>
-        <a:xfrm>
-          <a:off x="0" y="2635721"/>
-          <a:ext cx="11060430" cy="430560"/>
-        </a:xfrm>
-        <a:prstGeom prst="rect">
-          <a:avLst/>
-        </a:prstGeom>
-        <a:noFill/>
-        <a:ln>
-          <a:noFill/>
-        </a:ln>
-        <a:effectLst/>
-      </dsp:spPr>
-      <dsp:style>
-        <a:lnRef idx="0">
-          <a:scrgbClr r="0" g="0" b="0"/>
-        </a:lnRef>
-        <a:fillRef idx="0">
-          <a:scrgbClr r="0" g="0" b="0"/>
-        </a:fillRef>
-        <a:effectRef idx="0">
-          <a:scrgbClr r="0" g="0" b="0"/>
-        </a:effectRef>
-        <a:fontRef idx="minor"/>
-      </dsp:style>
-      <dsp:txBody>
-        <a:bodyPr spcFirstLastPara="0" vert="horz" wrap="square" lIns="351169" tIns="33020" rIns="184912" bIns="33020" numCol="1" spcCol="1270" anchor="t" anchorCtr="0">
-          <a:noAutofit/>
-        </a:bodyPr>
-        <a:lstStyle/>
-        <a:p>
-          <a:pPr marL="228600" lvl="1" indent="-228600" algn="l" defTabSz="889000">
-            <a:lnSpc>
-              <a:spcPct val="90000"/>
-            </a:lnSpc>
-            <a:spcBef>
-              <a:spcPct val="0"/>
-            </a:spcBef>
-            <a:spcAft>
-              <a:spcPct val="20000"/>
-            </a:spcAft>
-            <a:buChar char="•"/>
-          </a:pPr>
-          <a:r>
-            <a:rPr lang="en-US" sz="2000" kern="1200" dirty="0"/>
-            <a:t>I need a way to interact with the Kea birds so I can see their intellectual ability.</a:t>
-          </a:r>
-        </a:p>
-      </dsp:txBody>
-      <dsp:txXfrm>
-        <a:off x="0" y="2635721"/>
-        <a:ext cx="11060430" cy="430560"/>
-      </dsp:txXfrm>
-    </dsp:sp>
-    <dsp:sp modelId="{CA4FDC61-40FA-4BBD-B998-161C92B34BDA}">
-      <dsp:nvSpPr>
-        <dsp:cNvPr id="0" name=""/>
-        <dsp:cNvSpPr/>
-      </dsp:nvSpPr>
-      <dsp:spPr>
-        <a:xfrm>
-          <a:off x="0" y="3066281"/>
-          <a:ext cx="11060430" cy="740287"/>
-        </a:xfrm>
-        <a:prstGeom prst="roundRect">
-          <a:avLst/>
-        </a:prstGeom>
-        <a:solidFill>
-          <a:schemeClr val="accent1">
-            <a:hueOff val="0"/>
-            <a:satOff val="0"/>
-            <a:lumOff val="0"/>
-            <a:alphaOff val="0"/>
-          </a:schemeClr>
-        </a:solidFill>
-        <a:ln w="15875" cap="flat" cmpd="sng" algn="ctr">
-          <a:solidFill>
-            <a:schemeClr val="lt1">
-              <a:hueOff val="0"/>
-              <a:satOff val="0"/>
-              <a:lumOff val="0"/>
-              <a:alphaOff val="0"/>
-            </a:schemeClr>
-          </a:solidFill>
-          <a:prstDash val="solid"/>
-        </a:ln>
-        <a:effectLst/>
-      </dsp:spPr>
-      <dsp:style>
-        <a:lnRef idx="2">
-          <a:scrgbClr r="0" g="0" b="0"/>
-        </a:lnRef>
-        <a:fillRef idx="1">
-          <a:scrgbClr r="0" g="0" b="0"/>
-        </a:fillRef>
-        <a:effectRef idx="0">
-          <a:scrgbClr r="0" g="0" b="0"/>
-        </a:effectRef>
-        <a:fontRef idx="minor">
-          <a:schemeClr val="lt1"/>
-        </a:fontRef>
-      </dsp:style>
-      <dsp:txBody>
-        <a:bodyPr spcFirstLastPara="0" vert="horz" wrap="square" lIns="99060" tIns="99060" rIns="99060" bIns="99060" numCol="1" spcCol="1270" anchor="ctr" anchorCtr="0">
-          <a:noAutofit/>
-        </a:bodyPr>
-        <a:lstStyle/>
-        <a:p>
-          <a:pPr marL="0" lvl="0" indent="0" algn="l" defTabSz="1155700">
-            <a:lnSpc>
-              <a:spcPct val="90000"/>
-            </a:lnSpc>
-            <a:spcBef>
-              <a:spcPct val="0"/>
-            </a:spcBef>
-            <a:spcAft>
-              <a:spcPct val="35000"/>
-            </a:spcAft>
-            <a:buNone/>
-          </a:pPr>
-          <a:r>
-            <a:rPr lang="en-US" sz="2600" kern="1200" dirty="0"/>
-            <a:t>As the Cincinnati Zoo…</a:t>
-          </a:r>
-        </a:p>
-      </dsp:txBody>
-      <dsp:txXfrm>
-        <a:off x="36138" y="3102419"/>
-        <a:ext cx="10988154" cy="668011"/>
-      </dsp:txXfrm>
-    </dsp:sp>
-    <dsp:sp modelId="{C7935CEF-8EDA-4784-A677-CF5FEC86878E}">
-      <dsp:nvSpPr>
-        <dsp:cNvPr id="0" name=""/>
-        <dsp:cNvSpPr/>
-      </dsp:nvSpPr>
-      <dsp:spPr>
-        <a:xfrm>
-          <a:off x="0" y="3806568"/>
-          <a:ext cx="11060430" cy="632385"/>
-        </a:xfrm>
-        <a:prstGeom prst="rect">
-          <a:avLst/>
-        </a:prstGeom>
-        <a:noFill/>
-        <a:ln>
-          <a:noFill/>
-        </a:ln>
-        <a:effectLst/>
-      </dsp:spPr>
-      <dsp:style>
-        <a:lnRef idx="0">
-          <a:scrgbClr r="0" g="0" b="0"/>
-        </a:lnRef>
-        <a:fillRef idx="0">
-          <a:scrgbClr r="0" g="0" b="0"/>
-        </a:fillRef>
-        <a:effectRef idx="0">
-          <a:scrgbClr r="0" g="0" b="0"/>
-        </a:effectRef>
-        <a:fontRef idx="minor"/>
-      </dsp:style>
-      <dsp:txBody>
-        <a:bodyPr spcFirstLastPara="0" vert="horz" wrap="square" lIns="351169" tIns="33020" rIns="184912" bIns="33020" numCol="1" spcCol="1270" anchor="t" anchorCtr="0">
-          <a:noAutofit/>
-        </a:bodyPr>
-        <a:lstStyle/>
-        <a:p>
-          <a:pPr marL="228600" lvl="1" indent="-228600" algn="l" defTabSz="889000">
-            <a:lnSpc>
-              <a:spcPct val="90000"/>
-            </a:lnSpc>
-            <a:spcBef>
-              <a:spcPct val="0"/>
-            </a:spcBef>
-            <a:spcAft>
-              <a:spcPct val="20000"/>
-            </a:spcAft>
-            <a:buChar char="•"/>
-          </a:pPr>
-          <a:r>
-            <a:rPr lang="en-US" sz="2000" kern="1200" dirty="0"/>
-            <a:t>I need the device to be safe for the Kea birds, so they do not destroy it and/or get hurt by the device.</a:t>
-          </a:r>
-        </a:p>
-      </dsp:txBody>
-      <dsp:txXfrm>
-        <a:off x="0" y="3806568"/>
-        <a:ext cx="11060430" cy="632385"/>
-      </dsp:txXfrm>
     </dsp:sp>
   </dsp:spTree>
 </dsp:drawing>
@@ -4015,1208 +2840,7 @@
 </dgm:layoutDef>
 </file>
 
-<file path=ppt/diagrams/layout2.xml><?xml version="1.0" encoding="utf-8"?>
-<dgm:layoutDef xmlns:dgm="http://schemas.openxmlformats.org/drawingml/2006/diagram" xmlns:a="http://schemas.openxmlformats.org/drawingml/2006/main" uniqueId="urn:microsoft.com/office/officeart/2005/8/layout/vList2">
-  <dgm:title val=""/>
-  <dgm:desc val=""/>
-  <dgm:catLst>
-    <dgm:cat type="list" pri="3000"/>
-    <dgm:cat type="convert" pri="1000"/>
-  </dgm:catLst>
-  <dgm:sampData>
-    <dgm:dataModel>
-      <dgm:ptLst>
-        <dgm:pt modelId="0" type="doc"/>
-        <dgm:pt modelId="1">
-          <dgm:prSet phldr="1"/>
-        </dgm:pt>
-        <dgm:pt modelId="11">
-          <dgm:prSet phldr="1"/>
-        </dgm:pt>
-        <dgm:pt modelId="2">
-          <dgm:prSet phldr="1"/>
-        </dgm:pt>
-        <dgm:pt modelId="21">
-          <dgm:prSet phldr="1"/>
-        </dgm:pt>
-      </dgm:ptLst>
-      <dgm:cxnLst>
-        <dgm:cxn modelId="4" srcId="0" destId="1" srcOrd="0" destOrd="0"/>
-        <dgm:cxn modelId="5" srcId="0" destId="2" srcOrd="1" destOrd="0"/>
-        <dgm:cxn modelId="12" srcId="1" destId="11" srcOrd="0" destOrd="0"/>
-        <dgm:cxn modelId="23" srcId="2" destId="21" srcOrd="0" destOrd="0"/>
-      </dgm:cxnLst>
-      <dgm:bg/>
-      <dgm:whole/>
-    </dgm:dataModel>
-  </dgm:sampData>
-  <dgm:styleData>
-    <dgm:dataModel>
-      <dgm:ptLst>
-        <dgm:pt modelId="0" type="doc"/>
-        <dgm:pt modelId="1"/>
-        <dgm:pt modelId="2"/>
-      </dgm:ptLst>
-      <dgm:cxnLst>
-        <dgm:cxn modelId="3" srcId="0" destId="1" srcOrd="0" destOrd="0"/>
-        <dgm:cxn modelId="4" srcId="0" destId="2" srcOrd="1" destOrd="0"/>
-      </dgm:cxnLst>
-      <dgm:bg/>
-      <dgm:whole/>
-    </dgm:dataModel>
-  </dgm:styleData>
-  <dgm:clrData>
-    <dgm:dataModel>
-      <dgm:ptLst>
-        <dgm:pt modelId="0" type="doc"/>
-        <dgm:pt modelId="1"/>
-        <dgm:pt modelId="2"/>
-        <dgm:pt modelId="3"/>
-        <dgm:pt modelId="4"/>
-      </dgm:ptLst>
-      <dgm:cxnLst>
-        <dgm:cxn modelId="5" srcId="0" destId="1" srcOrd="0" destOrd="0"/>
-        <dgm:cxn modelId="6" srcId="0" destId="2" srcOrd="1" destOrd="0"/>
-        <dgm:cxn modelId="7" srcId="0" destId="3" srcOrd="2" destOrd="0"/>
-        <dgm:cxn modelId="8" srcId="0" destId="4" srcOrd="3" destOrd="0"/>
-      </dgm:cxnLst>
-      <dgm:bg/>
-      <dgm:whole/>
-    </dgm:dataModel>
-  </dgm:clrData>
-  <dgm:layoutNode name="linear">
-    <dgm:varLst>
-      <dgm:animLvl val="lvl"/>
-      <dgm:resizeHandles val="exact"/>
-    </dgm:varLst>
-    <dgm:alg type="lin">
-      <dgm:param type="linDir" val="fromT"/>
-      <dgm:param type="vertAlign" val="mid"/>
-    </dgm:alg>
-    <dgm:shape xmlns:r="http://schemas.openxmlformats.org/officeDocument/2006/relationships" r:blip="">
-      <dgm:adjLst/>
-    </dgm:shape>
-    <dgm:presOf/>
-    <dgm:constrLst>
-      <dgm:constr type="w" for="ch" forName="parentText" refType="w"/>
-      <dgm:constr type="h" for="ch" forName="parentText" refType="primFontSz" refFor="ch" refForName="parentText" fact="0.52"/>
-      <dgm:constr type="w" for="ch" forName="childText" refType="w"/>
-      <dgm:constr type="h" for="ch" forName="childText" refType="primFontSz" refFor="ch" refForName="parentText" fact="0.46"/>
-      <dgm:constr type="h" for="ch" forName="parentText" op="equ"/>
-      <dgm:constr type="primFontSz" for="ch" forName="parentText" op="equ" val="65"/>
-      <dgm:constr type="primFontSz" for="ch" forName="childText" refType="primFontSz" refFor="ch" refForName="parentText" op="equ"/>
-      <dgm:constr type="h" for="ch" forName="spacer" refType="primFontSz" refFor="ch" refForName="parentText" fact="0.08"/>
-    </dgm:constrLst>
-    <dgm:ruleLst>
-      <dgm:rule type="primFontSz" for="ch" forName="parentText" val="5" fact="NaN" max="NaN"/>
-    </dgm:ruleLst>
-    <dgm:forEach name="Name0" axis="ch" ptType="node">
-      <dgm:layoutNode name="parentText" styleLbl="node1">
-        <dgm:varLst>
-          <dgm:chMax val="0"/>
-          <dgm:bulletEnabled val="1"/>
-        </dgm:varLst>
-        <dgm:alg type="tx">
-          <dgm:param type="parTxLTRAlign" val="l"/>
-          <dgm:param type="parTxRTLAlign" val="r"/>
-        </dgm:alg>
-        <dgm:shape xmlns:r="http://schemas.openxmlformats.org/officeDocument/2006/relationships" type="roundRect" r:blip="">
-          <dgm:adjLst/>
-        </dgm:shape>
-        <dgm:presOf axis="self"/>
-        <dgm:constrLst>
-          <dgm:constr type="tMarg" refType="primFontSz" fact="0.3"/>
-          <dgm:constr type="bMarg" refType="primFontSz" fact="0.3"/>
-          <dgm:constr type="lMarg" refType="primFontSz" fact="0.3"/>
-          <dgm:constr type="rMarg" refType="primFontSz" fact="0.3"/>
-        </dgm:constrLst>
-        <dgm:ruleLst>
-          <dgm:rule type="h" val="INF" fact="NaN" max="NaN"/>
-        </dgm:ruleLst>
-      </dgm:layoutNode>
-      <dgm:choose name="Name1">
-        <dgm:if name="Name2" axis="ch" ptType="node" func="cnt" op="gte" val="1">
-          <dgm:layoutNode name="childText" styleLbl="revTx">
-            <dgm:varLst>
-              <dgm:bulletEnabled val="1"/>
-            </dgm:varLst>
-            <dgm:alg type="tx">
-              <dgm:param type="stBulletLvl" val="1"/>
-              <dgm:param type="lnSpAfChP" val="20"/>
-            </dgm:alg>
-            <dgm:shape xmlns:r="http://schemas.openxmlformats.org/officeDocument/2006/relationships" type="rect" r:blip="">
-              <dgm:adjLst/>
-            </dgm:shape>
-            <dgm:presOf axis="des" ptType="node"/>
-            <dgm:constrLst>
-              <dgm:constr type="tMarg" refType="primFontSz" fact="0.1"/>
-              <dgm:constr type="bMarg" refType="primFontSz" fact="0.1"/>
-              <dgm:constr type="lMarg" refType="w" fact="0.09"/>
-            </dgm:constrLst>
-            <dgm:ruleLst>
-              <dgm:rule type="h" val="INF" fact="NaN" max="NaN"/>
-            </dgm:ruleLst>
-          </dgm:layoutNode>
-        </dgm:if>
-        <dgm:else name="Name3">
-          <dgm:choose name="Name4">
-            <dgm:if name="Name5" axis="par ch" ptType="doc node" func="cnt" op="gte" val="2">
-              <dgm:forEach name="Name6" axis="followSib" ptType="sibTrans" cnt="1">
-                <dgm:layoutNode name="spacer">
-                  <dgm:alg type="sp"/>
-                  <dgm:shape xmlns:r="http://schemas.openxmlformats.org/officeDocument/2006/relationships" r:blip="">
-                    <dgm:adjLst/>
-                  </dgm:shape>
-                  <dgm:presOf/>
-                  <dgm:constrLst/>
-                  <dgm:ruleLst/>
-                </dgm:layoutNode>
-              </dgm:forEach>
-            </dgm:if>
-            <dgm:else name="Name7"/>
-          </dgm:choose>
-        </dgm:else>
-      </dgm:choose>
-    </dgm:forEach>
-  </dgm:layoutNode>
-</dgm:layoutDef>
-</file>
-
 <file path=ppt/diagrams/quickStyle1.xml><?xml version="1.0" encoding="utf-8"?>
-<dgm:styleDef xmlns:dgm="http://schemas.openxmlformats.org/drawingml/2006/diagram" xmlns:a="http://schemas.openxmlformats.org/drawingml/2006/main" uniqueId="urn:microsoft.com/office/officeart/2005/8/quickstyle/simple1">
-  <dgm:title val=""/>
-  <dgm:desc val=""/>
-  <dgm:catLst>
-    <dgm:cat type="simple" pri="10100"/>
-  </dgm:catLst>
-  <dgm:scene3d>
-    <a:camera prst="orthographicFront"/>
-    <a:lightRig rig="threePt" dir="t"/>
-  </dgm:scene3d>
-  <dgm:styleLbl name="node0">
-    <dgm:scene3d>
-      <a:camera prst="orthographicFront"/>
-      <a:lightRig rig="threePt" dir="t"/>
-    </dgm:scene3d>
-    <dgm:sp3d/>
-    <dgm:txPr/>
-    <dgm:style>
-      <a:lnRef idx="2">
-        <a:scrgbClr r="0" g="0" b="0"/>
-      </a:lnRef>
-      <a:fillRef idx="1">
-        <a:scrgbClr r="0" g="0" b="0"/>
-      </a:fillRef>
-      <a:effectRef idx="0">
-        <a:scrgbClr r="0" g="0" b="0"/>
-      </a:effectRef>
-      <a:fontRef idx="minor">
-        <a:schemeClr val="lt1"/>
-      </a:fontRef>
-    </dgm:style>
-  </dgm:styleLbl>
-  <dgm:styleLbl name="lnNode1">
-    <dgm:scene3d>
-      <a:camera prst="orthographicFront"/>
-      <a:lightRig rig="threePt" dir="t"/>
-    </dgm:scene3d>
-    <dgm:sp3d/>
-    <dgm:txPr/>
-    <dgm:style>
-      <a:lnRef idx="2">
-        <a:scrgbClr r="0" g="0" b="0"/>
-      </a:lnRef>
-      <a:fillRef idx="1">
-        <a:scrgbClr r="0" g="0" b="0"/>
-      </a:fillRef>
-      <a:effectRef idx="0">
-        <a:scrgbClr r="0" g="0" b="0"/>
-      </a:effectRef>
-      <a:fontRef idx="minor">
-        <a:schemeClr val="lt1"/>
-      </a:fontRef>
-    </dgm:style>
-  </dgm:styleLbl>
-  <dgm:styleLbl name="vennNode1">
-    <dgm:scene3d>
-      <a:camera prst="orthographicFront"/>
-      <a:lightRig rig="threePt" dir="t"/>
-    </dgm:scene3d>
-    <dgm:sp3d/>
-    <dgm:txPr/>
-    <dgm:style>
-      <a:lnRef idx="2">
-        <a:scrgbClr r="0" g="0" b="0"/>
-      </a:lnRef>
-      <a:fillRef idx="1">
-        <a:scrgbClr r="0" g="0" b="0"/>
-      </a:fillRef>
-      <a:effectRef idx="0">
-        <a:scrgbClr r="0" g="0" b="0"/>
-      </a:effectRef>
-      <a:fontRef idx="minor">
-        <a:schemeClr val="tx1"/>
-      </a:fontRef>
-    </dgm:style>
-  </dgm:styleLbl>
-  <dgm:styleLbl name="alignNode1">
-    <dgm:scene3d>
-      <a:camera prst="orthographicFront"/>
-      <a:lightRig rig="threePt" dir="t"/>
-    </dgm:scene3d>
-    <dgm:sp3d/>
-    <dgm:txPr/>
-    <dgm:style>
-      <a:lnRef idx="2">
-        <a:scrgbClr r="0" g="0" b="0"/>
-      </a:lnRef>
-      <a:fillRef idx="1">
-        <a:scrgbClr r="0" g="0" b="0"/>
-      </a:fillRef>
-      <a:effectRef idx="0">
-        <a:scrgbClr r="0" g="0" b="0"/>
-      </a:effectRef>
-      <a:fontRef idx="minor">
-        <a:schemeClr val="lt1"/>
-      </a:fontRef>
-    </dgm:style>
-  </dgm:styleLbl>
-  <dgm:styleLbl name="node1">
-    <dgm:scene3d>
-      <a:camera prst="orthographicFront"/>
-      <a:lightRig rig="threePt" dir="t"/>
-    </dgm:scene3d>
-    <dgm:sp3d/>
-    <dgm:txPr/>
-    <dgm:style>
-      <a:lnRef idx="2">
-        <a:scrgbClr r="0" g="0" b="0"/>
-      </a:lnRef>
-      <a:fillRef idx="1">
-        <a:scrgbClr r="0" g="0" b="0"/>
-      </a:fillRef>
-      <a:effectRef idx="0">
-        <a:scrgbClr r="0" g="0" b="0"/>
-      </a:effectRef>
-      <a:fontRef idx="minor">
-        <a:schemeClr val="lt1"/>
-      </a:fontRef>
-    </dgm:style>
-  </dgm:styleLbl>
-  <dgm:styleLbl name="node2">
-    <dgm:scene3d>
-      <a:camera prst="orthographicFront"/>
-      <a:lightRig rig="threePt" dir="t"/>
-    </dgm:scene3d>
-    <dgm:sp3d/>
-    <dgm:txPr/>
-    <dgm:style>
-      <a:lnRef idx="2">
-        <a:scrgbClr r="0" g="0" b="0"/>
-      </a:lnRef>
-      <a:fillRef idx="1">
-        <a:scrgbClr r="0" g="0" b="0"/>
-      </a:fillRef>
-      <a:effectRef idx="0">
-        <a:scrgbClr r="0" g="0" b="0"/>
-      </a:effectRef>
-      <a:fontRef idx="minor">
-        <a:schemeClr val="lt1"/>
-      </a:fontRef>
-    </dgm:style>
-  </dgm:styleLbl>
-  <dgm:styleLbl name="node3">
-    <dgm:scene3d>
-      <a:camera prst="orthographicFront"/>
-      <a:lightRig rig="threePt" dir="t"/>
-    </dgm:scene3d>
-    <dgm:sp3d/>
-    <dgm:txPr/>
-    <dgm:style>
-      <a:lnRef idx="2">
-        <a:scrgbClr r="0" g="0" b="0"/>
-      </a:lnRef>
-      <a:fillRef idx="1">
-        <a:scrgbClr r="0" g="0" b="0"/>
-      </a:fillRef>
-      <a:effectRef idx="0">
-        <a:scrgbClr r="0" g="0" b="0"/>
-      </a:effectRef>
-      <a:fontRef idx="minor">
-        <a:schemeClr val="lt1"/>
-      </a:fontRef>
-    </dgm:style>
-  </dgm:styleLbl>
-  <dgm:styleLbl name="node4">
-    <dgm:scene3d>
-      <a:camera prst="orthographicFront"/>
-      <a:lightRig rig="threePt" dir="t"/>
-    </dgm:scene3d>
-    <dgm:sp3d/>
-    <dgm:txPr/>
-    <dgm:style>
-      <a:lnRef idx="2">
-        <a:scrgbClr r="0" g="0" b="0"/>
-      </a:lnRef>
-      <a:fillRef idx="1">
-        <a:scrgbClr r="0" g="0" b="0"/>
-      </a:fillRef>
-      <a:effectRef idx="0">
-        <a:scrgbClr r="0" g="0" b="0"/>
-      </a:effectRef>
-      <a:fontRef idx="minor">
-        <a:schemeClr val="lt1"/>
-      </a:fontRef>
-    </dgm:style>
-  </dgm:styleLbl>
-  <dgm:styleLbl name="fgImgPlace1">
-    <dgm:scene3d>
-      <a:camera prst="orthographicFront"/>
-      <a:lightRig rig="threePt" dir="t"/>
-    </dgm:scene3d>
-    <dgm:sp3d/>
-    <dgm:txPr/>
-    <dgm:style>
-      <a:lnRef idx="2">
-        <a:scrgbClr r="0" g="0" b="0"/>
-      </a:lnRef>
-      <a:fillRef idx="1">
-        <a:scrgbClr r="0" g="0" b="0"/>
-      </a:fillRef>
-      <a:effectRef idx="0">
-        <a:scrgbClr r="0" g="0" b="0"/>
-      </a:effectRef>
-      <a:fontRef idx="minor"/>
-    </dgm:style>
-  </dgm:styleLbl>
-  <dgm:styleLbl name="alignImgPlace1">
-    <dgm:scene3d>
-      <a:camera prst="orthographicFront"/>
-      <a:lightRig rig="threePt" dir="t"/>
-    </dgm:scene3d>
-    <dgm:sp3d/>
-    <dgm:txPr/>
-    <dgm:style>
-      <a:lnRef idx="2">
-        <a:scrgbClr r="0" g="0" b="0"/>
-      </a:lnRef>
-      <a:fillRef idx="1">
-        <a:scrgbClr r="0" g="0" b="0"/>
-      </a:fillRef>
-      <a:effectRef idx="0">
-        <a:scrgbClr r="0" g="0" b="0"/>
-      </a:effectRef>
-      <a:fontRef idx="minor"/>
-    </dgm:style>
-  </dgm:styleLbl>
-  <dgm:styleLbl name="bgImgPlace1">
-    <dgm:scene3d>
-      <a:camera prst="orthographicFront"/>
-      <a:lightRig rig="threePt" dir="t"/>
-    </dgm:scene3d>
-    <dgm:sp3d/>
-    <dgm:txPr/>
-    <dgm:style>
-      <a:lnRef idx="2">
-        <a:scrgbClr r="0" g="0" b="0"/>
-      </a:lnRef>
-      <a:fillRef idx="1">
-        <a:scrgbClr r="0" g="0" b="0"/>
-      </a:fillRef>
-      <a:effectRef idx="0">
-        <a:scrgbClr r="0" g="0" b="0"/>
-      </a:effectRef>
-      <a:fontRef idx="minor"/>
-    </dgm:style>
-  </dgm:styleLbl>
-  <dgm:styleLbl name="sibTrans2D1">
-    <dgm:scene3d>
-      <a:camera prst="orthographicFront"/>
-      <a:lightRig rig="threePt" dir="t"/>
-    </dgm:scene3d>
-    <dgm:sp3d/>
-    <dgm:txPr/>
-    <dgm:style>
-      <a:lnRef idx="0">
-        <a:scrgbClr r="0" g="0" b="0"/>
-      </a:lnRef>
-      <a:fillRef idx="1">
-        <a:scrgbClr r="0" g="0" b="0"/>
-      </a:fillRef>
-      <a:effectRef idx="0">
-        <a:scrgbClr r="0" g="0" b="0"/>
-      </a:effectRef>
-      <a:fontRef idx="minor">
-        <a:schemeClr val="lt1"/>
-      </a:fontRef>
-    </dgm:style>
-  </dgm:styleLbl>
-  <dgm:styleLbl name="fgSibTrans2D1">
-    <dgm:scene3d>
-      <a:camera prst="orthographicFront"/>
-      <a:lightRig rig="threePt" dir="t"/>
-    </dgm:scene3d>
-    <dgm:sp3d/>
-    <dgm:txPr/>
-    <dgm:style>
-      <a:lnRef idx="0">
-        <a:scrgbClr r="0" g="0" b="0"/>
-      </a:lnRef>
-      <a:fillRef idx="1">
-        <a:scrgbClr r="0" g="0" b="0"/>
-      </a:fillRef>
-      <a:effectRef idx="0">
-        <a:scrgbClr r="0" g="0" b="0"/>
-      </a:effectRef>
-      <a:fontRef idx="minor">
-        <a:schemeClr val="lt1"/>
-      </a:fontRef>
-    </dgm:style>
-  </dgm:styleLbl>
-  <dgm:styleLbl name="bgSibTrans2D1">
-    <dgm:scene3d>
-      <a:camera prst="orthographicFront"/>
-      <a:lightRig rig="threePt" dir="t"/>
-    </dgm:scene3d>
-    <dgm:sp3d/>
-    <dgm:txPr/>
-    <dgm:style>
-      <a:lnRef idx="0">
-        <a:scrgbClr r="0" g="0" b="0"/>
-      </a:lnRef>
-      <a:fillRef idx="1">
-        <a:scrgbClr r="0" g="0" b="0"/>
-      </a:fillRef>
-      <a:effectRef idx="0">
-        <a:scrgbClr r="0" g="0" b="0"/>
-      </a:effectRef>
-      <a:fontRef idx="minor">
-        <a:schemeClr val="lt1"/>
-      </a:fontRef>
-    </dgm:style>
-  </dgm:styleLbl>
-  <dgm:styleLbl name="sibTrans1D1">
-    <dgm:scene3d>
-      <a:camera prst="orthographicFront"/>
-      <a:lightRig rig="threePt" dir="t"/>
-    </dgm:scene3d>
-    <dgm:sp3d/>
-    <dgm:txPr/>
-    <dgm:style>
-      <a:lnRef idx="1">
-        <a:scrgbClr r="0" g="0" b="0"/>
-      </a:lnRef>
-      <a:fillRef idx="0">
-        <a:scrgbClr r="0" g="0" b="0"/>
-      </a:fillRef>
-      <a:effectRef idx="0">
-        <a:scrgbClr r="0" g="0" b="0"/>
-      </a:effectRef>
-      <a:fontRef idx="minor"/>
-    </dgm:style>
-  </dgm:styleLbl>
-  <dgm:styleLbl name="callout">
-    <dgm:scene3d>
-      <a:camera prst="orthographicFront"/>
-      <a:lightRig rig="threePt" dir="t"/>
-    </dgm:scene3d>
-    <dgm:sp3d/>
-    <dgm:txPr/>
-    <dgm:style>
-      <a:lnRef idx="2">
-        <a:scrgbClr r="0" g="0" b="0"/>
-      </a:lnRef>
-      <a:fillRef idx="1">
-        <a:scrgbClr r="0" g="0" b="0"/>
-      </a:fillRef>
-      <a:effectRef idx="0">
-        <a:scrgbClr r="0" g="0" b="0"/>
-      </a:effectRef>
-      <a:fontRef idx="minor"/>
-    </dgm:style>
-  </dgm:styleLbl>
-  <dgm:styleLbl name="asst0">
-    <dgm:scene3d>
-      <a:camera prst="orthographicFront"/>
-      <a:lightRig rig="threePt" dir="t"/>
-    </dgm:scene3d>
-    <dgm:sp3d/>
-    <dgm:txPr/>
-    <dgm:style>
-      <a:lnRef idx="2">
-        <a:scrgbClr r="0" g="0" b="0"/>
-      </a:lnRef>
-      <a:fillRef idx="1">
-        <a:scrgbClr r="0" g="0" b="0"/>
-      </a:fillRef>
-      <a:effectRef idx="0">
-        <a:scrgbClr r="0" g="0" b="0"/>
-      </a:effectRef>
-      <a:fontRef idx="minor">
-        <a:schemeClr val="lt1"/>
-      </a:fontRef>
-    </dgm:style>
-  </dgm:styleLbl>
-  <dgm:styleLbl name="asst1">
-    <dgm:scene3d>
-      <a:camera prst="orthographicFront"/>
-      <a:lightRig rig="threePt" dir="t"/>
-    </dgm:scene3d>
-    <dgm:sp3d/>
-    <dgm:txPr/>
-    <dgm:style>
-      <a:lnRef idx="2">
-        <a:scrgbClr r="0" g="0" b="0"/>
-      </a:lnRef>
-      <a:fillRef idx="1">
-        <a:scrgbClr r="0" g="0" b="0"/>
-      </a:fillRef>
-      <a:effectRef idx="0">
-        <a:scrgbClr r="0" g="0" b="0"/>
-      </a:effectRef>
-      <a:fontRef idx="minor">
-        <a:schemeClr val="lt1"/>
-      </a:fontRef>
-    </dgm:style>
-  </dgm:styleLbl>
-  <dgm:styleLbl name="asst2">
-    <dgm:scene3d>
-      <a:camera prst="orthographicFront"/>
-      <a:lightRig rig="threePt" dir="t"/>
-    </dgm:scene3d>
-    <dgm:sp3d/>
-    <dgm:txPr/>
-    <dgm:style>
-      <a:lnRef idx="2">
-        <a:scrgbClr r="0" g="0" b="0"/>
-      </a:lnRef>
-      <a:fillRef idx="1">
-        <a:scrgbClr r="0" g="0" b="0"/>
-      </a:fillRef>
-      <a:effectRef idx="0">
-        <a:scrgbClr r="0" g="0" b="0"/>
-      </a:effectRef>
-      <a:fontRef idx="minor">
-        <a:schemeClr val="lt1"/>
-      </a:fontRef>
-    </dgm:style>
-  </dgm:styleLbl>
-  <dgm:styleLbl name="asst3">
-    <dgm:scene3d>
-      <a:camera prst="orthographicFront"/>
-      <a:lightRig rig="threePt" dir="t"/>
-    </dgm:scene3d>
-    <dgm:sp3d/>
-    <dgm:txPr/>
-    <dgm:style>
-      <a:lnRef idx="2">
-        <a:scrgbClr r="0" g="0" b="0"/>
-      </a:lnRef>
-      <a:fillRef idx="1">
-        <a:scrgbClr r="0" g="0" b="0"/>
-      </a:fillRef>
-      <a:effectRef idx="0">
-        <a:scrgbClr r="0" g="0" b="0"/>
-      </a:effectRef>
-      <a:fontRef idx="minor">
-        <a:schemeClr val="lt1"/>
-      </a:fontRef>
-    </dgm:style>
-  </dgm:styleLbl>
-  <dgm:styleLbl name="asst4">
-    <dgm:scene3d>
-      <a:camera prst="orthographicFront"/>
-      <a:lightRig rig="threePt" dir="t"/>
-    </dgm:scene3d>
-    <dgm:sp3d/>
-    <dgm:txPr/>
-    <dgm:style>
-      <a:lnRef idx="2">
-        <a:scrgbClr r="0" g="0" b="0"/>
-      </a:lnRef>
-      <a:fillRef idx="1">
-        <a:scrgbClr r="0" g="0" b="0"/>
-      </a:fillRef>
-      <a:effectRef idx="0">
-        <a:scrgbClr r="0" g="0" b="0"/>
-      </a:effectRef>
-      <a:fontRef idx="minor">
-        <a:schemeClr val="lt1"/>
-      </a:fontRef>
-    </dgm:style>
-  </dgm:styleLbl>
-  <dgm:styleLbl name="parChTrans2D1">
-    <dgm:scene3d>
-      <a:camera prst="orthographicFront"/>
-      <a:lightRig rig="threePt" dir="t"/>
-    </dgm:scene3d>
-    <dgm:sp3d/>
-    <dgm:txPr/>
-    <dgm:style>
-      <a:lnRef idx="2">
-        <a:scrgbClr r="0" g="0" b="0"/>
-      </a:lnRef>
-      <a:fillRef idx="1">
-        <a:scrgbClr r="0" g="0" b="0"/>
-      </a:fillRef>
-      <a:effectRef idx="0">
-        <a:scrgbClr r="0" g="0" b="0"/>
-      </a:effectRef>
-      <a:fontRef idx="minor">
-        <a:schemeClr val="lt1"/>
-      </a:fontRef>
-    </dgm:style>
-  </dgm:styleLbl>
-  <dgm:styleLbl name="parChTrans2D2">
-    <dgm:scene3d>
-      <a:camera prst="orthographicFront"/>
-      <a:lightRig rig="threePt" dir="t"/>
-    </dgm:scene3d>
-    <dgm:sp3d/>
-    <dgm:txPr/>
-    <dgm:style>
-      <a:lnRef idx="2">
-        <a:scrgbClr r="0" g="0" b="0"/>
-      </a:lnRef>
-      <a:fillRef idx="1">
-        <a:scrgbClr r="0" g="0" b="0"/>
-      </a:fillRef>
-      <a:effectRef idx="0">
-        <a:scrgbClr r="0" g="0" b="0"/>
-      </a:effectRef>
-      <a:fontRef idx="minor">
-        <a:schemeClr val="lt1"/>
-      </a:fontRef>
-    </dgm:style>
-  </dgm:styleLbl>
-  <dgm:styleLbl name="parChTrans2D3">
-    <dgm:scene3d>
-      <a:camera prst="orthographicFront"/>
-      <a:lightRig rig="threePt" dir="t"/>
-    </dgm:scene3d>
-    <dgm:sp3d/>
-    <dgm:txPr/>
-    <dgm:style>
-      <a:lnRef idx="2">
-        <a:scrgbClr r="0" g="0" b="0"/>
-      </a:lnRef>
-      <a:fillRef idx="1">
-        <a:scrgbClr r="0" g="0" b="0"/>
-      </a:fillRef>
-      <a:effectRef idx="0">
-        <a:scrgbClr r="0" g="0" b="0"/>
-      </a:effectRef>
-      <a:fontRef idx="minor">
-        <a:schemeClr val="lt1"/>
-      </a:fontRef>
-    </dgm:style>
-  </dgm:styleLbl>
-  <dgm:styleLbl name="parChTrans2D4">
-    <dgm:scene3d>
-      <a:camera prst="orthographicFront"/>
-      <a:lightRig rig="threePt" dir="t"/>
-    </dgm:scene3d>
-    <dgm:sp3d/>
-    <dgm:txPr/>
-    <dgm:style>
-      <a:lnRef idx="2">
-        <a:scrgbClr r="0" g="0" b="0"/>
-      </a:lnRef>
-      <a:fillRef idx="1">
-        <a:scrgbClr r="0" g="0" b="0"/>
-      </a:fillRef>
-      <a:effectRef idx="0">
-        <a:scrgbClr r="0" g="0" b="0"/>
-      </a:effectRef>
-      <a:fontRef idx="minor">
-        <a:schemeClr val="lt1"/>
-      </a:fontRef>
-    </dgm:style>
-  </dgm:styleLbl>
-  <dgm:styleLbl name="parChTrans1D1">
-    <dgm:scene3d>
-      <a:camera prst="orthographicFront"/>
-      <a:lightRig rig="threePt" dir="t"/>
-    </dgm:scene3d>
-    <dgm:sp3d/>
-    <dgm:txPr/>
-    <dgm:style>
-      <a:lnRef idx="2">
-        <a:scrgbClr r="0" g="0" b="0"/>
-      </a:lnRef>
-      <a:fillRef idx="0">
-        <a:scrgbClr r="0" g="0" b="0"/>
-      </a:fillRef>
-      <a:effectRef idx="0">
-        <a:scrgbClr r="0" g="0" b="0"/>
-      </a:effectRef>
-      <a:fontRef idx="minor"/>
-    </dgm:style>
-  </dgm:styleLbl>
-  <dgm:styleLbl name="parChTrans1D2">
-    <dgm:scene3d>
-      <a:camera prst="orthographicFront"/>
-      <a:lightRig rig="threePt" dir="t"/>
-    </dgm:scene3d>
-    <dgm:sp3d/>
-    <dgm:txPr/>
-    <dgm:style>
-      <a:lnRef idx="2">
-        <a:scrgbClr r="0" g="0" b="0"/>
-      </a:lnRef>
-      <a:fillRef idx="0">
-        <a:scrgbClr r="0" g="0" b="0"/>
-      </a:fillRef>
-      <a:effectRef idx="0">
-        <a:scrgbClr r="0" g="0" b="0"/>
-      </a:effectRef>
-      <a:fontRef idx="minor"/>
-    </dgm:style>
-  </dgm:styleLbl>
-  <dgm:styleLbl name="parChTrans1D3">
-    <dgm:scene3d>
-      <a:camera prst="orthographicFront"/>
-      <a:lightRig rig="threePt" dir="t"/>
-    </dgm:scene3d>
-    <dgm:sp3d/>
-    <dgm:txPr/>
-    <dgm:style>
-      <a:lnRef idx="2">
-        <a:scrgbClr r="0" g="0" b="0"/>
-      </a:lnRef>
-      <a:fillRef idx="0">
-        <a:scrgbClr r="0" g="0" b="0"/>
-      </a:fillRef>
-      <a:effectRef idx="0">
-        <a:scrgbClr r="0" g="0" b="0"/>
-      </a:effectRef>
-      <a:fontRef idx="minor"/>
-    </dgm:style>
-  </dgm:styleLbl>
-  <dgm:styleLbl name="parChTrans1D4">
-    <dgm:scene3d>
-      <a:camera prst="orthographicFront"/>
-      <a:lightRig rig="threePt" dir="t"/>
-    </dgm:scene3d>
-    <dgm:sp3d/>
-    <dgm:txPr/>
-    <dgm:style>
-      <a:lnRef idx="2">
-        <a:scrgbClr r="0" g="0" b="0"/>
-      </a:lnRef>
-      <a:fillRef idx="0">
-        <a:scrgbClr r="0" g="0" b="0"/>
-      </a:fillRef>
-      <a:effectRef idx="0">
-        <a:scrgbClr r="0" g="0" b="0"/>
-      </a:effectRef>
-      <a:fontRef idx="minor"/>
-    </dgm:style>
-  </dgm:styleLbl>
-  <dgm:styleLbl name="fgAcc1">
-    <dgm:scene3d>
-      <a:camera prst="orthographicFront"/>
-      <a:lightRig rig="threePt" dir="t"/>
-    </dgm:scene3d>
-    <dgm:sp3d/>
-    <dgm:txPr/>
-    <dgm:style>
-      <a:lnRef idx="2">
-        <a:scrgbClr r="0" g="0" b="0"/>
-      </a:lnRef>
-      <a:fillRef idx="1">
-        <a:scrgbClr r="0" g="0" b="0"/>
-      </a:fillRef>
-      <a:effectRef idx="0">
-        <a:scrgbClr r="0" g="0" b="0"/>
-      </a:effectRef>
-      <a:fontRef idx="minor"/>
-    </dgm:style>
-  </dgm:styleLbl>
-  <dgm:styleLbl name="conFgAcc1">
-    <dgm:scene3d>
-      <a:camera prst="orthographicFront"/>
-      <a:lightRig rig="threePt" dir="t"/>
-    </dgm:scene3d>
-    <dgm:sp3d/>
-    <dgm:txPr/>
-    <dgm:style>
-      <a:lnRef idx="2">
-        <a:scrgbClr r="0" g="0" b="0"/>
-      </a:lnRef>
-      <a:fillRef idx="1">
-        <a:scrgbClr r="0" g="0" b="0"/>
-      </a:fillRef>
-      <a:effectRef idx="0">
-        <a:scrgbClr r="0" g="0" b="0"/>
-      </a:effectRef>
-      <a:fontRef idx="minor"/>
-    </dgm:style>
-  </dgm:styleLbl>
-  <dgm:styleLbl name="alignAcc1">
-    <dgm:scene3d>
-      <a:camera prst="orthographicFront"/>
-      <a:lightRig rig="threePt" dir="t"/>
-    </dgm:scene3d>
-    <dgm:sp3d/>
-    <dgm:txPr/>
-    <dgm:style>
-      <a:lnRef idx="2">
-        <a:scrgbClr r="0" g="0" b="0"/>
-      </a:lnRef>
-      <a:fillRef idx="1">
-        <a:scrgbClr r="0" g="0" b="0"/>
-      </a:fillRef>
-      <a:effectRef idx="0">
-        <a:scrgbClr r="0" g="0" b="0"/>
-      </a:effectRef>
-      <a:fontRef idx="minor"/>
-    </dgm:style>
-  </dgm:styleLbl>
-  <dgm:styleLbl name="trAlignAcc1">
-    <dgm:scene3d>
-      <a:camera prst="orthographicFront"/>
-      <a:lightRig rig="threePt" dir="t"/>
-    </dgm:scene3d>
-    <dgm:sp3d/>
-    <dgm:txPr/>
-    <dgm:style>
-      <a:lnRef idx="1">
-        <a:scrgbClr r="0" g="0" b="0"/>
-      </a:lnRef>
-      <a:fillRef idx="1">
-        <a:scrgbClr r="0" g="0" b="0"/>
-      </a:fillRef>
-      <a:effectRef idx="0">
-        <a:scrgbClr r="0" g="0" b="0"/>
-      </a:effectRef>
-      <a:fontRef idx="minor"/>
-    </dgm:style>
-  </dgm:styleLbl>
-  <dgm:styleLbl name="bgAcc1">
-    <dgm:scene3d>
-      <a:camera prst="orthographicFront"/>
-      <a:lightRig rig="threePt" dir="t"/>
-    </dgm:scene3d>
-    <dgm:sp3d/>
-    <dgm:txPr/>
-    <dgm:style>
-      <a:lnRef idx="2">
-        <a:scrgbClr r="0" g="0" b="0"/>
-      </a:lnRef>
-      <a:fillRef idx="1">
-        <a:scrgbClr r="0" g="0" b="0"/>
-      </a:fillRef>
-      <a:effectRef idx="0">
-        <a:scrgbClr r="0" g="0" b="0"/>
-      </a:effectRef>
-      <a:fontRef idx="minor"/>
-    </dgm:style>
-  </dgm:styleLbl>
-  <dgm:styleLbl name="solidFgAcc1">
-    <dgm:scene3d>
-      <a:camera prst="orthographicFront"/>
-      <a:lightRig rig="threePt" dir="t"/>
-    </dgm:scene3d>
-    <dgm:sp3d/>
-    <dgm:txPr/>
-    <dgm:style>
-      <a:lnRef idx="2">
-        <a:scrgbClr r="0" g="0" b="0"/>
-      </a:lnRef>
-      <a:fillRef idx="1">
-        <a:scrgbClr r="0" g="0" b="0"/>
-      </a:fillRef>
-      <a:effectRef idx="0">
-        <a:scrgbClr r="0" g="0" b="0"/>
-      </a:effectRef>
-      <a:fontRef idx="minor"/>
-    </dgm:style>
-  </dgm:styleLbl>
-  <dgm:styleLbl name="solidAlignAcc1">
-    <dgm:scene3d>
-      <a:camera prst="orthographicFront"/>
-      <a:lightRig rig="threePt" dir="t"/>
-    </dgm:scene3d>
-    <dgm:sp3d/>
-    <dgm:txPr/>
-    <dgm:style>
-      <a:lnRef idx="2">
-        <a:scrgbClr r="0" g="0" b="0"/>
-      </a:lnRef>
-      <a:fillRef idx="1">
-        <a:scrgbClr r="0" g="0" b="0"/>
-      </a:fillRef>
-      <a:effectRef idx="0">
-        <a:scrgbClr r="0" g="0" b="0"/>
-      </a:effectRef>
-      <a:fontRef idx="minor"/>
-    </dgm:style>
-  </dgm:styleLbl>
-  <dgm:styleLbl name="solidBgAcc1">
-    <dgm:scene3d>
-      <a:camera prst="orthographicFront"/>
-      <a:lightRig rig="threePt" dir="t"/>
-    </dgm:scene3d>
-    <dgm:sp3d/>
-    <dgm:txPr/>
-    <dgm:style>
-      <a:lnRef idx="2">
-        <a:scrgbClr r="0" g="0" b="0"/>
-      </a:lnRef>
-      <a:fillRef idx="1">
-        <a:scrgbClr r="0" g="0" b="0"/>
-      </a:fillRef>
-      <a:effectRef idx="0">
-        <a:scrgbClr r="0" g="0" b="0"/>
-      </a:effectRef>
-      <a:fontRef idx="minor"/>
-    </dgm:style>
-  </dgm:styleLbl>
-  <dgm:styleLbl name="fgAccFollowNode1">
-    <dgm:scene3d>
-      <a:camera prst="orthographicFront"/>
-      <a:lightRig rig="threePt" dir="t"/>
-    </dgm:scene3d>
-    <dgm:sp3d/>
-    <dgm:txPr/>
-    <dgm:style>
-      <a:lnRef idx="2">
-        <a:scrgbClr r="0" g="0" b="0"/>
-      </a:lnRef>
-      <a:fillRef idx="1">
-        <a:scrgbClr r="0" g="0" b="0"/>
-      </a:fillRef>
-      <a:effectRef idx="0">
-        <a:scrgbClr r="0" g="0" b="0"/>
-      </a:effectRef>
-      <a:fontRef idx="minor"/>
-    </dgm:style>
-  </dgm:styleLbl>
-  <dgm:styleLbl name="alignAccFollowNode1">
-    <dgm:scene3d>
-      <a:camera prst="orthographicFront"/>
-      <a:lightRig rig="threePt" dir="t"/>
-    </dgm:scene3d>
-    <dgm:sp3d/>
-    <dgm:txPr/>
-    <dgm:style>
-      <a:lnRef idx="2">
-        <a:scrgbClr r="0" g="0" b="0"/>
-      </a:lnRef>
-      <a:fillRef idx="1">
-        <a:scrgbClr r="0" g="0" b="0"/>
-      </a:fillRef>
-      <a:effectRef idx="0">
-        <a:scrgbClr r="0" g="0" b="0"/>
-      </a:effectRef>
-      <a:fontRef idx="minor"/>
-    </dgm:style>
-  </dgm:styleLbl>
-  <dgm:styleLbl name="bgAccFollowNode1">
-    <dgm:scene3d>
-      <a:camera prst="orthographicFront"/>
-      <a:lightRig rig="threePt" dir="t"/>
-    </dgm:scene3d>
-    <dgm:sp3d/>
-    <dgm:txPr/>
-    <dgm:style>
-      <a:lnRef idx="2">
-        <a:scrgbClr r="0" g="0" b="0"/>
-      </a:lnRef>
-      <a:fillRef idx="1">
-        <a:scrgbClr r="0" g="0" b="0"/>
-      </a:fillRef>
-      <a:effectRef idx="0">
-        <a:scrgbClr r="0" g="0" b="0"/>
-      </a:effectRef>
-      <a:fontRef idx="minor"/>
-    </dgm:style>
-  </dgm:styleLbl>
-  <dgm:styleLbl name="fgAcc0">
-    <dgm:scene3d>
-      <a:camera prst="orthographicFront"/>
-      <a:lightRig rig="threePt" dir="t"/>
-    </dgm:scene3d>
-    <dgm:sp3d/>
-    <dgm:txPr/>
-    <dgm:style>
-      <a:lnRef idx="2">
-        <a:scrgbClr r="0" g="0" b="0"/>
-      </a:lnRef>
-      <a:fillRef idx="1">
-        <a:scrgbClr r="0" g="0" b="0"/>
-      </a:fillRef>
-      <a:effectRef idx="0">
-        <a:scrgbClr r="0" g="0" b="0"/>
-      </a:effectRef>
-      <a:fontRef idx="minor"/>
-    </dgm:style>
-  </dgm:styleLbl>
-  <dgm:styleLbl name="fgAcc2">
-    <dgm:scene3d>
-      <a:camera prst="orthographicFront"/>
-      <a:lightRig rig="threePt" dir="t"/>
-    </dgm:scene3d>
-    <dgm:sp3d/>
-    <dgm:txPr/>
-    <dgm:style>
-      <a:lnRef idx="2">
-        <a:scrgbClr r="0" g="0" b="0"/>
-      </a:lnRef>
-      <a:fillRef idx="1">
-        <a:scrgbClr r="0" g="0" b="0"/>
-      </a:fillRef>
-      <a:effectRef idx="0">
-        <a:scrgbClr r="0" g="0" b="0"/>
-      </a:effectRef>
-      <a:fontRef idx="minor"/>
-    </dgm:style>
-  </dgm:styleLbl>
-  <dgm:styleLbl name="fgAcc3">
-    <dgm:scene3d>
-      <a:camera prst="orthographicFront"/>
-      <a:lightRig rig="threePt" dir="t"/>
-    </dgm:scene3d>
-    <dgm:sp3d/>
-    <dgm:txPr/>
-    <dgm:style>
-      <a:lnRef idx="2">
-        <a:scrgbClr r="0" g="0" b="0"/>
-      </a:lnRef>
-      <a:fillRef idx="1">
-        <a:scrgbClr r="0" g="0" b="0"/>
-      </a:fillRef>
-      <a:effectRef idx="0">
-        <a:scrgbClr r="0" g="0" b="0"/>
-      </a:effectRef>
-      <a:fontRef idx="minor"/>
-    </dgm:style>
-  </dgm:styleLbl>
-  <dgm:styleLbl name="fgAcc4">
-    <dgm:scene3d>
-      <a:camera prst="orthographicFront"/>
-      <a:lightRig rig="threePt" dir="t"/>
-    </dgm:scene3d>
-    <dgm:sp3d/>
-    <dgm:txPr/>
-    <dgm:style>
-      <a:lnRef idx="2">
-        <a:scrgbClr r="0" g="0" b="0"/>
-      </a:lnRef>
-      <a:fillRef idx="1">
-        <a:scrgbClr r="0" g="0" b="0"/>
-      </a:fillRef>
-      <a:effectRef idx="0">
-        <a:scrgbClr r="0" g="0" b="0"/>
-      </a:effectRef>
-      <a:fontRef idx="minor"/>
-    </dgm:style>
-  </dgm:styleLbl>
-  <dgm:styleLbl name="bgShp">
-    <dgm:scene3d>
-      <a:camera prst="orthographicFront"/>
-      <a:lightRig rig="threePt" dir="t"/>
-    </dgm:scene3d>
-    <dgm:sp3d/>
-    <dgm:txPr/>
-    <dgm:style>
-      <a:lnRef idx="0">
-        <a:scrgbClr r="0" g="0" b="0"/>
-      </a:lnRef>
-      <a:fillRef idx="1">
-        <a:scrgbClr r="0" g="0" b="0"/>
-      </a:fillRef>
-      <a:effectRef idx="0">
-        <a:scrgbClr r="0" g="0" b="0"/>
-      </a:effectRef>
-      <a:fontRef idx="minor"/>
-    </dgm:style>
-  </dgm:styleLbl>
-  <dgm:styleLbl name="dkBgShp">
-    <dgm:scene3d>
-      <a:camera prst="orthographicFront"/>
-      <a:lightRig rig="threePt" dir="t"/>
-    </dgm:scene3d>
-    <dgm:sp3d/>
-    <dgm:txPr/>
-    <dgm:style>
-      <a:lnRef idx="0">
-        <a:scrgbClr r="0" g="0" b="0"/>
-      </a:lnRef>
-      <a:fillRef idx="1">
-        <a:scrgbClr r="0" g="0" b="0"/>
-      </a:fillRef>
-      <a:effectRef idx="0">
-        <a:scrgbClr r="0" g="0" b="0"/>
-      </a:effectRef>
-      <a:fontRef idx="minor"/>
-    </dgm:style>
-  </dgm:styleLbl>
-  <dgm:styleLbl name="trBgShp">
-    <dgm:scene3d>
-      <a:camera prst="orthographicFront"/>
-      <a:lightRig rig="threePt" dir="t"/>
-    </dgm:scene3d>
-    <dgm:sp3d/>
-    <dgm:txPr/>
-    <dgm:style>
-      <a:lnRef idx="0">
-        <a:scrgbClr r="0" g="0" b="0"/>
-      </a:lnRef>
-      <a:fillRef idx="1">
-        <a:scrgbClr r="0" g="0" b="0"/>
-      </a:fillRef>
-      <a:effectRef idx="0">
-        <a:scrgbClr r="0" g="0" b="0"/>
-      </a:effectRef>
-      <a:fontRef idx="minor"/>
-    </dgm:style>
-  </dgm:styleLbl>
-  <dgm:styleLbl name="fgShp">
-    <dgm:scene3d>
-      <a:camera prst="orthographicFront"/>
-      <a:lightRig rig="threePt" dir="t"/>
-    </dgm:scene3d>
-    <dgm:sp3d/>
-    <dgm:txPr/>
-    <dgm:style>
-      <a:lnRef idx="2">
-        <a:scrgbClr r="0" g="0" b="0"/>
-      </a:lnRef>
-      <a:fillRef idx="1">
-        <a:scrgbClr r="0" g="0" b="0"/>
-      </a:fillRef>
-      <a:effectRef idx="0">
-        <a:scrgbClr r="0" g="0" b="0"/>
-      </a:effectRef>
-      <a:fontRef idx="minor"/>
-    </dgm:style>
-  </dgm:styleLbl>
-  <dgm:styleLbl name="revTx">
-    <dgm:scene3d>
-      <a:camera prst="orthographicFront"/>
-      <a:lightRig rig="threePt" dir="t"/>
-    </dgm:scene3d>
-    <dgm:sp3d/>
-    <dgm:txPr/>
-    <dgm:style>
-      <a:lnRef idx="0">
-        <a:scrgbClr r="0" g="0" b="0"/>
-      </a:lnRef>
-      <a:fillRef idx="0">
-        <a:scrgbClr r="0" g="0" b="0"/>
-      </a:fillRef>
-      <a:effectRef idx="0">
-        <a:scrgbClr r="0" g="0" b="0"/>
-      </a:effectRef>
-      <a:fontRef idx="minor"/>
-    </dgm:style>
-  </dgm:styleLbl>
-</dgm:styleDef>
-</file>
-
-<file path=ppt/diagrams/quickStyle2.xml><?xml version="1.0" encoding="utf-8"?>
 <dgm:styleDef xmlns:dgm="http://schemas.openxmlformats.org/drawingml/2006/diagram" xmlns:a="http://schemas.openxmlformats.org/drawingml/2006/main" uniqueId="urn:microsoft.com/office/officeart/2005/8/quickstyle/simple1">
   <dgm:title val=""/>
   <dgm:desc val=""/>
@@ -6478,7 +4102,7 @@
           <a:p>
             <a:fld id="{0D031753-1950-4094-8B68-4B5BC8CD9E64}" type="datetimeFigureOut">
               <a:rPr lang="en-US" smtClean="0"/>
-              <a:t>12/10/2019</a:t>
+              <a:t>2/20/2020</a:t>
             </a:fld>
             <a:endParaRPr lang="en-US"/>
           </a:p>
@@ -6686,7 +4310,7 @@
           <a:p>
             <a:fld id="{0D031753-1950-4094-8B68-4B5BC8CD9E64}" type="datetimeFigureOut">
               <a:rPr lang="en-US" smtClean="0"/>
-              <a:t>12/10/2019</a:t>
+              <a:t>2/20/2020</a:t>
             </a:fld>
             <a:endParaRPr lang="en-US"/>
           </a:p>
@@ -6944,7 +4568,7 @@
           <a:p>
             <a:fld id="{0D031753-1950-4094-8B68-4B5BC8CD9E64}" type="datetimeFigureOut">
               <a:rPr lang="en-US" smtClean="0"/>
-              <a:t>12/10/2019</a:t>
+              <a:t>2/20/2020</a:t>
             </a:fld>
             <a:endParaRPr lang="en-US"/>
           </a:p>
@@ -7114,7 +4738,7 @@
           <a:p>
             <a:fld id="{0D031753-1950-4094-8B68-4B5BC8CD9E64}" type="datetimeFigureOut">
               <a:rPr lang="en-US" smtClean="0"/>
-              <a:t>12/10/2019</a:t>
+              <a:t>2/20/2020</a:t>
             </a:fld>
             <a:endParaRPr lang="en-US"/>
           </a:p>
@@ -7451,7 +5075,7 @@
           <a:p>
             <a:fld id="{0D031753-1950-4094-8B68-4B5BC8CD9E64}" type="datetimeFigureOut">
               <a:rPr lang="en-US" smtClean="0"/>
-              <a:t>12/10/2019</a:t>
+              <a:t>2/20/2020</a:t>
             </a:fld>
             <a:endParaRPr lang="en-US"/>
           </a:p>
@@ -7726,7 +5350,7 @@
           <a:p>
             <a:fld id="{0D031753-1950-4094-8B68-4B5BC8CD9E64}" type="datetimeFigureOut">
               <a:rPr lang="en-US" smtClean="0"/>
-              <a:t>12/10/2019</a:t>
+              <a:t>2/20/2020</a:t>
             </a:fld>
             <a:endParaRPr lang="en-US"/>
           </a:p>
@@ -8109,7 +5733,7 @@
           <a:p>
             <a:fld id="{0D031753-1950-4094-8B68-4B5BC8CD9E64}" type="datetimeFigureOut">
               <a:rPr lang="en-US" smtClean="0"/>
-              <a:t>12/10/2019</a:t>
+              <a:t>2/20/2020</a:t>
             </a:fld>
             <a:endParaRPr lang="en-US"/>
           </a:p>
@@ -8227,7 +5851,7 @@
           <a:p>
             <a:fld id="{0D031753-1950-4094-8B68-4B5BC8CD9E64}" type="datetimeFigureOut">
               <a:rPr lang="en-US" smtClean="0"/>
-              <a:t>12/10/2019</a:t>
+              <a:t>2/20/2020</a:t>
             </a:fld>
             <a:endParaRPr lang="en-US"/>
           </a:p>
@@ -8400,7 +6024,7 @@
           <a:p>
             <a:fld id="{0D031753-1950-4094-8B68-4B5BC8CD9E64}" type="datetimeFigureOut">
               <a:rPr lang="en-US" smtClean="0"/>
-              <a:t>12/10/2019</a:t>
+              <a:t>2/20/2020</a:t>
             </a:fld>
             <a:endParaRPr lang="en-US"/>
           </a:p>
@@ -8756,7 +6380,7 @@
           <a:p>
             <a:fld id="{0D031753-1950-4094-8B68-4B5BC8CD9E64}" type="datetimeFigureOut">
               <a:rPr lang="en-US" smtClean="0"/>
-              <a:t>12/10/2019</a:t>
+              <a:t>2/20/2020</a:t>
             </a:fld>
             <a:endParaRPr lang="en-US"/>
           </a:p>
@@ -9104,7 +6728,7 @@
           <a:p>
             <a:fld id="{0D031753-1950-4094-8B68-4B5BC8CD9E64}" type="datetimeFigureOut">
               <a:rPr lang="en-US" smtClean="0"/>
-              <a:t>12/10/2019</a:t>
+              <a:t>2/20/2020</a:t>
             </a:fld>
             <a:endParaRPr lang="en-US"/>
           </a:p>
@@ -9415,7 +7039,7 @@
           <a:p>
             <a:fld id="{0D031753-1950-4094-8B68-4B5BC8CD9E64}" type="datetimeFigureOut">
               <a:rPr lang="en-US" smtClean="0"/>
-              <a:t>12/10/2019</a:t>
+              <a:t>2/20/2020</a:t>
             </a:fld>
             <a:endParaRPr lang="en-US"/>
           </a:p>
@@ -10027,6 +7651,121 @@
 </p:sld>
 </file>
 
+<file path=ppt/slides/slide10.xml><?xml version="1.0" encoding="utf-8"?>
+<p:sld xmlns:a="http://schemas.openxmlformats.org/drawingml/2006/main" xmlns:r="http://schemas.openxmlformats.org/officeDocument/2006/relationships" xmlns:p="http://schemas.openxmlformats.org/presentationml/2006/main">
+  <p:cSld>
+    <p:spTree>
+      <p:nvGrpSpPr>
+        <p:cNvPr id="1" name=""/>
+        <p:cNvGrpSpPr/>
+        <p:nvPr/>
+      </p:nvGrpSpPr>
+      <p:grpSpPr>
+        <a:xfrm>
+          <a:off x="0" y="0"/>
+          <a:ext cx="0" cy="0"/>
+          <a:chOff x="0" y="0"/>
+          <a:chExt cx="0" cy="0"/>
+        </a:xfrm>
+      </p:grpSpPr>
+      <p:sp>
+        <p:nvSpPr>
+          <p:cNvPr id="7" name="Title 6">
+            <a:extLst>
+              <a:ext uri="{FF2B5EF4-FFF2-40B4-BE49-F238E27FC236}">
+                <a16:creationId xmlns:a16="http://schemas.microsoft.com/office/drawing/2014/main" id="{E549E8F8-E021-4AD5-AC1E-58A6A49AEF5E}"/>
+              </a:ext>
+            </a:extLst>
+          </p:cNvPr>
+          <p:cNvSpPr>
+            <a:spLocks noGrp="1"/>
+          </p:cNvSpPr>
+          <p:nvPr>
+            <p:ph type="title"/>
+          </p:nvPr>
+        </p:nvSpPr>
+        <p:spPr/>
+        <p:txBody>
+          <a:bodyPr/>
+          <a:lstStyle/>
+          <a:p>
+            <a:r>
+              <a:rPr lang="en-US" dirty="0"/>
+              <a:t>Challenges</a:t>
+            </a:r>
+          </a:p>
+        </p:txBody>
+      </p:sp>
+      <p:sp>
+        <p:nvSpPr>
+          <p:cNvPr id="8" name="Content Placeholder 7">
+            <a:extLst>
+              <a:ext uri="{FF2B5EF4-FFF2-40B4-BE49-F238E27FC236}">
+                <a16:creationId xmlns:a16="http://schemas.microsoft.com/office/drawing/2014/main" id="{8D82D1C4-EFAF-49EC-BEF4-B29594AE24FD}"/>
+              </a:ext>
+            </a:extLst>
+          </p:cNvPr>
+          <p:cNvSpPr>
+            <a:spLocks noGrp="1"/>
+          </p:cNvSpPr>
+          <p:nvPr>
+            <p:ph idx="1"/>
+          </p:nvPr>
+        </p:nvSpPr>
+        <p:spPr/>
+        <p:txBody>
+          <a:bodyPr/>
+          <a:lstStyle/>
+          <a:p>
+            <a:r>
+              <a:rPr lang="en-US" dirty="0"/>
+              <a:t>Budget</a:t>
+            </a:r>
+          </a:p>
+          <a:p>
+            <a:pPr lvl="1"/>
+            <a:r>
+              <a:rPr lang="en-US" dirty="0"/>
+              <a:t>Originally, we wanted to 3D print a case for our system but discovered that the cost went outside of our budget. We reevaluated and decided to build our own case out of wood. This saved us over 50% of the cost in building a case.</a:t>
+            </a:r>
+          </a:p>
+          <a:p>
+            <a:r>
+              <a:rPr lang="en-US" dirty="0"/>
+              <a:t>Bird and Weather Resistant Console</a:t>
+            </a:r>
+          </a:p>
+          <a:p>
+            <a:pPr lvl="1"/>
+            <a:r>
+              <a:rPr lang="en-US" dirty="0"/>
+              <a:t>The birds and weather provided a challenge because they could damage the system and wires, or the birds themselves. Originally, we wanted two units, one for the birds and one for the guests. Both the units would need to be bird and waterproof. We overcame this by making a single unit and a control unit for the birds.</a:t>
+            </a:r>
+          </a:p>
+          <a:p>
+            <a:pPr marL="201168" lvl="1" indent="0">
+              <a:buNone/>
+            </a:pPr>
+            <a:endParaRPr lang="en-US" dirty="0"/>
+          </a:p>
+          <a:p>
+            <a:endParaRPr lang="en-US" dirty="0"/>
+          </a:p>
+        </p:txBody>
+      </p:sp>
+    </p:spTree>
+    <p:extLst>
+      <p:ext uri="{BB962C8B-B14F-4D97-AF65-F5344CB8AC3E}">
+        <p14:creationId xmlns:p14="http://schemas.microsoft.com/office/powerpoint/2010/main" val="1527834697"/>
+      </p:ext>
+    </p:extLst>
+  </p:cSld>
+  <p:clrMapOvr>
+    <a:masterClrMapping/>
+  </p:clrMapOvr>
+</p:sld>
+</file>
+
 <file path=ppt/slides/slide2.xml><?xml version="1.0" encoding="utf-8"?>
 <p:sld xmlns:a="http://schemas.openxmlformats.org/drawingml/2006/main" xmlns:r="http://schemas.openxmlformats.org/officeDocument/2006/relationships" xmlns:p="http://schemas.openxmlformats.org/presentationml/2006/main">
   <p:cSld>
@@ -10399,7 +8138,7 @@
           <p:cNvPr id="2" name="Title 1">
             <a:extLst>
               <a:ext uri="{FF2B5EF4-FFF2-40B4-BE49-F238E27FC236}">
-                <a16:creationId xmlns:a16="http://schemas.microsoft.com/office/drawing/2014/main" id="{F9727559-D2DB-4A65-92CC-4845966EF9EC}"/>
+                <a16:creationId xmlns:a16="http://schemas.microsoft.com/office/drawing/2014/main" id="{2A41A7F1-8452-4917-8995-AEC66BCDB540}"/>
               </a:ext>
             </a:extLst>
           </p:cNvPr>
@@ -10417,7 +8156,7 @@
           <a:p>
             <a:r>
               <a:rPr lang="en-US" dirty="0"/>
-              <a:t>Project Description - Abstract</a:t>
+              <a:t>About Our Project</a:t>
             </a:r>
           </a:p>
         </p:txBody>
@@ -10427,7 +8166,7 @@
           <p:cNvPr id="3" name="Content Placeholder 2">
             <a:extLst>
               <a:ext uri="{FF2B5EF4-FFF2-40B4-BE49-F238E27FC236}">
-                <a16:creationId xmlns:a16="http://schemas.microsoft.com/office/drawing/2014/main" id="{68A41AE8-C232-422D-A162-056A0D647140}"/>
+                <a16:creationId xmlns:a16="http://schemas.microsoft.com/office/drawing/2014/main" id="{892A3645-0FAA-42D2-B798-F542064EECAC}"/>
               </a:ext>
             </a:extLst>
           </p:cNvPr>
@@ -10438,31 +8177,140 @@
             <p:ph idx="1"/>
           </p:nvPr>
         </p:nvSpPr>
-        <p:spPr/>
+        <p:spPr>
+          <a:xfrm>
+            <a:off x="1097280" y="1845734"/>
+            <a:ext cx="4711849" cy="4023360"/>
+          </a:xfrm>
+        </p:spPr>
         <p:txBody>
-          <a:bodyPr>
-            <a:normAutofit fontScale="92500" lnSpcReduction="10000"/>
-          </a:bodyPr>
+          <a:bodyPr/>
           <a:lstStyle/>
           <a:p>
-            <a:pPr lvl="0"/>
-            <a:r>
-              <a:rPr lang="en-US" sz="2800" dirty="0"/>
-              <a:t>The Interactive Kea project intends to create a system that allows the Cincinnati zoo guests to interact with the Kea birds by playing a game together. The Kea are intelligent birds capable of continuously learning new activities. The project will reward the Kea for their efforts while simultaneously collecting data for research.  The data gathered will allow the Cincinnati Zookeepers to learn potentially new things regarding the Kea. The system will need to be safe to interact with for both the guests of all ages and for the Kea. The system itself will consist of one monitor for the guests and one for the birds, allowing them to interact at the same time.</a:t>
-            </a:r>
-          </a:p>
-          <a:p>
-            <a:r>
-              <a:rPr lang="en-US" sz="2800" dirty="0"/>
-              <a:t> </a:t>
+            <a:pPr>
+              <a:buFont typeface="Courier New" panose="02070309020205020404" pitchFamily="49" charset="0"/>
+              <a:buChar char="o"/>
+            </a:pPr>
+            <a:r>
+              <a:rPr lang="en-US" dirty="0"/>
+              <a:t>Kea</a:t>
+            </a:r>
+          </a:p>
+          <a:p>
+            <a:pPr lvl="1">
+              <a:buFont typeface="Courier New" panose="02070309020205020404" pitchFamily="49" charset="0"/>
+              <a:buChar char="o"/>
+            </a:pPr>
+            <a:r>
+              <a:rPr lang="en-US" dirty="0"/>
+              <a:t>Intelligent birds </a:t>
+            </a:r>
+          </a:p>
+          <a:p>
+            <a:pPr lvl="1">
+              <a:buFont typeface="Courier New" panose="02070309020205020404" pitchFamily="49" charset="0"/>
+              <a:buChar char="o"/>
+            </a:pPr>
+            <a:r>
+              <a:rPr lang="en-US" dirty="0"/>
+              <a:t>Native to New Zealand</a:t>
+            </a:r>
+          </a:p>
+          <a:p>
+            <a:pPr>
+              <a:buFont typeface="Courier New" panose="02070309020205020404" pitchFamily="49" charset="0"/>
+              <a:buChar char="o"/>
+            </a:pPr>
+            <a:r>
+              <a:rPr lang="en-US" dirty="0"/>
+              <a:t>Purpose:</a:t>
+            </a:r>
+          </a:p>
+          <a:p>
+            <a:pPr lvl="1">
+              <a:buFont typeface="Courier New" panose="02070309020205020404" pitchFamily="49" charset="0"/>
+              <a:buChar char="o"/>
+            </a:pPr>
+            <a:r>
+              <a:rPr lang="en-US" dirty="0"/>
+              <a:t>Provide research data</a:t>
+            </a:r>
+          </a:p>
+          <a:p>
+            <a:pPr lvl="1">
+              <a:buFont typeface="Courier New" panose="02070309020205020404" pitchFamily="49" charset="0"/>
+              <a:buChar char="o"/>
+            </a:pPr>
+            <a:r>
+              <a:rPr lang="en-US" dirty="0"/>
+              <a:t>Interactive game for Kea and guests</a:t>
+            </a:r>
+          </a:p>
+          <a:p>
+            <a:pPr>
+              <a:buFont typeface="Courier New" panose="02070309020205020404" pitchFamily="49" charset="0"/>
+              <a:buChar char="o"/>
+            </a:pPr>
+            <a:r>
+              <a:rPr lang="en-US" dirty="0"/>
+              <a:t>Goal:</a:t>
+            </a:r>
+          </a:p>
+          <a:p>
+            <a:pPr lvl="1">
+              <a:buFont typeface="Courier New" panose="02070309020205020404" pitchFamily="49" charset="0"/>
+              <a:buChar char="o"/>
+            </a:pPr>
+            <a:r>
+              <a:rPr lang="en-US" dirty="0"/>
+              <a:t>Design and build a game that the Kea can learn to participate in with the Zoo guests</a:t>
+            </a:r>
+          </a:p>
+          <a:p>
+            <a:pPr lvl="1">
+              <a:buFont typeface="Courier New" panose="02070309020205020404" pitchFamily="49" charset="0"/>
+              <a:buChar char="o"/>
+            </a:pPr>
+            <a:r>
+              <a:rPr lang="en-US" dirty="0"/>
+              <a:t>Capture data about the Kea </a:t>
             </a:r>
           </a:p>
         </p:txBody>
       </p:sp>
+      <p:pic>
+        <p:nvPicPr>
+          <p:cNvPr id="4" name="Picture 3">
+            <a:extLst>
+              <a:ext uri="{FF2B5EF4-FFF2-40B4-BE49-F238E27FC236}">
+                <a16:creationId xmlns:a16="http://schemas.microsoft.com/office/drawing/2014/main" id="{6023E55E-734F-44AA-B0CF-6C944DD30E2A}"/>
+              </a:ext>
+            </a:extLst>
+          </p:cNvPr>
+          <p:cNvPicPr>
+            <a:picLocks noChangeAspect="1"/>
+          </p:cNvPicPr>
+          <p:nvPr/>
+        </p:nvPicPr>
+        <p:blipFill rotWithShape="1">
+          <a:blip r:embed="rId2"/>
+          <a:srcRect t="25334" b="16000"/>
+          <a:stretch/>
+        </p:blipFill>
+        <p:spPr>
+          <a:xfrm>
+            <a:off x="6126480" y="1949797"/>
+            <a:ext cx="5145330" cy="4023360"/>
+          </a:xfrm>
+          <a:prstGeom prst="rect">
+            <a:avLst/>
+          </a:prstGeom>
+        </p:spPr>
+      </p:pic>
     </p:spTree>
     <p:extLst>
       <p:ext uri="{BB962C8B-B14F-4D97-AF65-F5344CB8AC3E}">
-        <p14:creationId xmlns:p14="http://schemas.microsoft.com/office/powerpoint/2010/main" val="157986798"/>
+        <p14:creationId xmlns:p14="http://schemas.microsoft.com/office/powerpoint/2010/main" val="1818996298"/>
       </p:ext>
     </p:extLst>
   </p:cSld>
@@ -10494,7 +8342,7 @@
           <p:cNvPr id="2" name="Title 1">
             <a:extLst>
               <a:ext uri="{FF2B5EF4-FFF2-40B4-BE49-F238E27FC236}">
-                <a16:creationId xmlns:a16="http://schemas.microsoft.com/office/drawing/2014/main" id="{2A41A7F1-8452-4917-8995-AEC66BCDB540}"/>
+                <a16:creationId xmlns:a16="http://schemas.microsoft.com/office/drawing/2014/main" id="{87120810-806E-4D57-9322-452A9CE599F4}"/>
               </a:ext>
             </a:extLst>
           </p:cNvPr>
@@ -10512,7 +8360,7 @@
           <a:p>
             <a:r>
               <a:rPr lang="en-US" dirty="0"/>
-              <a:t>About Our Project</a:t>
+              <a:t>Intellectual Merits</a:t>
             </a:r>
           </a:p>
         </p:txBody>
@@ -10522,7 +8370,7 @@
           <p:cNvPr id="3" name="Content Placeholder 2">
             <a:extLst>
               <a:ext uri="{FF2B5EF4-FFF2-40B4-BE49-F238E27FC236}">
-                <a16:creationId xmlns:a16="http://schemas.microsoft.com/office/drawing/2014/main" id="{892A3645-0FAA-42D2-B798-F542064EECAC}"/>
+                <a16:creationId xmlns:a16="http://schemas.microsoft.com/office/drawing/2014/main" id="{3A4059FF-0A94-44AC-8E99-A1771C88EBBB}"/>
               </a:ext>
             </a:extLst>
           </p:cNvPr>
@@ -10533,156 +8381,25 @@
             <p:ph idx="1"/>
           </p:nvPr>
         </p:nvSpPr>
-        <p:spPr>
-          <a:xfrm>
-            <a:off x="1097280" y="1845734"/>
-            <a:ext cx="4711849" cy="4023360"/>
-          </a:xfrm>
-        </p:spPr>
+        <p:spPr/>
         <p:txBody>
           <a:bodyPr/>
           <a:lstStyle/>
           <a:p>
-            <a:pPr>
-              <a:buFont typeface="Courier New" panose="02070309020205020404" pitchFamily="49" charset="0"/>
-              <a:buChar char="o"/>
-            </a:pPr>
             <a:r>
               <a:rPr lang="en-US" dirty="0"/>
-              <a:t>Kea</a:t>
-            </a:r>
-          </a:p>
-          <a:p>
-            <a:pPr lvl="1">
-              <a:buFont typeface="Courier New" panose="02070309020205020404" pitchFamily="49" charset="0"/>
-              <a:buChar char="o"/>
-            </a:pPr>
-            <a:r>
-              <a:rPr lang="en-US" dirty="0"/>
-              <a:t>Intelligent birds </a:t>
-            </a:r>
-          </a:p>
-          <a:p>
-            <a:pPr lvl="1">
-              <a:buFont typeface="Courier New" panose="02070309020205020404" pitchFamily="49" charset="0"/>
-              <a:buChar char="o"/>
-            </a:pPr>
-            <a:r>
-              <a:rPr lang="en-US" dirty="0"/>
-              <a:t>Native to New Zealand</a:t>
-            </a:r>
-          </a:p>
-          <a:p>
-            <a:pPr>
-              <a:buFont typeface="Courier New" panose="02070309020205020404" pitchFamily="49" charset="0"/>
-              <a:buChar char="o"/>
-            </a:pPr>
-            <a:r>
-              <a:rPr lang="en-US" dirty="0"/>
-              <a:t>Purpose:</a:t>
-            </a:r>
-          </a:p>
-          <a:p>
-            <a:pPr lvl="1">
-              <a:buFont typeface="Courier New" panose="02070309020205020404" pitchFamily="49" charset="0"/>
-              <a:buChar char="o"/>
-            </a:pPr>
-            <a:r>
-              <a:rPr lang="en-US" dirty="0"/>
-              <a:t>Provide research data</a:t>
-            </a:r>
-          </a:p>
-          <a:p>
-            <a:pPr lvl="1">
-              <a:buFont typeface="Courier New" panose="02070309020205020404" pitchFamily="49" charset="0"/>
-              <a:buChar char="o"/>
-            </a:pPr>
-            <a:r>
-              <a:rPr lang="en-US" dirty="0"/>
-              <a:t>Interactive game for Kea and guests</a:t>
-            </a:r>
-          </a:p>
-          <a:p>
-            <a:pPr>
-              <a:buFont typeface="Courier New" panose="02070309020205020404" pitchFamily="49" charset="0"/>
-              <a:buChar char="o"/>
-            </a:pPr>
-            <a:r>
-              <a:rPr lang="en-US" dirty="0"/>
-              <a:t>Goal:</a:t>
-            </a:r>
-          </a:p>
-          <a:p>
-            <a:pPr lvl="1">
-              <a:buFont typeface="Courier New" panose="02070309020205020404" pitchFamily="49" charset="0"/>
-              <a:buChar char="o"/>
-            </a:pPr>
-            <a:r>
-              <a:rPr lang="en-US" dirty="0"/>
-              <a:t>Design and build a game that the Kea can learn to participate in with the Zoo guests</a:t>
-            </a:r>
-          </a:p>
-          <a:p>
-            <a:pPr lvl="1">
-              <a:buFont typeface="Courier New" panose="02070309020205020404" pitchFamily="49" charset="0"/>
-              <a:buChar char="o"/>
-            </a:pPr>
-            <a:r>
-              <a:rPr lang="en-US" dirty="0"/>
-              <a:t>Capture data about the Kea </a:t>
-            </a:r>
+              <a:t>Our greatest intellectual merits will be any research discoveries made through interactions with the Kea. This could include anything from the social nature of the birds, their ability to see screens and color, and to their ability to think critically in real time applications.</a:t>
+            </a:r>
+          </a:p>
+          <a:p>
+            <a:endParaRPr lang="en-US" dirty="0"/>
           </a:p>
         </p:txBody>
       </p:sp>
-      <p:pic>
-        <p:nvPicPr>
-          <p:cNvPr id="1026" name="Picture 2" descr="Image result for kea">
-            <a:extLst>
-              <a:ext uri="{FF2B5EF4-FFF2-40B4-BE49-F238E27FC236}">
-                <a16:creationId xmlns:a16="http://schemas.microsoft.com/office/drawing/2014/main" id="{F88C4E31-0C44-459E-9043-DED860EBAA27}"/>
-              </a:ext>
-            </a:extLst>
-          </p:cNvPr>
-          <p:cNvPicPr>
-            <a:picLocks noChangeAspect="1" noChangeArrowheads="1"/>
-          </p:cNvPicPr>
-          <p:nvPr/>
-        </p:nvPicPr>
-        <p:blipFill rotWithShape="1">
-          <a:blip r:embed="rId2">
-            <a:extLst>
-              <a:ext uri="{28A0092B-C50C-407E-A947-70E740481C1C}">
-                <a14:useLocalDpi xmlns:a14="http://schemas.microsoft.com/office/drawing/2010/main" val="0"/>
-              </a:ext>
-            </a:extLst>
-          </a:blip>
-          <a:srcRect r="16689"/>
-          <a:stretch/>
-        </p:blipFill>
-        <p:spPr bwMode="auto">
-          <a:xfrm>
-            <a:off x="6508376" y="2036633"/>
-            <a:ext cx="4647304" cy="3639614"/>
-          </a:xfrm>
-          <a:prstGeom prst="rect">
-            <a:avLst/>
-          </a:prstGeom>
-          <a:noFill/>
-          <a:extLst>
-            <a:ext uri="{909E8E84-426E-40DD-AFC4-6F175D3DCCD1}">
-              <a14:hiddenFill xmlns:a14="http://schemas.microsoft.com/office/drawing/2010/main">
-                <a:solidFill>
-                  <a:srgbClr val="FFFFFF"/>
-                </a:solidFill>
-              </a14:hiddenFill>
-            </a:ext>
-          </a:extLst>
-        </p:spPr>
-      </p:pic>
     </p:spTree>
     <p:extLst>
       <p:ext uri="{BB962C8B-B14F-4D97-AF65-F5344CB8AC3E}">
-        <p14:creationId xmlns:p14="http://schemas.microsoft.com/office/powerpoint/2010/main" val="1818996298"/>
+        <p14:creationId xmlns:p14="http://schemas.microsoft.com/office/powerpoint/2010/main" val="3240398027"/>
       </p:ext>
     </p:extLst>
   </p:cSld>
@@ -10732,8 +8449,436 @@
           <a:p>
             <a:r>
               <a:rPr lang="en-US" dirty="0"/>
-              <a:t>Timeline of Milestones</a:t>
-            </a:r>
+              <a:t>Project Impacts</a:t>
+            </a:r>
+          </a:p>
+        </p:txBody>
+      </p:sp>
+      <p:sp>
+        <p:nvSpPr>
+          <p:cNvPr id="3" name="Content Placeholder 2">
+            <a:extLst>
+              <a:ext uri="{FF2B5EF4-FFF2-40B4-BE49-F238E27FC236}">
+                <a16:creationId xmlns:a16="http://schemas.microsoft.com/office/drawing/2014/main" id="{68A41AE8-C232-422D-A162-056A0D647140}"/>
+              </a:ext>
+            </a:extLst>
+          </p:cNvPr>
+          <p:cNvSpPr>
+            <a:spLocks noGrp="1"/>
+          </p:cNvSpPr>
+          <p:nvPr>
+            <p:ph idx="1"/>
+          </p:nvPr>
+        </p:nvSpPr>
+        <p:spPr/>
+        <p:txBody>
+          <a:bodyPr>
+            <a:normAutofit fontScale="92500" lnSpcReduction="10000"/>
+          </a:bodyPr>
+          <a:lstStyle/>
+          <a:p>
+            <a:pPr lvl="0"/>
+            <a:r>
+              <a:rPr lang="en-US" sz="2800" dirty="0"/>
+              <a:t>The Interactive Kea project intends to create a system that allows the Cincinnati zoo guests to interact with the Kea birds by playing a game together. The Kea are intelligent birds capable of continuously learning new activities. The project will reward the Kea for their efforts while simultaneously collecting data for research.  The data gathered will allow the Cincinnati Zookeepers to learn potentially new things regarding the Kea. The system will need to be safe to interact with for both the guests of all ages and for the Kea. The system itself will consist of one monitor for the guests and one for the birds, allowing them to interact at the same time.</a:t>
+            </a:r>
+          </a:p>
+          <a:p>
+            <a:r>
+              <a:rPr lang="en-US" sz="2800" dirty="0"/>
+              <a:t> </a:t>
+            </a:r>
+          </a:p>
+        </p:txBody>
+      </p:sp>
+    </p:spTree>
+    <p:extLst>
+      <p:ext uri="{BB962C8B-B14F-4D97-AF65-F5344CB8AC3E}">
+        <p14:creationId xmlns:p14="http://schemas.microsoft.com/office/powerpoint/2010/main" val="157986798"/>
+      </p:ext>
+    </p:extLst>
+  </p:cSld>
+  <p:clrMapOvr>
+    <a:masterClrMapping/>
+  </p:clrMapOvr>
+</p:sld>
+</file>
+
+<file path=ppt/slides/slide6.xml><?xml version="1.0" encoding="utf-8"?>
+<p:sld xmlns:a="http://schemas.openxmlformats.org/drawingml/2006/main" xmlns:r="http://schemas.openxmlformats.org/officeDocument/2006/relationships" xmlns:p="http://schemas.openxmlformats.org/presentationml/2006/main">
+  <p:cSld>
+    <p:spTree>
+      <p:nvGrpSpPr>
+        <p:cNvPr id="1" name=""/>
+        <p:cNvGrpSpPr/>
+        <p:nvPr/>
+      </p:nvGrpSpPr>
+      <p:grpSpPr>
+        <a:xfrm>
+          <a:off x="0" y="0"/>
+          <a:ext cx="0" cy="0"/>
+          <a:chOff x="0" y="0"/>
+          <a:chExt cx="0" cy="0"/>
+        </a:xfrm>
+      </p:grpSpPr>
+      <p:sp>
+        <p:nvSpPr>
+          <p:cNvPr id="2" name="Title 1">
+            <a:extLst>
+              <a:ext uri="{FF2B5EF4-FFF2-40B4-BE49-F238E27FC236}">
+                <a16:creationId xmlns:a16="http://schemas.microsoft.com/office/drawing/2014/main" id="{563F1545-37DF-44DC-9E99-DBB5A894B53A}"/>
+              </a:ext>
+            </a:extLst>
+          </p:cNvPr>
+          <p:cNvSpPr>
+            <a:spLocks noGrp="1"/>
+          </p:cNvSpPr>
+          <p:nvPr>
+            <p:ph type="title"/>
+          </p:nvPr>
+        </p:nvSpPr>
+        <p:spPr/>
+        <p:txBody>
+          <a:bodyPr/>
+          <a:lstStyle/>
+          <a:p>
+            <a:r>
+              <a:rPr lang="en-US" dirty="0"/>
+              <a:t>Design Specifications</a:t>
+            </a:r>
+          </a:p>
+        </p:txBody>
+      </p:sp>
+      <p:sp>
+        <p:nvSpPr>
+          <p:cNvPr id="6" name="Text Placeholder 5">
+            <a:extLst>
+              <a:ext uri="{FF2B5EF4-FFF2-40B4-BE49-F238E27FC236}">
+                <a16:creationId xmlns:a16="http://schemas.microsoft.com/office/drawing/2014/main" id="{CFB6A4EC-065B-432E-935E-A8AA5D39E833}"/>
+              </a:ext>
+            </a:extLst>
+          </p:cNvPr>
+          <p:cNvSpPr>
+            <a:spLocks noGrp="1"/>
+          </p:cNvSpPr>
+          <p:nvPr>
+            <p:ph type="body" idx="1"/>
+          </p:nvPr>
+        </p:nvSpPr>
+        <p:spPr/>
+        <p:txBody>
+          <a:bodyPr/>
+          <a:lstStyle/>
+          <a:p>
+            <a:r>
+              <a:rPr lang="en-US" dirty="0"/>
+              <a:t>Electrical Schematic</a:t>
+            </a:r>
+          </a:p>
+        </p:txBody>
+      </p:sp>
+      <p:sp>
+        <p:nvSpPr>
+          <p:cNvPr id="7" name="Text Placeholder 6">
+            <a:extLst>
+              <a:ext uri="{FF2B5EF4-FFF2-40B4-BE49-F238E27FC236}">
+                <a16:creationId xmlns:a16="http://schemas.microsoft.com/office/drawing/2014/main" id="{74F0FE04-5496-47C7-B8F2-AD4FA7E5BB30}"/>
+              </a:ext>
+            </a:extLst>
+          </p:cNvPr>
+          <p:cNvSpPr>
+            <a:spLocks noGrp="1"/>
+          </p:cNvSpPr>
+          <p:nvPr>
+            <p:ph type="body" sz="quarter" idx="3"/>
+          </p:nvPr>
+        </p:nvSpPr>
+        <p:spPr/>
+        <p:txBody>
+          <a:bodyPr/>
+          <a:lstStyle/>
+          <a:p>
+            <a:r>
+              <a:rPr lang="en-US" dirty="0"/>
+              <a:t>3D Model</a:t>
+            </a:r>
+          </a:p>
+        </p:txBody>
+      </p:sp>
+      <p:pic>
+        <p:nvPicPr>
+          <p:cNvPr id="12" name="Content Placeholder 11" descr="A close up of a device&#10;&#10;Description automatically generated">
+            <a:extLst>
+              <a:ext uri="{FF2B5EF4-FFF2-40B4-BE49-F238E27FC236}">
+                <a16:creationId xmlns:a16="http://schemas.microsoft.com/office/drawing/2014/main" id="{A6E56441-AD36-4FDD-85DE-9ED81D166860}"/>
+              </a:ext>
+            </a:extLst>
+          </p:cNvPr>
+          <p:cNvPicPr>
+            <a:picLocks noGrp="1" noChangeAspect="1"/>
+          </p:cNvPicPr>
+          <p:nvPr>
+            <p:ph sz="quarter" idx="4"/>
+          </p:nvPr>
+        </p:nvPicPr>
+        <p:blipFill>
+          <a:blip r:embed="rId2">
+            <a:extLst>
+              <a:ext uri="{28A0092B-C50C-407E-A947-70E740481C1C}">
+                <a14:useLocalDpi xmlns:a14="http://schemas.microsoft.com/office/drawing/2010/main" val="0"/>
+              </a:ext>
+            </a:extLst>
+          </a:blip>
+          <a:stretch>
+            <a:fillRect/>
+          </a:stretch>
+        </p:blipFill>
+        <p:spPr>
+          <a:xfrm>
+            <a:off x="6919472" y="2582863"/>
+            <a:ext cx="3534657" cy="3378200"/>
+          </a:xfrm>
+        </p:spPr>
+      </p:pic>
+      <p:pic>
+        <p:nvPicPr>
+          <p:cNvPr id="10" name="Content Placeholder 9">
+            <a:extLst>
+              <a:ext uri="{FF2B5EF4-FFF2-40B4-BE49-F238E27FC236}">
+                <a16:creationId xmlns:a16="http://schemas.microsoft.com/office/drawing/2014/main" id="{24C709DC-883F-49C6-9D00-1BE4744EEB8B}"/>
+              </a:ext>
+            </a:extLst>
+          </p:cNvPr>
+          <p:cNvPicPr>
+            <a:picLocks noGrp="1" noChangeAspect="1"/>
+          </p:cNvPicPr>
+          <p:nvPr>
+            <p:ph sz="half" idx="2"/>
+          </p:nvPr>
+        </p:nvPicPr>
+        <p:blipFill>
+          <a:blip r:embed="rId3"/>
+          <a:stretch>
+            <a:fillRect/>
+          </a:stretch>
+        </p:blipFill>
+        <p:spPr>
+          <a:xfrm>
+            <a:off x="1244494" y="2582863"/>
+            <a:ext cx="4643650" cy="3378200"/>
+          </a:xfrm>
+          <a:prstGeom prst="rect">
+            <a:avLst/>
+          </a:prstGeom>
+        </p:spPr>
+      </p:pic>
+    </p:spTree>
+    <p:extLst>
+      <p:ext uri="{BB962C8B-B14F-4D97-AF65-F5344CB8AC3E}">
+        <p14:creationId xmlns:p14="http://schemas.microsoft.com/office/powerpoint/2010/main" val="2776096856"/>
+      </p:ext>
+    </p:extLst>
+  </p:cSld>
+  <p:clrMapOvr>
+    <a:masterClrMapping/>
+  </p:clrMapOvr>
+</p:sld>
+</file>
+
+<file path=ppt/slides/slide7.xml><?xml version="1.0" encoding="utf-8"?>
+<p:sld xmlns:a="http://schemas.openxmlformats.org/drawingml/2006/main" xmlns:r="http://schemas.openxmlformats.org/officeDocument/2006/relationships" xmlns:p="http://schemas.openxmlformats.org/presentationml/2006/main">
+  <p:cSld>
+    <p:spTree>
+      <p:nvGrpSpPr>
+        <p:cNvPr id="1" name=""/>
+        <p:cNvGrpSpPr/>
+        <p:nvPr/>
+      </p:nvGrpSpPr>
+      <p:grpSpPr>
+        <a:xfrm>
+          <a:off x="0" y="0"/>
+          <a:ext cx="0" cy="0"/>
+          <a:chOff x="0" y="0"/>
+          <a:chExt cx="0" cy="0"/>
+        </a:xfrm>
+      </p:grpSpPr>
+      <p:sp>
+        <p:nvSpPr>
+          <p:cNvPr id="2" name="Title 1">
+            <a:extLst>
+              <a:ext uri="{FF2B5EF4-FFF2-40B4-BE49-F238E27FC236}">
+                <a16:creationId xmlns:a16="http://schemas.microsoft.com/office/drawing/2014/main" id="{580AF283-0B5B-48BB-BCC2-7BBE60607D1F}"/>
+              </a:ext>
+            </a:extLst>
+          </p:cNvPr>
+          <p:cNvSpPr>
+            <a:spLocks noGrp="1"/>
+          </p:cNvSpPr>
+          <p:nvPr>
+            <p:ph type="title"/>
+          </p:nvPr>
+        </p:nvSpPr>
+        <p:spPr/>
+        <p:txBody>
+          <a:bodyPr/>
+          <a:lstStyle/>
+          <a:p>
+            <a:r>
+              <a:rPr lang="en-US" dirty="0"/>
+              <a:t>Technologies</a:t>
+            </a:r>
+          </a:p>
+        </p:txBody>
+      </p:sp>
+      <p:sp>
+        <p:nvSpPr>
+          <p:cNvPr id="3" name="Content Placeholder 2">
+            <a:extLst>
+              <a:ext uri="{FF2B5EF4-FFF2-40B4-BE49-F238E27FC236}">
+                <a16:creationId xmlns:a16="http://schemas.microsoft.com/office/drawing/2014/main" id="{66089B0F-9CE9-4CA0-80DE-0B8ED1FFD8CA}"/>
+              </a:ext>
+            </a:extLst>
+          </p:cNvPr>
+          <p:cNvSpPr>
+            <a:spLocks noGrp="1"/>
+          </p:cNvSpPr>
+          <p:nvPr>
+            <p:ph idx="1"/>
+          </p:nvPr>
+        </p:nvSpPr>
+        <p:spPr/>
+        <p:txBody>
+          <a:bodyPr>
+            <a:normAutofit/>
+          </a:bodyPr>
+          <a:lstStyle/>
+          <a:p>
+            <a:r>
+              <a:rPr lang="en-US" dirty="0"/>
+              <a:t>Raspberry Pi </a:t>
+            </a:r>
+          </a:p>
+          <a:p>
+            <a:r>
+              <a:rPr lang="en-US" dirty="0"/>
+              <a:t>Python</a:t>
+            </a:r>
+          </a:p>
+          <a:p>
+            <a:r>
+              <a:rPr lang="en-US" dirty="0" err="1"/>
+              <a:t>Pygame</a:t>
+            </a:r>
+            <a:r>
+              <a:rPr lang="en-US" dirty="0"/>
+              <a:t> Pong - </a:t>
+            </a:r>
+            <a:r>
+              <a:rPr lang="en-US" dirty="0">
+                <a:hlinkClick r:id="rId2"/>
+              </a:rPr>
+              <a:t>https://gist.github.com/vinothpandian/4337527</a:t>
+            </a:r>
+            <a:endParaRPr lang="en-US" dirty="0"/>
+          </a:p>
+          <a:p>
+            <a:r>
+              <a:rPr lang="en-US" dirty="0"/>
+              <a:t>CAD Modeling Software</a:t>
+            </a:r>
+          </a:p>
+          <a:p>
+            <a:r>
+              <a:rPr lang="en-US" dirty="0" err="1"/>
+              <a:t>Winscp</a:t>
+            </a:r>
+            <a:endParaRPr lang="en-US" dirty="0"/>
+          </a:p>
+          <a:p>
+            <a:r>
+              <a:rPr lang="en-US" dirty="0" err="1"/>
+              <a:t>Github</a:t>
+            </a:r>
+            <a:endParaRPr lang="en-US" dirty="0"/>
+          </a:p>
+          <a:p>
+            <a:r>
+              <a:rPr lang="en-US" dirty="0"/>
+              <a:t>Momentary push buttons</a:t>
+            </a:r>
+          </a:p>
+          <a:p>
+            <a:endParaRPr lang="en-US" dirty="0"/>
+          </a:p>
+          <a:p>
+            <a:endParaRPr lang="en-US" dirty="0"/>
+          </a:p>
+          <a:p>
+            <a:endParaRPr lang="en-US" dirty="0"/>
+          </a:p>
+        </p:txBody>
+      </p:sp>
+    </p:spTree>
+    <p:extLst>
+      <p:ext uri="{BB962C8B-B14F-4D97-AF65-F5344CB8AC3E}">
+        <p14:creationId xmlns:p14="http://schemas.microsoft.com/office/powerpoint/2010/main" val="1040559248"/>
+      </p:ext>
+    </p:extLst>
+  </p:cSld>
+  <p:clrMapOvr>
+    <a:masterClrMapping/>
+  </p:clrMapOvr>
+</p:sld>
+</file>
+
+<file path=ppt/slides/slide8.xml><?xml version="1.0" encoding="utf-8"?>
+<p:sld xmlns:a="http://schemas.openxmlformats.org/drawingml/2006/main" xmlns:r="http://schemas.openxmlformats.org/officeDocument/2006/relationships" xmlns:p="http://schemas.openxmlformats.org/presentationml/2006/main">
+  <p:cSld>
+    <p:spTree>
+      <p:nvGrpSpPr>
+        <p:cNvPr id="1" name=""/>
+        <p:cNvGrpSpPr/>
+        <p:nvPr/>
+      </p:nvGrpSpPr>
+      <p:grpSpPr>
+        <a:xfrm>
+          <a:off x="0" y="0"/>
+          <a:ext cx="0" cy="0"/>
+          <a:chOff x="0" y="0"/>
+          <a:chExt cx="0" cy="0"/>
+        </a:xfrm>
+      </p:grpSpPr>
+      <p:sp>
+        <p:nvSpPr>
+          <p:cNvPr id="2" name="Title 1">
+            <a:extLst>
+              <a:ext uri="{FF2B5EF4-FFF2-40B4-BE49-F238E27FC236}">
+                <a16:creationId xmlns:a16="http://schemas.microsoft.com/office/drawing/2014/main" id="{F9727559-D2DB-4A65-92CC-4845966EF9EC}"/>
+              </a:ext>
+            </a:extLst>
+          </p:cNvPr>
+          <p:cNvSpPr>
+            <a:spLocks noGrp="1"/>
+          </p:cNvSpPr>
+          <p:nvPr>
+            <p:ph type="title"/>
+          </p:nvPr>
+        </p:nvSpPr>
+        <p:spPr/>
+        <p:txBody>
+          <a:bodyPr>
+            <a:normAutofit/>
+          </a:bodyPr>
+          <a:lstStyle/>
+          <a:p>
+            <a:r>
+              <a:rPr lang="en-US" dirty="0"/>
+              <a:t>Milestones</a:t>
+            </a:r>
+            <a:br>
+              <a:rPr lang="en-US" dirty="0"/>
+            </a:br>
+            <a:endParaRPr lang="en-US" dirty="0"/>
           </a:p>
         </p:txBody>
       </p:sp>
@@ -10753,7 +8898,7 @@
             <p:ph idx="1"/>
             <p:extLst>
               <p:ext uri="{D42A27DB-BD31-4B8C-83A1-F6EECF244321}">
-                <p14:modId xmlns:p14="http://schemas.microsoft.com/office/powerpoint/2010/main" val="1814943661"/>
+                <p14:modId xmlns:p14="http://schemas.microsoft.com/office/powerpoint/2010/main" val="3116170032"/>
               </p:ext>
             </p:extLst>
           </p:nvPr>
@@ -10781,495 +8926,6 @@
 </p:sld>
 </file>
 
-<file path=ppt/slides/slide6.xml><?xml version="1.0" encoding="utf-8"?>
-<p:sld xmlns:a="http://schemas.openxmlformats.org/drawingml/2006/main" xmlns:r="http://schemas.openxmlformats.org/officeDocument/2006/relationships" xmlns:p="http://schemas.openxmlformats.org/presentationml/2006/main">
-  <p:cSld>
-    <p:spTree>
-      <p:nvGrpSpPr>
-        <p:cNvPr id="1" name=""/>
-        <p:cNvGrpSpPr/>
-        <p:nvPr/>
-      </p:nvGrpSpPr>
-      <p:grpSpPr>
-        <a:xfrm>
-          <a:off x="0" y="0"/>
-          <a:ext cx="0" cy="0"/>
-          <a:chOff x="0" y="0"/>
-          <a:chExt cx="0" cy="0"/>
-        </a:xfrm>
-      </p:grpSpPr>
-      <p:sp>
-        <p:nvSpPr>
-          <p:cNvPr id="2" name="Title 1">
-            <a:extLst>
-              <a:ext uri="{FF2B5EF4-FFF2-40B4-BE49-F238E27FC236}">
-                <a16:creationId xmlns:a16="http://schemas.microsoft.com/office/drawing/2014/main" id="{A665B9BE-F7D7-4A45-A22E-4147853935F8}"/>
-              </a:ext>
-            </a:extLst>
-          </p:cNvPr>
-          <p:cNvSpPr>
-            <a:spLocks noGrp="1"/>
-          </p:cNvSpPr>
-          <p:nvPr>
-            <p:ph type="title"/>
-          </p:nvPr>
-        </p:nvSpPr>
-        <p:spPr/>
-        <p:txBody>
-          <a:bodyPr/>
-          <a:lstStyle/>
-          <a:p>
-            <a:r>
-              <a:rPr lang="en-US" dirty="0"/>
-              <a:t>Project Description – User Stories</a:t>
-            </a:r>
-          </a:p>
-        </p:txBody>
-      </p:sp>
-      <p:graphicFrame>
-        <p:nvGraphicFramePr>
-          <p:cNvPr id="6" name="Diagram 5">
-            <a:extLst>
-              <a:ext uri="{FF2B5EF4-FFF2-40B4-BE49-F238E27FC236}">
-                <a16:creationId xmlns:a16="http://schemas.microsoft.com/office/drawing/2014/main" id="{41C1D0DF-CFDF-4A4D-A545-67CAE8D8F815}"/>
-              </a:ext>
-            </a:extLst>
-          </p:cNvPr>
-          <p:cNvGraphicFramePr/>
-          <p:nvPr>
-            <p:extLst>
-              <p:ext uri="{D42A27DB-BD31-4B8C-83A1-F6EECF244321}">
-                <p14:modId xmlns:p14="http://schemas.microsoft.com/office/powerpoint/2010/main" val="3051625662"/>
-              </p:ext>
-            </p:extLst>
-          </p:nvPr>
-        </p:nvGraphicFramePr>
-        <p:xfrm>
-          <a:off x="1036320" y="1737361"/>
-          <a:ext cx="11060430" cy="4625340"/>
-        </p:xfrm>
-        <a:graphic>
-          <a:graphicData uri="http://schemas.openxmlformats.org/drawingml/2006/diagram">
-            <dgm:relIds xmlns:dgm="http://schemas.openxmlformats.org/drawingml/2006/diagram" xmlns:r="http://schemas.openxmlformats.org/officeDocument/2006/relationships" r:dm="rId2" r:lo="rId3" r:qs="rId4" r:cs="rId5"/>
-          </a:graphicData>
-        </a:graphic>
-      </p:graphicFrame>
-    </p:spTree>
-    <p:extLst>
-      <p:ext uri="{BB962C8B-B14F-4D97-AF65-F5344CB8AC3E}">
-        <p14:creationId xmlns:p14="http://schemas.microsoft.com/office/powerpoint/2010/main" val="585213277"/>
-      </p:ext>
-    </p:extLst>
-  </p:cSld>
-  <p:clrMapOvr>
-    <a:masterClrMapping/>
-  </p:clrMapOvr>
-</p:sld>
-</file>
-
-<file path=ppt/slides/slide7.xml><?xml version="1.0" encoding="utf-8"?>
-<p:sld xmlns:a="http://schemas.openxmlformats.org/drawingml/2006/main" xmlns:r="http://schemas.openxmlformats.org/officeDocument/2006/relationships" xmlns:p="http://schemas.openxmlformats.org/presentationml/2006/main">
-  <p:cSld>
-    <p:spTree>
-      <p:nvGrpSpPr>
-        <p:cNvPr id="1" name=""/>
-        <p:cNvGrpSpPr/>
-        <p:nvPr/>
-      </p:nvGrpSpPr>
-      <p:grpSpPr>
-        <a:xfrm>
-          <a:off x="0" y="0"/>
-          <a:ext cx="0" cy="0"/>
-          <a:chOff x="0" y="0"/>
-          <a:chExt cx="0" cy="0"/>
-        </a:xfrm>
-      </p:grpSpPr>
-      <p:sp>
-        <p:nvSpPr>
-          <p:cNvPr id="2" name="Title 1">
-            <a:extLst>
-              <a:ext uri="{FF2B5EF4-FFF2-40B4-BE49-F238E27FC236}">
-                <a16:creationId xmlns:a16="http://schemas.microsoft.com/office/drawing/2014/main" id="{F9727559-D2DB-4A65-92CC-4845966EF9EC}"/>
-              </a:ext>
-            </a:extLst>
-          </p:cNvPr>
-          <p:cNvSpPr>
-            <a:spLocks noGrp="1"/>
-          </p:cNvSpPr>
-          <p:nvPr>
-            <p:ph type="title"/>
-          </p:nvPr>
-        </p:nvSpPr>
-        <p:spPr/>
-        <p:txBody>
-          <a:bodyPr/>
-          <a:lstStyle/>
-          <a:p>
-            <a:r>
-              <a:rPr lang="en-US" dirty="0"/>
-              <a:t>Project Description – Constraints</a:t>
-            </a:r>
-          </a:p>
-        </p:txBody>
-      </p:sp>
-      <p:sp>
-        <p:nvSpPr>
-          <p:cNvPr id="3" name="Content Placeholder 2">
-            <a:extLst>
-              <a:ext uri="{FF2B5EF4-FFF2-40B4-BE49-F238E27FC236}">
-                <a16:creationId xmlns:a16="http://schemas.microsoft.com/office/drawing/2014/main" id="{68A41AE8-C232-422D-A162-056A0D647140}"/>
-              </a:ext>
-            </a:extLst>
-          </p:cNvPr>
-          <p:cNvSpPr>
-            <a:spLocks noGrp="1"/>
-          </p:cNvSpPr>
-          <p:nvPr>
-            <p:ph idx="1"/>
-          </p:nvPr>
-        </p:nvSpPr>
-        <p:spPr/>
-        <p:txBody>
-          <a:bodyPr/>
-          <a:lstStyle/>
-          <a:p>
-            <a:pPr>
-              <a:buFont typeface="Courier New" panose="02070309020205020404" pitchFamily="49" charset="0"/>
-              <a:buChar char="o"/>
-            </a:pPr>
-            <a:r>
-              <a:rPr lang="en-US" sz="2400" dirty="0"/>
-              <a:t>Requires specialized expertise </a:t>
-            </a:r>
-          </a:p>
-          <a:p>
-            <a:pPr>
-              <a:buFont typeface="Courier New" panose="02070309020205020404" pitchFamily="49" charset="0"/>
-              <a:buChar char="o"/>
-            </a:pPr>
-            <a:r>
-              <a:rPr lang="en-US" sz="2400" dirty="0"/>
-              <a:t>Safety of the Kea birds</a:t>
-            </a:r>
-          </a:p>
-          <a:p>
-            <a:pPr>
-              <a:buFont typeface="Courier New" panose="02070309020205020404" pitchFamily="49" charset="0"/>
-              <a:buChar char="o"/>
-            </a:pPr>
-            <a:r>
-              <a:rPr lang="en-US" sz="2400" dirty="0"/>
-              <a:t>Outdoor system/Weatherproof</a:t>
-            </a:r>
-          </a:p>
-          <a:p>
-            <a:pPr>
-              <a:buFont typeface="Courier New" panose="02070309020205020404" pitchFamily="49" charset="0"/>
-              <a:buChar char="o"/>
-            </a:pPr>
-            <a:r>
-              <a:rPr lang="en-US" sz="2400" dirty="0"/>
-              <a:t>Reprogrammable/Replaceable hardware</a:t>
-            </a:r>
-          </a:p>
-          <a:p>
-            <a:pPr>
-              <a:buFont typeface="Courier New" panose="02070309020205020404" pitchFamily="49" charset="0"/>
-              <a:buChar char="o"/>
-            </a:pPr>
-            <a:r>
-              <a:rPr lang="en-US" sz="2400" dirty="0"/>
-              <a:t>Compact movable design</a:t>
-            </a:r>
-          </a:p>
-          <a:p>
-            <a:pPr>
-              <a:buFont typeface="Courier New" panose="02070309020205020404" pitchFamily="49" charset="0"/>
-              <a:buChar char="o"/>
-            </a:pPr>
-            <a:endParaRPr lang="en-US" sz="2400" dirty="0"/>
-          </a:p>
-          <a:p>
-            <a:pPr>
-              <a:buFont typeface="Courier New" panose="02070309020205020404" pitchFamily="49" charset="0"/>
-              <a:buChar char="o"/>
-            </a:pPr>
-            <a:endParaRPr lang="en-US" dirty="0"/>
-          </a:p>
-        </p:txBody>
-      </p:sp>
-    </p:spTree>
-    <p:extLst>
-      <p:ext uri="{BB962C8B-B14F-4D97-AF65-F5344CB8AC3E}">
-        <p14:creationId xmlns:p14="http://schemas.microsoft.com/office/powerpoint/2010/main" val="4063723229"/>
-      </p:ext>
-    </p:extLst>
-  </p:cSld>
-  <p:clrMapOvr>
-    <a:masterClrMapping/>
-  </p:clrMapOvr>
-</p:sld>
-</file>
-
-<file path=ppt/slides/slide8.xml><?xml version="1.0" encoding="utf-8"?>
-<p:sld xmlns:a="http://schemas.openxmlformats.org/drawingml/2006/main" xmlns:r="http://schemas.openxmlformats.org/officeDocument/2006/relationships" xmlns:p="http://schemas.openxmlformats.org/presentationml/2006/main">
-  <p:cSld>
-    <p:spTree>
-      <p:nvGrpSpPr>
-        <p:cNvPr id="1" name=""/>
-        <p:cNvGrpSpPr/>
-        <p:nvPr/>
-      </p:nvGrpSpPr>
-      <p:grpSpPr>
-        <a:xfrm>
-          <a:off x="0" y="0"/>
-          <a:ext cx="0" cy="0"/>
-          <a:chOff x="0" y="0"/>
-          <a:chExt cx="0" cy="0"/>
-        </a:xfrm>
-      </p:grpSpPr>
-      <p:sp>
-        <p:nvSpPr>
-          <p:cNvPr id="2" name="Title 1">
-            <a:extLst>
-              <a:ext uri="{FF2B5EF4-FFF2-40B4-BE49-F238E27FC236}">
-                <a16:creationId xmlns:a16="http://schemas.microsoft.com/office/drawing/2014/main" id="{F9727559-D2DB-4A65-92CC-4845966EF9EC}"/>
-              </a:ext>
-            </a:extLst>
-          </p:cNvPr>
-          <p:cNvSpPr>
-            <a:spLocks noGrp="1"/>
-          </p:cNvSpPr>
-          <p:nvPr>
-            <p:ph type="title"/>
-          </p:nvPr>
-        </p:nvSpPr>
-        <p:spPr/>
-        <p:txBody>
-          <a:bodyPr/>
-          <a:lstStyle/>
-          <a:p>
-            <a:r>
-              <a:rPr lang="en-US" dirty="0"/>
-              <a:t>Project Progress</a:t>
-            </a:r>
-          </a:p>
-        </p:txBody>
-      </p:sp>
-      <p:sp>
-        <p:nvSpPr>
-          <p:cNvPr id="4" name="Text Placeholder 3">
-            <a:extLst>
-              <a:ext uri="{FF2B5EF4-FFF2-40B4-BE49-F238E27FC236}">
-                <a16:creationId xmlns:a16="http://schemas.microsoft.com/office/drawing/2014/main" id="{87EA6E66-1D8E-4C40-8EA6-3306AAD1629B}"/>
-              </a:ext>
-            </a:extLst>
-          </p:cNvPr>
-          <p:cNvSpPr>
-            <a:spLocks noGrp="1"/>
-          </p:cNvSpPr>
-          <p:nvPr>
-            <p:ph type="body" idx="1"/>
-          </p:nvPr>
-        </p:nvSpPr>
-        <p:spPr/>
-        <p:txBody>
-          <a:bodyPr/>
-          <a:lstStyle/>
-          <a:p>
-            <a:r>
-              <a:rPr lang="en-US" dirty="0"/>
-              <a:t>Current/Completed</a:t>
-            </a:r>
-          </a:p>
-        </p:txBody>
-      </p:sp>
-      <p:sp>
-        <p:nvSpPr>
-          <p:cNvPr id="3" name="Content Placeholder 2">
-            <a:extLst>
-              <a:ext uri="{FF2B5EF4-FFF2-40B4-BE49-F238E27FC236}">
-                <a16:creationId xmlns:a16="http://schemas.microsoft.com/office/drawing/2014/main" id="{68A41AE8-C232-422D-A162-056A0D647140}"/>
-              </a:ext>
-            </a:extLst>
-          </p:cNvPr>
-          <p:cNvSpPr>
-            <a:spLocks noGrp="1"/>
-          </p:cNvSpPr>
-          <p:nvPr>
-            <p:ph sz="half" idx="2"/>
-          </p:nvPr>
-        </p:nvSpPr>
-        <p:spPr/>
-        <p:txBody>
-          <a:bodyPr>
-            <a:normAutofit/>
-          </a:bodyPr>
-          <a:lstStyle/>
-          <a:p>
-            <a:pPr>
-              <a:buFont typeface="Courier New" panose="02070309020205020404" pitchFamily="49" charset="0"/>
-              <a:buChar char="o"/>
-            </a:pPr>
-            <a:r>
-              <a:rPr lang="en-US" dirty="0"/>
-              <a:t>Met with Zoo staff and Kea birds</a:t>
-            </a:r>
-          </a:p>
-          <a:p>
-            <a:pPr>
-              <a:buFont typeface="Courier New" panose="02070309020205020404" pitchFamily="49" charset="0"/>
-              <a:buChar char="o"/>
-            </a:pPr>
-            <a:r>
-              <a:rPr lang="en-US" dirty="0"/>
-              <a:t>Established and approved the game portion</a:t>
-            </a:r>
-          </a:p>
-          <a:p>
-            <a:pPr>
-              <a:buFont typeface="Courier New" panose="02070309020205020404" pitchFamily="49" charset="0"/>
-              <a:buChar char="o"/>
-            </a:pPr>
-            <a:r>
-              <a:rPr lang="en-US" dirty="0"/>
-              <a:t>Created a prototype design</a:t>
-            </a:r>
-          </a:p>
-          <a:p>
-            <a:pPr>
-              <a:buFont typeface="Courier New" panose="02070309020205020404" pitchFamily="49" charset="0"/>
-              <a:buChar char="o"/>
-            </a:pPr>
-            <a:endParaRPr lang="en-US" dirty="0"/>
-          </a:p>
-          <a:p>
-            <a:pPr>
-              <a:buFont typeface="Courier New" panose="02070309020205020404" pitchFamily="49" charset="0"/>
-              <a:buChar char="o"/>
-            </a:pPr>
-            <a:endParaRPr lang="en-US" dirty="0"/>
-          </a:p>
-        </p:txBody>
-      </p:sp>
-      <p:sp>
-        <p:nvSpPr>
-          <p:cNvPr id="5" name="Text Placeholder 4">
-            <a:extLst>
-              <a:ext uri="{FF2B5EF4-FFF2-40B4-BE49-F238E27FC236}">
-                <a16:creationId xmlns:a16="http://schemas.microsoft.com/office/drawing/2014/main" id="{DEA616D3-ACA2-441A-86D5-F9BF82712BC5}"/>
-              </a:ext>
-            </a:extLst>
-          </p:cNvPr>
-          <p:cNvSpPr>
-            <a:spLocks noGrp="1"/>
-          </p:cNvSpPr>
-          <p:nvPr>
-            <p:ph type="body" sz="quarter" idx="3"/>
-          </p:nvPr>
-        </p:nvSpPr>
-        <p:spPr/>
-        <p:txBody>
-          <a:bodyPr/>
-          <a:lstStyle/>
-          <a:p>
-            <a:r>
-              <a:rPr lang="en-US" dirty="0"/>
-              <a:t>Expected Accomplishments this term</a:t>
-            </a:r>
-          </a:p>
-        </p:txBody>
-      </p:sp>
-      <p:sp>
-        <p:nvSpPr>
-          <p:cNvPr id="6" name="Content Placeholder 5">
-            <a:extLst>
-              <a:ext uri="{FF2B5EF4-FFF2-40B4-BE49-F238E27FC236}">
-                <a16:creationId xmlns:a16="http://schemas.microsoft.com/office/drawing/2014/main" id="{C6286C01-90B1-4286-91E9-9467C25517D9}"/>
-              </a:ext>
-            </a:extLst>
-          </p:cNvPr>
-          <p:cNvSpPr>
-            <a:spLocks noGrp="1"/>
-          </p:cNvSpPr>
-          <p:nvPr>
-            <p:ph sz="quarter" idx="4"/>
-          </p:nvPr>
-        </p:nvSpPr>
-        <p:spPr/>
-        <p:txBody>
-          <a:bodyPr>
-            <a:normAutofit/>
-          </a:bodyPr>
-          <a:lstStyle/>
-          <a:p>
-            <a:pPr>
-              <a:buFont typeface="Courier New" panose="02070309020205020404" pitchFamily="49" charset="0"/>
-              <a:buChar char="o"/>
-            </a:pPr>
-            <a:r>
-              <a:rPr lang="en-US" dirty="0"/>
-              <a:t>Hardware purchasing and budgeting</a:t>
-            </a:r>
-          </a:p>
-          <a:p>
-            <a:pPr>
-              <a:buFont typeface="Courier New" panose="02070309020205020404" pitchFamily="49" charset="0"/>
-              <a:buChar char="o"/>
-            </a:pPr>
-            <a:r>
-              <a:rPr lang="en-US" dirty="0"/>
-              <a:t>Constructing the first prototype</a:t>
-            </a:r>
-          </a:p>
-          <a:p>
-            <a:pPr>
-              <a:buFont typeface="Courier New" panose="02070309020205020404" pitchFamily="49" charset="0"/>
-              <a:buChar char="o"/>
-            </a:pPr>
-            <a:r>
-              <a:rPr lang="en-US" dirty="0"/>
-              <a:t>Train the Kea with the system</a:t>
-            </a:r>
-          </a:p>
-          <a:p>
-            <a:pPr>
-              <a:buFont typeface="Courier New" panose="02070309020205020404" pitchFamily="49" charset="0"/>
-              <a:buChar char="o"/>
-            </a:pPr>
-            <a:r>
-              <a:rPr lang="en-US" dirty="0"/>
-              <a:t>Identifying and correcting issues</a:t>
-            </a:r>
-          </a:p>
-          <a:p>
-            <a:pPr>
-              <a:buFont typeface="Courier New" panose="02070309020205020404" pitchFamily="49" charset="0"/>
-              <a:buChar char="o"/>
-            </a:pPr>
-            <a:r>
-              <a:rPr lang="en-US" dirty="0"/>
-              <a:t>Redesign system</a:t>
-            </a:r>
-          </a:p>
-          <a:p>
-            <a:endParaRPr lang="en-US" dirty="0"/>
-          </a:p>
-        </p:txBody>
-      </p:sp>
-    </p:spTree>
-    <p:extLst>
-      <p:ext uri="{BB962C8B-B14F-4D97-AF65-F5344CB8AC3E}">
-        <p14:creationId xmlns:p14="http://schemas.microsoft.com/office/powerpoint/2010/main" val="2851983742"/>
-      </p:ext>
-    </p:extLst>
-  </p:cSld>
-  <p:clrMapOvr>
-    <a:masterClrMapping/>
-  </p:clrMapOvr>
-</p:sld>
-</file>
-
 <file path=ppt/slides/slide9.xml><?xml version="1.0" encoding="utf-8"?>
 <p:sld xmlns:a="http://schemas.openxmlformats.org/drawingml/2006/main" xmlns:r="http://schemas.openxmlformats.org/officeDocument/2006/relationships" xmlns:p="http://schemas.openxmlformats.org/presentationml/2006/main">
   <p:cSld>
@@ -11292,7 +8948,7 @@
           <p:cNvPr id="2" name="Title 1">
             <a:extLst>
               <a:ext uri="{FF2B5EF4-FFF2-40B4-BE49-F238E27FC236}">
-                <a16:creationId xmlns:a16="http://schemas.microsoft.com/office/drawing/2014/main" id="{512E9F60-99EC-4E67-8778-9FC690D95AA3}"/>
+                <a16:creationId xmlns:a16="http://schemas.microsoft.com/office/drawing/2014/main" id="{F9727559-D2DB-4A65-92CC-4845966EF9EC}"/>
               </a:ext>
             </a:extLst>
           </p:cNvPr>
@@ -11305,22 +8961,28 @@
         </p:nvSpPr>
         <p:spPr/>
         <p:txBody>
-          <a:bodyPr/>
+          <a:bodyPr>
+            <a:normAutofit/>
+          </a:bodyPr>
           <a:lstStyle/>
           <a:p>
             <a:r>
               <a:rPr lang="en-US" dirty="0"/>
-              <a:t>Project Demo</a:t>
-            </a:r>
+              <a:t>Project Results</a:t>
+            </a:r>
+            <a:br>
+              <a:rPr lang="en-US" dirty="0"/>
+            </a:br>
+            <a:endParaRPr lang="en-US" dirty="0"/>
           </a:p>
         </p:txBody>
       </p:sp>
       <p:sp>
         <p:nvSpPr>
-          <p:cNvPr id="3" name="Content Placeholder 2">
+          <p:cNvPr id="4" name="Text Placeholder 3">
             <a:extLst>
               <a:ext uri="{FF2B5EF4-FFF2-40B4-BE49-F238E27FC236}">
-                <a16:creationId xmlns:a16="http://schemas.microsoft.com/office/drawing/2014/main" id="{F2DF78E9-5A3D-483E-9ADC-CF1C08C8978C}"/>
+                <a16:creationId xmlns:a16="http://schemas.microsoft.com/office/drawing/2014/main" id="{87EA6E66-1D8E-4C40-8EA6-3306AAD1629B}"/>
               </a:ext>
             </a:extLst>
           </p:cNvPr>
@@ -11328,7 +8990,7 @@
             <a:spLocks noGrp="1"/>
           </p:cNvSpPr>
           <p:nvPr>
-            <p:ph idx="1"/>
+            <p:ph type="body" idx="1"/>
           </p:nvPr>
         </p:nvSpPr>
         <p:spPr/>
@@ -11336,13 +8998,43 @@
           <a:bodyPr/>
           <a:lstStyle/>
           <a:p>
+            <a:r>
+              <a:rPr lang="en-US" dirty="0"/>
+              <a:t>Current/Completed</a:t>
+            </a:r>
+          </a:p>
+        </p:txBody>
+      </p:sp>
+      <p:sp>
+        <p:nvSpPr>
+          <p:cNvPr id="3" name="Content Placeholder 2">
+            <a:extLst>
+              <a:ext uri="{FF2B5EF4-FFF2-40B4-BE49-F238E27FC236}">
+                <a16:creationId xmlns:a16="http://schemas.microsoft.com/office/drawing/2014/main" id="{68A41AE8-C232-422D-A162-056A0D647140}"/>
+              </a:ext>
+            </a:extLst>
+          </p:cNvPr>
+          <p:cNvSpPr>
+            <a:spLocks noGrp="1"/>
+          </p:cNvSpPr>
+          <p:nvPr>
+            <p:ph sz="half" idx="2"/>
+          </p:nvPr>
+        </p:nvSpPr>
+        <p:spPr/>
+        <p:txBody>
+          <a:bodyPr>
+            <a:normAutofit/>
+          </a:bodyPr>
+          <a:lstStyle/>
+          <a:p>
             <a:pPr>
               <a:buFont typeface="Courier New" panose="02070309020205020404" pitchFamily="49" charset="0"/>
               <a:buChar char="o"/>
             </a:pPr>
             <a:r>
               <a:rPr lang="en-US" dirty="0"/>
-              <a:t>Video of the birds interacting with the system and receiving a reward</a:t>
+              <a:t>Met with Zoo staff and Kea birds</a:t>
             </a:r>
           </a:p>
           <a:p>
@@ -11352,27 +9044,37 @@
             </a:pPr>
             <a:r>
               <a:rPr lang="en-US" dirty="0"/>
-              <a:t>A monitor that allows users to:</a:t>
-            </a:r>
-          </a:p>
-          <a:p>
-            <a:pPr lvl="1">
+              <a:t>Established and approved the game portion</a:t>
+            </a:r>
+          </a:p>
+          <a:p>
+            <a:pPr>
               <a:buFont typeface="Courier New" panose="02070309020205020404" pitchFamily="49" charset="0"/>
               <a:buChar char="o"/>
             </a:pPr>
             <a:r>
               <a:rPr lang="en-US" dirty="0"/>
-              <a:t>Access our program</a:t>
-            </a:r>
-          </a:p>
-          <a:p>
-            <a:pPr lvl="1">
+              <a:t>Created a hardware design</a:t>
+            </a:r>
+          </a:p>
+          <a:p>
+            <a:pPr>
               <a:buFont typeface="Courier New" panose="02070309020205020404" pitchFamily="49" charset="0"/>
               <a:buChar char="o"/>
             </a:pPr>
             <a:r>
               <a:rPr lang="en-US" dirty="0"/>
-              <a:t>Play our games against each other</a:t>
+              <a:t>Hardware purchasing and budgeting</a:t>
+            </a:r>
+          </a:p>
+          <a:p>
+            <a:pPr>
+              <a:buFont typeface="Courier New" panose="02070309020205020404" pitchFamily="49" charset="0"/>
+              <a:buChar char="o"/>
+            </a:pPr>
+            <a:r>
+              <a:rPr lang="en-US" dirty="0"/>
+              <a:t>Testing Hardware and Software together</a:t>
             </a:r>
           </a:p>
           <a:p>
@@ -11382,11 +9084,89 @@
             </a:pPr>
             <a:endParaRPr lang="en-US" dirty="0"/>
           </a:p>
-          <a:p>
-            <a:pPr lvl="1">
+        </p:txBody>
+      </p:sp>
+      <p:sp>
+        <p:nvSpPr>
+          <p:cNvPr id="5" name="Text Placeholder 4">
+            <a:extLst>
+              <a:ext uri="{FF2B5EF4-FFF2-40B4-BE49-F238E27FC236}">
+                <a16:creationId xmlns:a16="http://schemas.microsoft.com/office/drawing/2014/main" id="{DEA616D3-ACA2-441A-86D5-F9BF82712BC5}"/>
+              </a:ext>
+            </a:extLst>
+          </p:cNvPr>
+          <p:cNvSpPr>
+            <a:spLocks noGrp="1"/>
+          </p:cNvSpPr>
+          <p:nvPr>
+            <p:ph type="body" sz="quarter" idx="3"/>
+          </p:nvPr>
+        </p:nvSpPr>
+        <p:spPr/>
+        <p:txBody>
+          <a:bodyPr/>
+          <a:lstStyle/>
+          <a:p>
+            <a:r>
+              <a:rPr lang="en-US" dirty="0"/>
+              <a:t>Expected Accomplishments this term</a:t>
+            </a:r>
+          </a:p>
+        </p:txBody>
+      </p:sp>
+      <p:sp>
+        <p:nvSpPr>
+          <p:cNvPr id="6" name="Content Placeholder 5">
+            <a:extLst>
+              <a:ext uri="{FF2B5EF4-FFF2-40B4-BE49-F238E27FC236}">
+                <a16:creationId xmlns:a16="http://schemas.microsoft.com/office/drawing/2014/main" id="{C6286C01-90B1-4286-91E9-9467C25517D9}"/>
+              </a:ext>
+            </a:extLst>
+          </p:cNvPr>
+          <p:cNvSpPr>
+            <a:spLocks noGrp="1"/>
+          </p:cNvSpPr>
+          <p:nvPr>
+            <p:ph sz="quarter" idx="4"/>
+          </p:nvPr>
+        </p:nvSpPr>
+        <p:spPr/>
+        <p:txBody>
+          <a:bodyPr>
+            <a:normAutofit/>
+          </a:bodyPr>
+          <a:lstStyle/>
+          <a:p>
+            <a:pPr>
               <a:buFont typeface="Courier New" panose="02070309020205020404" pitchFamily="49" charset="0"/>
               <a:buChar char="o"/>
             </a:pPr>
+            <a:r>
+              <a:rPr lang="en-US" dirty="0"/>
+              <a:t>Train the Kea with the system</a:t>
+            </a:r>
+          </a:p>
+          <a:p>
+            <a:pPr>
+              <a:buFont typeface="Courier New" panose="02070309020205020404" pitchFamily="49" charset="0"/>
+              <a:buChar char="o"/>
+            </a:pPr>
+            <a:r>
+              <a:rPr lang="en-US" dirty="0"/>
+              <a:t>Identifying and correcting issues</a:t>
+            </a:r>
+          </a:p>
+          <a:p>
+            <a:pPr>
+              <a:buFont typeface="Courier New" panose="02070309020205020404" pitchFamily="49" charset="0"/>
+              <a:buChar char="o"/>
+            </a:pPr>
+            <a:r>
+              <a:rPr lang="en-US" dirty="0"/>
+              <a:t>Redesign system</a:t>
+            </a:r>
+          </a:p>
+          <a:p>
             <a:endParaRPr lang="en-US" dirty="0"/>
           </a:p>
         </p:txBody>
@@ -11394,7 +9174,7 @@
     </p:spTree>
     <p:extLst>
       <p:ext uri="{BB962C8B-B14F-4D97-AF65-F5344CB8AC3E}">
-        <p14:creationId xmlns:p14="http://schemas.microsoft.com/office/powerpoint/2010/main" val="1765712432"/>
+        <p14:creationId xmlns:p14="http://schemas.microsoft.com/office/powerpoint/2010/main" val="2851983742"/>
       </p:ext>
     </p:extLst>
   </p:cSld>
